--- a/assets/book_cover_front.pptx
+++ b/assets/book_cover_front.pptx
@@ -254,7 +254,7 @@
           <a:p>
             <a:fld id="{389E26BA-BD8D-8D49-924D-BD92A6C5B418}" type="datetimeFigureOut">
               <a:rPr lang="es-ES" smtClean="0"/>
-              <a:t>18/6/25</a:t>
+              <a:t>3/7/25</a:t>
             </a:fld>
             <a:endParaRPr lang="es-ES"/>
           </a:p>
@@ -400,7 +400,7 @@
           <a:p>
             <a:fld id="{389E26BA-BD8D-8D49-924D-BD92A6C5B418}" type="datetimeFigureOut">
               <a:rPr lang="es-ES" smtClean="0"/>
-              <a:t>18/6/25</a:t>
+              <a:t>3/7/25</a:t>
             </a:fld>
             <a:endParaRPr lang="es-ES"/>
           </a:p>
@@ -556,7 +556,7 @@
           <a:p>
             <a:fld id="{389E26BA-BD8D-8D49-924D-BD92A6C5B418}" type="datetimeFigureOut">
               <a:rPr lang="es-ES" smtClean="0"/>
-              <a:t>18/6/25</a:t>
+              <a:t>3/7/25</a:t>
             </a:fld>
             <a:endParaRPr lang="es-ES"/>
           </a:p>
@@ -702,7 +702,7 @@
           <a:p>
             <a:fld id="{389E26BA-BD8D-8D49-924D-BD92A6C5B418}" type="datetimeFigureOut">
               <a:rPr lang="es-ES" smtClean="0"/>
-              <a:t>18/6/25</a:t>
+              <a:t>3/7/25</a:t>
             </a:fld>
             <a:endParaRPr lang="es-ES"/>
           </a:p>
@@ -951,7 +951,7 @@
           <a:p>
             <a:fld id="{389E26BA-BD8D-8D49-924D-BD92A6C5B418}" type="datetimeFigureOut">
               <a:rPr lang="es-ES" smtClean="0"/>
-              <a:t>18/6/25</a:t>
+              <a:t>3/7/25</a:t>
             </a:fld>
             <a:endParaRPr lang="es-ES"/>
           </a:p>
@@ -1135,7 +1135,7 @@
           <a:p>
             <a:fld id="{389E26BA-BD8D-8D49-924D-BD92A6C5B418}" type="datetimeFigureOut">
               <a:rPr lang="es-ES" smtClean="0"/>
-              <a:t>18/6/25</a:t>
+              <a:t>3/7/25</a:t>
             </a:fld>
             <a:endParaRPr lang="es-ES"/>
           </a:p>
@@ -1464,7 +1464,7 @@
           <a:p>
             <a:fld id="{389E26BA-BD8D-8D49-924D-BD92A6C5B418}" type="datetimeFigureOut">
               <a:rPr lang="es-ES" smtClean="0"/>
-              <a:t>18/6/25</a:t>
+              <a:t>3/7/25</a:t>
             </a:fld>
             <a:endParaRPr lang="es-ES"/>
           </a:p>
@@ -1582,7 +1582,7 @@
           <a:p>
             <a:fld id="{389E26BA-BD8D-8D49-924D-BD92A6C5B418}" type="datetimeFigureOut">
               <a:rPr lang="es-ES" smtClean="0"/>
-              <a:t>18/6/25</a:t>
+              <a:t>3/7/25</a:t>
             </a:fld>
             <a:endParaRPr lang="es-ES"/>
           </a:p>
@@ -1677,7 +1677,7 @@
           <a:p>
             <a:fld id="{389E26BA-BD8D-8D49-924D-BD92A6C5B418}" type="datetimeFigureOut">
               <a:rPr lang="es-ES" smtClean="0"/>
-              <a:t>18/6/25</a:t>
+              <a:t>3/7/25</a:t>
             </a:fld>
             <a:endParaRPr lang="es-ES"/>
           </a:p>
@@ -1935,7 +1935,7 @@
           <a:p>
             <a:fld id="{389E26BA-BD8D-8D49-924D-BD92A6C5B418}" type="datetimeFigureOut">
               <a:rPr lang="es-ES" smtClean="0"/>
-              <a:t>18/6/25</a:t>
+              <a:t>3/7/25</a:t>
             </a:fld>
             <a:endParaRPr lang="es-ES"/>
           </a:p>
@@ -2197,7 +2197,7 @@
           <a:p>
             <a:fld id="{389E26BA-BD8D-8D49-924D-BD92A6C5B418}" type="datetimeFigureOut">
               <a:rPr lang="es-ES" smtClean="0"/>
-              <a:t>18/6/25</a:t>
+              <a:t>3/7/25</a:t>
             </a:fld>
             <a:endParaRPr lang="es-ES"/>
           </a:p>
@@ -2386,7 +2386,7 @@
           <a:p>
             <a:fld id="{389E26BA-BD8D-8D49-924D-BD92A6C5B418}" type="datetimeFigureOut">
               <a:rPr lang="es-ES" smtClean="0"/>
-              <a:t>18/6/25</a:t>
+              <a:t>3/7/25</a:t>
             </a:fld>
             <a:endParaRPr lang="es-ES"/>
           </a:p>
@@ -2888,2808 +2888,6 @@
           <a:p>
             <a:pPr algn="ctr"/>
             <a:endParaRPr lang="es-ES"/>
-          </a:p>
-        </p:txBody>
-      </p:sp>
-      <p:sp>
-        <p:nvSpPr>
-          <p:cNvPr id="4" name="CuadroTexto 3">
-            <a:extLst>
-              <a:ext uri="{FF2B5EF4-FFF2-40B4-BE49-F238E27FC236}">
-                <a16:creationId xmlns:a16="http://schemas.microsoft.com/office/drawing/2014/main" id="{70DA9B30-2CAE-B343-85C0-F85B4B683988}"/>
-              </a:ext>
-            </a:extLst>
-          </p:cNvPr>
-          <p:cNvSpPr txBox="1"/>
-          <p:nvPr/>
-        </p:nvSpPr>
-        <p:spPr>
-          <a:xfrm>
-            <a:off x="-2019059" y="-1169048"/>
-            <a:ext cx="5780831" cy="6001643"/>
-          </a:xfrm>
-          <a:prstGeom prst="rect">
-            <a:avLst/>
-          </a:prstGeom>
-          <a:noFill/>
-        </p:spPr>
-        <p:txBody>
-          <a:bodyPr wrap="square" rtlCol="0">
-            <a:spAutoFit/>
-          </a:bodyPr>
-          <a:lstStyle/>
-          <a:p>
-            <a:r>
-              <a:rPr lang="es-ES" sz="400" dirty="0">
-                <a:solidFill>
-                  <a:srgbClr val="00CB00"/>
-                </a:solidFill>
-                <a:latin typeface="Andale Mono" panose="020B0509000000000004" pitchFamily="49" charset="0"/>
-                <a:cs typeface="Arial" panose="020B0604020202020204" pitchFamily="34" charset="0"/>
-              </a:rPr>
-              <a:t> </a:t>
-            </a:r>
-          </a:p>
-          <a:p>
-            <a:r>
-              <a:rPr lang="es-ES" sz="400" dirty="0">
-                <a:solidFill>
-                  <a:srgbClr val="00CB00"/>
-                </a:solidFill>
-                <a:latin typeface="Andale Mono" panose="020B0509000000000004" pitchFamily="49" charset="0"/>
-                <a:cs typeface="Arial" panose="020B0604020202020204" pitchFamily="34" charset="0"/>
-              </a:rPr>
-              <a:t> </a:t>
-            </a:r>
-          </a:p>
-          <a:p>
-            <a:r>
-              <a:rPr lang="es-ES" sz="400" dirty="0">
-                <a:solidFill>
-                  <a:srgbClr val="00CB00"/>
-                </a:solidFill>
-                <a:latin typeface="Andale Mono" panose="020B0509000000000004" pitchFamily="49" charset="0"/>
-                <a:cs typeface="Arial" panose="020B0604020202020204" pitchFamily="34" charset="0"/>
-              </a:rPr>
-              <a:t> </a:t>
-            </a:r>
-          </a:p>
-          <a:p>
-            <a:r>
-              <a:rPr lang="es-ES" sz="400" dirty="0">
-                <a:solidFill>
-                  <a:srgbClr val="00CB00"/>
-                </a:solidFill>
-                <a:latin typeface="Andale Mono" panose="020B0509000000000004" pitchFamily="49" charset="0"/>
-                <a:cs typeface="Arial" panose="020B0604020202020204" pitchFamily="34" charset="0"/>
-              </a:rPr>
-              <a:t> </a:t>
-            </a:r>
-          </a:p>
-          <a:p>
-            <a:r>
-              <a:rPr lang="es-ES" sz="400" dirty="0">
-                <a:solidFill>
-                  <a:srgbClr val="00CB00"/>
-                </a:solidFill>
-                <a:latin typeface="Andale Mono" panose="020B0509000000000004" pitchFamily="49" charset="0"/>
-                <a:cs typeface="Arial" panose="020B0604020202020204" pitchFamily="34" charset="0"/>
-              </a:rPr>
-              <a:t> </a:t>
-            </a:r>
-          </a:p>
-          <a:p>
-            <a:r>
-              <a:rPr lang="es-ES" sz="400" dirty="0">
-                <a:solidFill>
-                  <a:srgbClr val="00CB00"/>
-                </a:solidFill>
-                <a:latin typeface="Andale Mono" panose="020B0509000000000004" pitchFamily="49" charset="0"/>
-                <a:cs typeface="Arial" panose="020B0604020202020204" pitchFamily="34" charset="0"/>
-              </a:rPr>
-              <a:t> </a:t>
-            </a:r>
-          </a:p>
-          <a:p>
-            <a:r>
-              <a:rPr lang="es-ES" sz="400" dirty="0">
-                <a:solidFill>
-                  <a:srgbClr val="00CB00"/>
-                </a:solidFill>
-                <a:latin typeface="Andale Mono" panose="020B0509000000000004" pitchFamily="49" charset="0"/>
-                <a:cs typeface="Arial" panose="020B0604020202020204" pitchFamily="34" charset="0"/>
-              </a:rPr>
-              <a:t> </a:t>
-            </a:r>
-          </a:p>
-          <a:p>
-            <a:r>
-              <a:rPr lang="es-ES" sz="400" dirty="0">
-                <a:solidFill>
-                  <a:srgbClr val="00CB00"/>
-                </a:solidFill>
-                <a:latin typeface="Andale Mono" panose="020B0509000000000004" pitchFamily="49" charset="0"/>
-                <a:cs typeface="Arial" panose="020B0604020202020204" pitchFamily="34" charset="0"/>
-              </a:rPr>
-              <a:t> </a:t>
-            </a:r>
-          </a:p>
-          <a:p>
-            <a:r>
-              <a:rPr lang="es-ES" sz="400" dirty="0">
-                <a:solidFill>
-                  <a:srgbClr val="00CB00"/>
-                </a:solidFill>
-                <a:latin typeface="Andale Mono" panose="020B0509000000000004" pitchFamily="49" charset="0"/>
-                <a:cs typeface="Arial" panose="020B0604020202020204" pitchFamily="34" charset="0"/>
-              </a:rPr>
-              <a:t>                                                                                        -</a:t>
-            </a:r>
-          </a:p>
-          <a:p>
-            <a:r>
-              <a:rPr lang="es-ES" sz="400" dirty="0">
-                <a:solidFill>
-                  <a:srgbClr val="00CB00"/>
-                </a:solidFill>
-                <a:latin typeface="Andale Mono" panose="020B0509000000000004" pitchFamily="49" charset="0"/>
-                <a:cs typeface="Arial" panose="020B0604020202020204" pitchFamily="34" charset="0"/>
-              </a:rPr>
-              <a:t> </a:t>
-            </a:r>
-          </a:p>
-          <a:p>
-            <a:r>
-              <a:rPr lang="es-ES" sz="400" dirty="0">
-                <a:solidFill>
-                  <a:srgbClr val="00CB00"/>
-                </a:solidFill>
-                <a:latin typeface="Andale Mono" panose="020B0509000000000004" pitchFamily="49" charset="0"/>
-                <a:cs typeface="Arial" panose="020B0604020202020204" pitchFamily="34" charset="0"/>
-              </a:rPr>
-              <a:t> </a:t>
-            </a:r>
-          </a:p>
-          <a:p>
-            <a:r>
-              <a:rPr lang="es-ES" sz="400" dirty="0">
-                <a:solidFill>
-                  <a:srgbClr val="00CB00"/>
-                </a:solidFill>
-                <a:latin typeface="Andale Mono" panose="020B0509000000000004" pitchFamily="49" charset="0"/>
-                <a:cs typeface="Arial" panose="020B0604020202020204" pitchFamily="34" charset="0"/>
-              </a:rPr>
-              <a:t> </a:t>
-            </a:r>
-          </a:p>
-          <a:p>
-            <a:r>
-              <a:rPr lang="es-ES" sz="400" dirty="0">
-                <a:solidFill>
-                  <a:srgbClr val="00CB00"/>
-                </a:solidFill>
-                <a:latin typeface="Andale Mono" panose="020B0509000000000004" pitchFamily="49" charset="0"/>
-                <a:cs typeface="Arial" panose="020B0604020202020204" pitchFamily="34" charset="0"/>
-              </a:rPr>
-              <a:t>                                                                                                       -</a:t>
-            </a:r>
-          </a:p>
-          <a:p>
-            <a:r>
-              <a:rPr lang="es-ES" sz="400" dirty="0">
-                <a:solidFill>
-                  <a:srgbClr val="00CB00"/>
-                </a:solidFill>
-                <a:latin typeface="Andale Mono" panose="020B0509000000000004" pitchFamily="49" charset="0"/>
-                <a:cs typeface="Arial" panose="020B0604020202020204" pitchFamily="34" charset="0"/>
-              </a:rPr>
-              <a:t>                                                                                                    ,</a:t>
-            </a:r>
-          </a:p>
-          <a:p>
-            <a:r>
-              <a:rPr lang="es-ES" sz="400" dirty="0">
-                <a:solidFill>
-                  <a:srgbClr val="00CB00"/>
-                </a:solidFill>
-                <a:latin typeface="Andale Mono" panose="020B0509000000000004" pitchFamily="49" charset="0"/>
-                <a:cs typeface="Arial" panose="020B0604020202020204" pitchFamily="34" charset="0"/>
-              </a:rPr>
-              <a:t>                                                                            .                         ⁿ</a:t>
-            </a:r>
-          </a:p>
-          <a:p>
-            <a:r>
-              <a:rPr lang="es-ES" sz="400" dirty="0">
-                <a:solidFill>
-                  <a:srgbClr val="00CB00"/>
-                </a:solidFill>
-                <a:latin typeface="Andale Mono" panose="020B0509000000000004" pitchFamily="49" charset="0"/>
-                <a:cs typeface="Arial" panose="020B0604020202020204" pitchFamily="34" charset="0"/>
-              </a:rPr>
-              <a:t>                                                                                                            '</a:t>
-            </a:r>
-          </a:p>
-          <a:p>
-            <a:r>
-              <a:rPr lang="es-ES" sz="400" dirty="0">
-                <a:solidFill>
-                  <a:srgbClr val="00CB00"/>
-                </a:solidFill>
-                <a:latin typeface="Andale Mono" panose="020B0509000000000004" pitchFamily="49" charset="0"/>
-                <a:cs typeface="Arial" panose="020B0604020202020204" pitchFamily="34" charset="0"/>
-              </a:rPr>
-              <a:t>                                                                                                       -</a:t>
-            </a:r>
-          </a:p>
-          <a:p>
-            <a:r>
-              <a:rPr lang="es-ES" sz="400" dirty="0">
-                <a:solidFill>
-                  <a:srgbClr val="00CB00"/>
-                </a:solidFill>
-                <a:latin typeface="Andale Mono" panose="020B0509000000000004" pitchFamily="49" charset="0"/>
-                <a:cs typeface="Arial" panose="020B0604020202020204" pitchFamily="34" charset="0"/>
-              </a:rPr>
-              <a:t>                                                                        `          `  .                  '   ..≡,,</a:t>
-            </a:r>
-          </a:p>
-          <a:p>
-            <a:r>
-              <a:rPr lang="es-ES" sz="400" dirty="0">
-                <a:solidFill>
-                  <a:srgbClr val="00CB00"/>
-                </a:solidFill>
-                <a:latin typeface="Andale Mono" panose="020B0509000000000004" pitchFamily="49" charset="0"/>
-                <a:cs typeface="Arial" panose="020B0604020202020204" pitchFamily="34" charset="0"/>
-              </a:rPr>
-              <a:t>                                 `                               ╔,-,,     ,,≡▒╗╗≡, -           `       ,≡░░,-░▄░╚╚═                       '</a:t>
-            </a:r>
-          </a:p>
-          <a:p>
-            <a:r>
-              <a:rPr lang="es-ES" sz="400" dirty="0">
-                <a:solidFill>
-                  <a:srgbClr val="00CB00"/>
-                </a:solidFill>
-                <a:latin typeface="Andale Mono" panose="020B0509000000000004" pitchFamily="49" charset="0"/>
-                <a:cs typeface="Arial" panose="020B0604020202020204" pitchFamily="34" charset="0"/>
-              </a:rPr>
-              <a:t>                                                              ≡</a:t>
-            </a:r>
-            <a:r>
-              <a:rPr lang="el-GR" sz="400" dirty="0">
-                <a:solidFill>
-                  <a:srgbClr val="00CB00"/>
-                </a:solidFill>
-                <a:latin typeface="Andale Mono" panose="020B0509000000000004" pitchFamily="49" charset="0"/>
-                <a:cs typeface="Arial" panose="020B0604020202020204" pitchFamily="34" charset="0"/>
-              </a:rPr>
-              <a:t>φ░░;≤╙╚░- -≤╠╩╠║╬╬╠╬░░≡╗╦-      .≡  .    ╚"╚╚░╠░░░░╠░    "</a:t>
-            </a:r>
-          </a:p>
-          <a:p>
-            <a:r>
-              <a:rPr lang="el-GR" sz="400" dirty="0">
-                <a:solidFill>
-                  <a:srgbClr val="00CB00"/>
-                </a:solidFill>
-                <a:latin typeface="Andale Mono" panose="020B0509000000000004" pitchFamily="49" charset="0"/>
-                <a:cs typeface="Arial" panose="020B0604020202020204" pitchFamily="34" charset="0"/>
-              </a:rPr>
-              <a:t>                                                             ▐╩░╚░░,'.╠░  )╚░╚╩╚╚╚╚░;░«░»  ,░░░╔▄</a:t>
-            </a:r>
-            <a:r>
-              <a:rPr lang="el-GR" sz="400" dirty="0" err="1">
-                <a:solidFill>
-                  <a:srgbClr val="00CB00"/>
-                </a:solidFill>
-                <a:latin typeface="Andale Mono" panose="020B0509000000000004" pitchFamily="49" charset="0"/>
-                <a:cs typeface="Arial" panose="020B0604020202020204" pitchFamily="34" charset="0"/>
-              </a:rPr>
-              <a:t>φ╣φφφ</a:t>
-            </a:r>
-            <a:r>
-              <a:rPr lang="el-GR" sz="400" dirty="0">
-                <a:solidFill>
-                  <a:srgbClr val="00CB00"/>
-                </a:solidFill>
-                <a:latin typeface="Andale Mono" panose="020B0509000000000004" pitchFamily="49" charset="0"/>
-                <a:cs typeface="Arial" panose="020B0604020202020204" pitchFamily="34" charset="0"/>
-              </a:rPr>
-              <a:t>≡≡"≤░≈░░░╚▒≡╩░╚░-"  `  .    `</a:t>
-            </a:r>
-          </a:p>
-          <a:p>
-            <a:r>
-              <a:rPr lang="el-GR" sz="400" dirty="0">
-                <a:solidFill>
-                  <a:srgbClr val="00CB00"/>
-                </a:solidFill>
-                <a:latin typeface="Andale Mono" panose="020B0509000000000004" pitchFamily="49" charset="0"/>
-                <a:cs typeface="Arial" panose="020B0604020202020204" pitchFamily="34" charset="0"/>
-              </a:rPr>
-              <a:t>                                                             :╚░░'-≥-≤░░    ^≥≥░'░░~  - ]@░░╚╩╠▓▓▓╣╣╬╣╬╩╬╙░░░,░░░░░░░░╔  ╔φ╗▒φ╦,        `</a:t>
-            </a:r>
-          </a:p>
-          <a:p>
-            <a:r>
-              <a:rPr lang="el-GR" sz="400" dirty="0">
-                <a:solidFill>
-                  <a:srgbClr val="00CB00"/>
-                </a:solidFill>
-                <a:latin typeface="Andale Mono" panose="020B0509000000000004" pitchFamily="49" charset="0"/>
-                <a:cs typeface="Arial" panose="020B0604020202020204" pitchFamily="34" charset="0"/>
-              </a:rPr>
-              <a:t>                                                            ≡≡╔≡░,)---░╠,  ,╔≡░-]░░'≥≤-#╠░░░░╚░║╣▓╠╩╩╠╝░╚ '░φ░░^≤╦░╔╠░░╠╚╬╣▒≡╗╬╠▒-</a:t>
-            </a:r>
-          </a:p>
-          <a:p>
-            <a:r>
-              <a:rPr lang="el-GR" sz="400" dirty="0">
-                <a:solidFill>
-                  <a:srgbClr val="00CB00"/>
-                </a:solidFill>
-                <a:latin typeface="Andale Mono" panose="020B0509000000000004" pitchFamily="49" charset="0"/>
-                <a:cs typeface="Arial" panose="020B0604020202020204" pitchFamily="34" charset="0"/>
-              </a:rPr>
-              <a:t>                                               -         ╔╦╗╬╣╣╬╬╦░░≥░≡╗φ░╔#╩╚╩▒-░░░≤░-╠╙░╚≥≥╠╩╩║╬╩╝░≥░░  -.╠░░░░░╩╚░░-;╔╩║╣▓╬╣╣▓╩▒░                  -</a:t>
-            </a:r>
-          </a:p>
-          <a:p>
-            <a:r>
-              <a:rPr lang="el-GR" sz="400" dirty="0">
-                <a:solidFill>
-                  <a:srgbClr val="00CB00"/>
-                </a:solidFill>
-                <a:latin typeface="Andale Mono" panose="020B0509000000000004" pitchFamily="49" charset="0"/>
-                <a:cs typeface="Arial" panose="020B0604020202020204" pitchFamily="34" charset="0"/>
-              </a:rPr>
-              <a:t>                                                       -╠╠╣╬╩╩╚╚░░╠╠░╚▓╬╩░≤⌐</a:t>
-            </a:r>
-            <a:r>
-              <a:rPr lang="es-ES" sz="400" dirty="0">
-                <a:solidFill>
-                  <a:srgbClr val="00CB00"/>
-                </a:solidFill>
-                <a:latin typeface="Andale Mono" panose="020B0509000000000004" pitchFamily="49" charset="0"/>
-                <a:cs typeface="Arial" panose="020B0604020202020204" pitchFamily="34" charset="0"/>
-              </a:rPr>
-              <a:t>ⁿ"░░░░░░░░- ]▒≡-░░░░╬╬░╚╙░╚"-  ;░≡░╩░=░≤░≥░╚╠╩╠╣╣╬╩╠╠╠░' .           "    '</a:t>
-            </a:r>
-          </a:p>
-          <a:p>
-            <a:r>
-              <a:rPr lang="es-ES" sz="400" dirty="0">
-                <a:solidFill>
-                  <a:srgbClr val="00CB00"/>
-                </a:solidFill>
-                <a:latin typeface="Andale Mono" panose="020B0509000000000004" pitchFamily="49" charset="0"/>
-                <a:cs typeface="Arial" panose="020B0604020202020204" pitchFamily="34" charset="0"/>
-              </a:rPr>
-              <a:t>                                                    -   ░░╚░░░≥░╠╬░╠╬╙╚╚╠░░░-=╔╙░╓└≤"≥-  ╚░░░░░]╩░░░╠░".  ''╚≥╩░░ ╔░░░≥║╠╬╠╣╬╩░░░╚░</a:t>
-            </a:r>
-            <a:r>
-              <a:rPr lang="el-GR" sz="400" dirty="0" err="1">
-                <a:solidFill>
-                  <a:srgbClr val="00CB00"/>
-                </a:solidFill>
-                <a:latin typeface="Andale Mono" panose="020B0509000000000004" pitchFamily="49" charset="0"/>
-                <a:cs typeface="Arial" panose="020B0604020202020204" pitchFamily="34" charset="0"/>
-              </a:rPr>
-              <a:t>φφ</a:t>
-            </a:r>
-            <a:r>
-              <a:rPr lang="el-GR" sz="400" dirty="0">
-                <a:solidFill>
-                  <a:srgbClr val="00CB00"/>
-                </a:solidFill>
-                <a:latin typeface="Andale Mono" panose="020B0509000000000004" pitchFamily="49" charset="0"/>
-                <a:cs typeface="Arial" panose="020B0604020202020204" pitchFamily="34" charset="0"/>
-              </a:rPr>
-              <a:t>▒░░░═≡     .</a:t>
-            </a:r>
-          </a:p>
-          <a:p>
-            <a:r>
-              <a:rPr lang="el-GR" sz="400" dirty="0">
-                <a:solidFill>
-                  <a:srgbClr val="00CB00"/>
-                </a:solidFill>
-                <a:latin typeface="Andale Mono" panose="020B0509000000000004" pitchFamily="49" charset="0"/>
-                <a:cs typeface="Arial" panose="020B0604020202020204" pitchFamily="34" charset="0"/>
-              </a:rPr>
-              <a:t>                                                      -    '░≥░░╩╠╚░╚░░░░≥╦░░╙░░-╔'''''   ╙░╙░░╔▒╚░░╚░     ]╩╩░≥░.╠▒░░╔╠╠╣╩╩░░░░░╩"░^╙╙╙╚▒░╚▒'</a:t>
-            </a:r>
-          </a:p>
-          <a:p>
-            <a:r>
-              <a:rPr lang="el-GR" sz="400" dirty="0">
-                <a:solidFill>
-                  <a:srgbClr val="00CB00"/>
-                </a:solidFill>
-                <a:latin typeface="Andale Mono" panose="020B0509000000000004" pitchFamily="49" charset="0"/>
-                <a:cs typeface="Arial" panose="020B0604020202020204" pitchFamily="34" charset="0"/>
-              </a:rPr>
-              <a:t>                                                   .,≡≡     </a:t>
-            </a:r>
-            <a:r>
-              <a:rPr lang="es-ES" sz="400" dirty="0">
-                <a:solidFill>
-                  <a:srgbClr val="00CB00"/>
-                </a:solidFill>
-                <a:latin typeface="Andale Mono" panose="020B0509000000000004" pitchFamily="49" charset="0"/>
-                <a:cs typeface="Arial" panose="020B0604020202020204" pitchFamily="34" charset="0"/>
-              </a:rPr>
-              <a:t>ⁿ"╚╠╠╚░░'"░≥╩╩░▒░░╚░,.≥≤░≤-    ]╔╗╝╣╩╠╩╩╠▒=  -≤╚╣░╔░⌐░╠╚╠╠╠║╬░░╠╩░░░-- ╠╦╦╦#░░░╩</a:t>
-            </a:r>
-          </a:p>
-          <a:p>
-            <a:r>
-              <a:rPr lang="es-ES" sz="400" dirty="0">
-                <a:solidFill>
-                  <a:srgbClr val="00CB00"/>
-                </a:solidFill>
-                <a:latin typeface="Andale Mono" panose="020B0509000000000004" pitchFamily="49" charset="0"/>
-                <a:cs typeface="Arial" panose="020B0604020202020204" pitchFamily="34" charset="0"/>
-              </a:rPr>
-              <a:t>                                         ≡╗░░,  )═░└ ░░≥≥      ╚╩░░░░ '╚░╚╠╩╚░░╚░░╩░╚░░,,-≤░≥╦╗╬░░╠▒╠▒  ╔╦╠╠╩≤░╙-]╩╗╣╬╣╣╬╠╣╣░└`ⁿ -░╠╬╠░╚░░░</a:t>
-            </a:r>
-          </a:p>
-          <a:p>
-            <a:r>
-              <a:rPr lang="es-ES" sz="400" dirty="0">
-                <a:solidFill>
-                  <a:srgbClr val="00CB00"/>
-                </a:solidFill>
-                <a:latin typeface="Andale Mono" panose="020B0509000000000004" pitchFamily="49" charset="0"/>
-                <a:cs typeface="Arial" panose="020B0604020202020204" pitchFamily="34" charset="0"/>
-              </a:rPr>
-              <a:t>                                        ≤╠░`'░≥╔░""░ ^╙≤╗░   '   ]≡░░- ']╚░░░║▒║▒╗▄╣▄▓▓█▓▓▓▓▓▓▓▓▓▓██▓▓╣╣╬▓▓▓▓▒░╚░░≤╣╣▓╬╠╠╩╩░╬░ ]░░╔╩║▒╠╬╣╬╠@╕</a:t>
-            </a:r>
-          </a:p>
-          <a:p>
-            <a:r>
-              <a:rPr lang="es-ES" sz="400" dirty="0">
-                <a:solidFill>
-                  <a:srgbClr val="00CB00"/>
-                </a:solidFill>
-                <a:latin typeface="Andale Mono" panose="020B0509000000000004" pitchFamily="49" charset="0"/>
-                <a:cs typeface="Arial" panose="020B0604020202020204" pitchFamily="34" charset="0"/>
-              </a:rPr>
-              <a:t>                                      ,╗╩░',''≡║▒░░~╓░ ,≥░o,-     ░║╠╠≡╔≡</a:t>
-            </a:r>
-            <a:r>
-              <a:rPr lang="el-GR" sz="400" dirty="0">
-                <a:solidFill>
-                  <a:srgbClr val="00CB00"/>
-                </a:solidFill>
-                <a:latin typeface="Andale Mono" panose="020B0509000000000004" pitchFamily="49" charset="0"/>
-                <a:cs typeface="Arial" panose="020B0604020202020204" pitchFamily="34" charset="0"/>
-              </a:rPr>
-              <a:t>φ╣▓▓╣╣╣▓▓▓██╣▓▀╣╬╠╣▓╬╣▓▒╣╣╬╬╠╣▓█▓▓▓▓▓▓▒╬╠▄╠▓╣╣╬╬╩░░╔╠░≡≡░╠╠░╔╣╠╩╚╬░╚╚▒ '            -    -</a:t>
-            </a:r>
-          </a:p>
-          <a:p>
-            <a:r>
-              <a:rPr lang="el-GR" sz="400" dirty="0">
-                <a:solidFill>
-                  <a:srgbClr val="00CB00"/>
-                </a:solidFill>
-                <a:latin typeface="Andale Mono" panose="020B0509000000000004" pitchFamily="49" charset="0"/>
-                <a:cs typeface="Arial" panose="020B0604020202020204" pitchFamily="34" charset="0"/>
-              </a:rPr>
-              <a:t>                                      ╚░".░"`'"╙╚╬░░░╓░╚░╚╬░╧≡-   -╠╣▓▓▓╬╬╣▓▓▓▓▓▓╣╣╬╠╬╬╣╣╣╬╠╣▓▓██▓▓▓╣▓╬╠▓▓██▓╣▓║▓▓▓▓▓╬╬╠╠╩╚░╠╬╚╠╠╣╣╣╠╬░≡░░░╩╚▒╣▒ -  =╚║╦</a:t>
-            </a:r>
-          </a:p>
-          <a:p>
-            <a:r>
-              <a:rPr lang="el-GR" sz="400" dirty="0">
-                <a:solidFill>
-                  <a:srgbClr val="00CB00"/>
-                </a:solidFill>
-                <a:latin typeface="Andale Mono" panose="020B0509000000000004" pitchFamily="49" charset="0"/>
-                <a:cs typeface="Arial" panose="020B0604020202020204" pitchFamily="34" charset="0"/>
-              </a:rPr>
-              <a:t>                                    `  ░,""'-≤≥^"]░╚╣╩░░╩░░▒╦≤╚∩ ≤≡╣╣▓██▌╣╣▓▓▓▓╬╬▒╣▓▓╣╬╣▓╣╣╣╬╣╣▓╣╬╠╝▀╚░≡╚╠╣╬║╬╣▓▓█████▓╬╣▒╩╚╚░░╔╬╣╬╠╩░=░╓=="░²`    ≤░-░╚▒-</a:t>
-            </a:r>
-          </a:p>
-          <a:p>
-            <a:r>
-              <a:rPr lang="el-GR" sz="400" dirty="0">
-                <a:solidFill>
-                  <a:srgbClr val="00CB00"/>
-                </a:solidFill>
-                <a:latin typeface="Andale Mono" panose="020B0509000000000004" pitchFamily="49" charset="0"/>
-                <a:cs typeface="Arial" panose="020B0604020202020204" pitchFamily="34" charset="0"/>
-              </a:rPr>
-              <a:t>                                    .-░╙╙╚╔, ≥  -░."╚░╔╚░░└╔╣▒╬</a:t>
-            </a:r>
-            <a:r>
-              <a:rPr lang="el-GR" sz="400" dirty="0" err="1">
-                <a:solidFill>
-                  <a:srgbClr val="00CB00"/>
-                </a:solidFill>
-                <a:latin typeface="Andale Mono" panose="020B0509000000000004" pitchFamily="49" charset="0"/>
-                <a:cs typeface="Arial" panose="020B0604020202020204" pitchFamily="34" charset="0"/>
-              </a:rPr>
-              <a:t>φφ</a:t>
-            </a:r>
-            <a:r>
-              <a:rPr lang="el-GR" sz="400" dirty="0">
-                <a:solidFill>
-                  <a:srgbClr val="00CB00"/>
-                </a:solidFill>
-                <a:latin typeface="Andale Mono" panose="020B0509000000000004" pitchFamily="49" charset="0"/>
-                <a:cs typeface="Arial" panose="020B0604020202020204" pitchFamily="34" charset="0"/>
-              </a:rPr>
-              <a:t>╬╬╬╣╬╬╬╩╠╠║▓▓▓╬╠╬╣▓╬╣╬╠╣╣▓▓╣▓▓╣╣▌╗╠╠╬╬▒╠╬╬╬╠╬╩╠╝╣█▓▓▓▓▓╬▓▓▄▄╠╣╠╠╝╩╩╙='░╔╗░      ;≥≡░,=-;║▒ `</a:t>
-            </a:r>
-          </a:p>
-          <a:p>
-            <a:r>
-              <a:rPr lang="el-GR" sz="400" dirty="0">
-                <a:solidFill>
-                  <a:srgbClr val="00CB00"/>
-                </a:solidFill>
-                <a:latin typeface="Andale Mono" panose="020B0509000000000004" pitchFamily="49" charset="0"/>
-                <a:cs typeface="Arial" panose="020B0604020202020204" pitchFamily="34" charset="0"/>
-              </a:rPr>
-              <a:t>                                   ]╩≥=░░]≡░≥      ╔φ╣▒╠╬╠║╬╦╣▓╬╬╣╬░╚░╚║▒╬╠╣╣╬║╬╬╠╔╦╣╬║╣╬╣╣▓╣╝╬╩╠╠╬╠╠╬╠║φ╣╬╬╠▓▓▓▓╣╬╠╣╣╬╠║╣▓███▒▒╙'"-╚,░╠▒░╚╩░ '-░░-#░.,',░╠╩</a:t>
-            </a:r>
-          </a:p>
-          <a:p>
-            <a:r>
-              <a:rPr lang="el-GR" sz="400" dirty="0">
-                <a:solidFill>
-                  <a:srgbClr val="00CB00"/>
-                </a:solidFill>
-                <a:latin typeface="Andale Mono" panose="020B0509000000000004" pitchFamily="49" charset="0"/>
-                <a:cs typeface="Arial" panose="020B0604020202020204" pitchFamily="34" charset="0"/>
-              </a:rPr>
-              <a:t>                                   ]░;╔╣╬░░≥░░≥,╔▒░.≡░╚╣╬╬║▓▓▓▓╬╬╬╬░░╔╣╠║╠╣▒╚╩╚╚≡╦╔╦║╬░≡╠╠╣╣╬╝╠╩╠╠╬╣╬╣╣╣╣╣╬╠╠╠╩╠╠╬╣╬▒║╣▓▓╣██▓▓█▓╣▒░≡╩░░░"  -]╬╩░ '░░≤≥"'    '                       -</a:t>
-            </a:r>
-          </a:p>
-          <a:p>
-            <a:r>
-              <a:rPr lang="el-GR" sz="400" dirty="0">
-                <a:solidFill>
-                  <a:srgbClr val="00CB00"/>
-                </a:solidFill>
-                <a:latin typeface="Andale Mono" panose="020B0509000000000004" pitchFamily="49" charset="0"/>
-                <a:cs typeface="Arial" panose="020B0604020202020204" pitchFamily="34" charset="0"/>
-              </a:rPr>
-              <a:t>                                   -╚╬╣╣╬╩╠░░░░╔╩≥░.=░╦╚╬╠╣▓╣▓▓▓▓╬╠╣▓▒╠╠╠╠░╚╚░╠▒░░░░░╚░╠╠╣▓╣╣░░╬╣╣╬╠║╣╣▓╣╣╬╩░░░╠╣╬╠╬╣╬╣╣╬╠╬▀▀╠╣╬▓▓▒≡≡░░╔░≡╦░-╚╚░░'              .</a:t>
-            </a:r>
-          </a:p>
-          <a:p>
-            <a:r>
-              <a:rPr lang="el-GR" sz="400" dirty="0">
-                <a:solidFill>
-                  <a:srgbClr val="00CB00"/>
-                </a:solidFill>
-                <a:latin typeface="Andale Mono" panose="020B0509000000000004" pitchFamily="49" charset="0"/>
-                <a:cs typeface="Arial" panose="020B0604020202020204" pitchFamily="34" charset="0"/>
-              </a:rPr>
-              <a:t>                                  = ≈╠╠╠░░░╙╩░░░║╣▓▒▄╦╠╦╣▓╬╠╣▓▒╣╣╣▓▓╣▒╠▒╠╬╠╣░▒╔≡░░╔╦╬░░░╬╣▓▓╣▓▒▓╣▓╬╬╬╠╠╩╣╬░╔≡╠╣╣╣▓▓╬╠╚╬≡░░≤φ╬╣▒╬╩╣▓█▒╦≥≡░╩╠╚φ╩░░'  ⌐  ≡-≡░░                  '</a:t>
-            </a:r>
-          </a:p>
-          <a:p>
-            <a:r>
-              <a:rPr lang="el-GR" sz="400" dirty="0">
-                <a:solidFill>
-                  <a:srgbClr val="00CB00"/>
-                </a:solidFill>
-                <a:latin typeface="Andale Mono" panose="020B0509000000000004" pitchFamily="49" charset="0"/>
-                <a:cs typeface="Arial" panose="020B0604020202020204" pitchFamily="34" charset="0"/>
-              </a:rPr>
-              <a:t>                                     ░╙░╚⌐]░`"^└╙║╚╠╠╣▓▓▓▓█▓▒╠╩╚╚╬╣╬░╣▓▓╬╣▒╠╝╣╣╣╣╣╩╠╬▒φ░╠╠▓▓╬▓▓╣▓╬╬░░╚╚╩≡╠║╣╬╠║█▓▓▓╠╝╩╬≡░╣╬▓▓▓█╬╠╬╠▓▓╣╬╬╠╬╩≥░╩░;,     ':░"='       --≡≡≡░≡</a:t>
-            </a:r>
-          </a:p>
-          <a:p>
-            <a:r>
-              <a:rPr lang="el-GR" sz="400" dirty="0">
-                <a:solidFill>
-                  <a:srgbClr val="00CB00"/>
-                </a:solidFill>
-                <a:latin typeface="Andale Mono" panose="020B0509000000000004" pitchFamily="49" charset="0"/>
-                <a:cs typeface="Arial" panose="020B0604020202020204" pitchFamily="34" charset="0"/>
-              </a:rPr>
-              <a:t>                                            =≈  ,  ╙╚╣╣╬▓███▓╩╣╗</a:t>
-            </a:r>
-            <a:r>
-              <a:rPr lang="es-ES" sz="400" dirty="0">
-                <a:solidFill>
-                  <a:srgbClr val="00CB00"/>
-                </a:solidFill>
-                <a:latin typeface="Andale Mono" panose="020B0509000000000004" pitchFamily="49" charset="0"/>
-                <a:cs typeface="Arial" panose="020B0604020202020204" pitchFamily="34" charset="0"/>
-              </a:rPr>
-              <a:t>Q╠╠╠▓▓╣╬▓▓▒╔╠╠╠║╬▒░║╚╩╬╗╬╚╬╠╠░║╬╬╠╠░=╠╩╝╣▓╣╬╣╬░╩║╬╠▒╠╝╩╠░╠░╚╚╙╚╣▄░╣█▓▓▓▒░'≥░░░╚░░░≡,''-░-''.-     -=-""░░╚▒</a:t>
-            </a:r>
-          </a:p>
-          <a:p>
-            <a:r>
-              <a:rPr lang="es-ES" sz="400" dirty="0">
-                <a:solidFill>
-                  <a:srgbClr val="00CB00"/>
-                </a:solidFill>
-                <a:latin typeface="Andale Mono" panose="020B0509000000000004" pitchFamily="49" charset="0"/>
-                <a:cs typeface="Arial" panose="020B0604020202020204" pitchFamily="34" charset="0"/>
-              </a:rPr>
-              <a:t>                                "           - -    »╩╠╠╠╣▓▓▓╣╝╣▄╠╬╣▓╣▓▓▓▓▓▀╬╠╠╣╬╣▓╬╬▒╦░╠≡╣╣╬╬╠╬╠║╬╩▒░╠╠╠║╣▓╣▓╣▒╣╬║╬░║╩╣≡╬░╠╠╣▒╠╣╣╩╬╠╬╬╠▓▓▒░░░░░░░╠░░░░░░.≡ ░░,- ,░=-  `░»≤≡░</a:t>
-            </a:r>
-          </a:p>
-          <a:p>
-            <a:r>
-              <a:rPr lang="es-ES" sz="400" dirty="0">
-                <a:solidFill>
-                  <a:srgbClr val="00CB00"/>
-                </a:solidFill>
-                <a:latin typeface="Andale Mono" panose="020B0509000000000004" pitchFamily="49" charset="0"/>
-                <a:cs typeface="Arial" panose="020B0604020202020204" pitchFamily="34" charset="0"/>
-              </a:rPr>
-              <a:t>                                                    ≡╠╣▓╬╣╣╠▒╠╠╬╬▀▓╬╠╣╬╠╩╚╠╬╣╣╣▓╣▓╣╣▒░╚╚≥╠╣▓▓╬╣╣╝╩░╩╠▒╠╬╣▓▓╣▓╬╬╬╣╣╬╩░≥╚╚░╠▓╣▓╣╣╬╬╝╬╚╣╬╬╠╣▓▒░╠▒╠╠╠╩╩╚░-░^-╔╦╠╩░,╦░╬▒░,  .-░░╠</a:t>
-            </a:r>
-          </a:p>
-          <a:p>
-            <a:r>
-              <a:rPr lang="es-ES" sz="400" dirty="0">
-                <a:solidFill>
-                  <a:srgbClr val="00CB00"/>
-                </a:solidFill>
-                <a:latin typeface="Andale Mono" panose="020B0509000000000004" pitchFamily="49" charset="0"/>
-                <a:cs typeface="Arial" panose="020B0604020202020204" pitchFamily="34" charset="0"/>
-              </a:rPr>
-              <a:t>                                                    "╣╣▓▓▓▓╬╬╠╣▒▓╬║╬░╠╣╣▓▓▄╩╠╣▓▓▓▓▓╬║▓▓▌╬░╚╣╬╬╠░░≡╦</a:t>
-            </a:r>
-            <a:r>
-              <a:rPr lang="el-GR" sz="400" dirty="0">
-                <a:solidFill>
-                  <a:srgbClr val="00CB00"/>
-                </a:solidFill>
-                <a:latin typeface="Andale Mono" panose="020B0509000000000004" pitchFamily="49" charset="0"/>
-                <a:cs typeface="Arial" panose="020B0604020202020204" pitchFamily="34" charset="0"/>
-              </a:rPr>
-              <a:t>φ╣╣╣╣▓╣╣╣╬╣▓╣╬╩╚▒░╦≡╦╠╠▓╣▓▓╩╣╬╦║╬╣╣▓╣╣▓▓▒╚░░░░≡░░ =░~'╙░╙░╔≥░≡╠▒╦╠░"≥░░≥░</a:t>
-            </a:r>
-          </a:p>
-          <a:p>
-            <a:r>
-              <a:rPr lang="el-GR" sz="400" dirty="0">
-                <a:solidFill>
-                  <a:srgbClr val="00CB00"/>
-                </a:solidFill>
-                <a:latin typeface="Andale Mono" panose="020B0509000000000004" pitchFamily="49" charset="0"/>
-                <a:cs typeface="Arial" panose="020B0604020202020204" pitchFamily="34" charset="0"/>
-              </a:rPr>
-              <a:t>                                      " ---,--, --"- ]╠▓╬╬╣▓╬▒╣╠░░╚║╩╬╣╣▓▓▓▒╤▒╚╚╬╙╚║▓╣╠╩╠▒║╠╩░╚░╠╬╣╣╣▓▓╣▓╣╬▓▓╣╣▓▒╬╬╠╠╣╬╠░╠╬╣╣╣▓╣╬╠╣╣▓▓▓╣╣╣▓█▒-"░░░'],  ░''",░╙≥└░╔░╦░░░</a:t>
-            </a:r>
-          </a:p>
-          <a:p>
-            <a:r>
-              <a:rPr lang="el-GR" sz="400" dirty="0">
-                <a:solidFill>
-                  <a:srgbClr val="00CB00"/>
-                </a:solidFill>
-                <a:latin typeface="Andale Mono" panose="020B0509000000000004" pitchFamily="49" charset="0"/>
-                <a:cs typeface="Arial" panose="020B0604020202020204" pitchFamily="34" charset="0"/>
-              </a:rPr>
-              <a:t>                                      -≤░</a:t>
-            </a:r>
-            <a:r>
-              <a:rPr lang="es-ES" sz="400" dirty="0">
-                <a:solidFill>
-                  <a:srgbClr val="00CB00"/>
-                </a:solidFill>
-                <a:latin typeface="Andale Mono" panose="020B0509000000000004" pitchFamily="49" charset="0"/>
-                <a:cs typeface="Arial" panose="020B0604020202020204" pitchFamily="34" charset="0"/>
-              </a:rPr>
-              <a:t>ⁿ░░░░░░╔#╦╦░░║▓╬╣╬╣▓╬╩╩╩╝░╠░≡╣╩╚╚░╠╬╠╬▒░╠╠░║╝╣╝▀▒▒╚░;#╦╣╣▓▓▓▓▓╣╣╣╣╣▓▓▓▓▌╣╣╣╣╣╣▒╠╠╬╬╣▓▓▓╬╬║╬╣╣╬╩╣╬╣▓█▒="╚░"' -;≤╗╗▒░░="╔-~;-╙╠╩</a:t>
-            </a:r>
-          </a:p>
-          <a:p>
-            <a:r>
-              <a:rPr lang="es-ES" sz="400" dirty="0">
-                <a:solidFill>
-                  <a:srgbClr val="00CB00"/>
-                </a:solidFill>
-                <a:latin typeface="Andale Mono" panose="020B0509000000000004" pitchFamily="49" charset="0"/>
-                <a:cs typeface="Arial" panose="020B0604020202020204" pitchFamily="34" charset="0"/>
-              </a:rPr>
-              <a:t>                             ≡≥▒╦░ -  '░░░:░░░░░░░"' =║╬╣╣╬▒░╠╣▒░░'║╠╣░║╩╣▒╠╬╠╠╣▒╣╬╠╩╩╩≡╠╠╬≡╬╩╔≡╬╣╬╣╣╬╬╬╬╣▓╣▓▒╣▓▀╣╬╬║╬╬╩╚░║╣╩║╩╩╬╩╚╬║╬╚╬╬║▓▓▓█▒░░≤≡≤╬╬╠░╩╠╬▒░╙░;░≡░=="</a:t>
-            </a:r>
-          </a:p>
-          <a:p>
-            <a:r>
-              <a:rPr lang="es-ES" sz="400" dirty="0">
-                <a:solidFill>
-                  <a:srgbClr val="00CB00"/>
-                </a:solidFill>
-                <a:latin typeface="Andale Mono" panose="020B0509000000000004" pitchFamily="49" charset="0"/>
-                <a:cs typeface="Arial" panose="020B0604020202020204" pitchFamily="34" charset="0"/>
-              </a:rPr>
-              <a:t>                            ╠╩░░≥░'≥░≤░≤╩╗░░≡░≥╦`-≡≤░░╣╬╣▓▓▌▒╠╠≡╠╩≡░╠╣▒╬╬╣╣╣╣╣╣╬║╬╣╩╬▓▓╬▓▓▓▓▒╦╣╣╣╣▓╬║╬╣▓▓╣▓▒╠╚╠╠║╬╣╬╩╚╠╠░╠╠╩║≡░╚░░╠╬≡╠╣╣╣╣█▓╣▓▓╬╠≡╬╠╠╬░╗▒░≥╩░"     - .</a:t>
-            </a:r>
-          </a:p>
-          <a:p>
-            <a:r>
-              <a:rPr lang="es-ES" sz="400" dirty="0">
-                <a:solidFill>
-                  <a:srgbClr val="00CB00"/>
-                </a:solidFill>
-                <a:latin typeface="Andale Mono" panose="020B0509000000000004" pitchFamily="49" charset="0"/>
-                <a:cs typeface="Arial" panose="020B0604020202020204" pitchFamily="34" charset="0"/>
-              </a:rPr>
-              <a:t>                           ]╦≡░░░░≡╦▒░░╔╗╣╬╬╠╬╗╦,╓░░╠╣▓▓╣▓█▓╣╬╬╣╠▓▓▓▓╣▓╬▓▓▓▓╣╬╣╣╣▒╬╣▓▓▓╣▓▓╣╬╣╩╚╩╬╩║╬╠╠╣╬╣▓╣▓╣▓▓╣▓▓▒╣╬╬╠╬╠░≡░╬░╠░░╠╠▓╬╬╣▓╣╬╠▓╣▓╠░░░≥░░░░░░░╚░`      `</a:t>
-            </a:r>
-          </a:p>
-          <a:p>
-            <a:r>
-              <a:rPr lang="es-ES" sz="400" dirty="0">
-                <a:solidFill>
-                  <a:srgbClr val="00CB00"/>
-                </a:solidFill>
-                <a:latin typeface="Andale Mono" panose="020B0509000000000004" pitchFamily="49" charset="0"/>
-                <a:cs typeface="Arial" panose="020B0604020202020204" pitchFamily="34" charset="0"/>
-              </a:rPr>
-              <a:t>                            ╠╠╚░░╠╬╣╠≡░║╬╬╩╠╠≡≡≥░╩╚╚╩╚╣▓╣╬╣╣╣╣▓╬╣▓╬╣╬╣╩╩╩╣╬╣╬░░=]╠╩╗╬╠║╬╠╬╬╚║╝╚╣╩░╚╬╩║▓╬╬╣▓▓▓╣▓▓▓▓▓▒╬╠╠╠║▒░╠▒░╩#║╣╣╬╣╣╬╬╠╬║▓▓╣▓▒░░░≥░░░-'"       -</a:t>
-            </a:r>
-          </a:p>
-          <a:p>
-            <a:r>
-              <a:rPr lang="es-ES" sz="400" dirty="0">
-                <a:solidFill>
-                  <a:srgbClr val="00CB00"/>
-                </a:solidFill>
-                <a:latin typeface="Andale Mono" panose="020B0509000000000004" pitchFamily="49" charset="0"/>
-                <a:cs typeface="Arial" panose="020B0604020202020204" pitchFamily="34" charset="0"/>
-              </a:rPr>
-              <a:t>                             ╙╦░≥╚╠╠╩░░║░╠║╬░╬░≡░░∩-╦.╚╣╣╣╬╣╣╣▓╣╣╬╬╩░╚╬╣▒╣╬╠╬╠║╣▒╠╗╣╬╬╣╬╠╩≡╔╠╦╦╩╠░░╝╠╩║╣╣▓▓▓▓▓▓╣╬▓╣╣▓▓▓▓╬╣╣╣╣╣╣▒╠╣╣╣╣╬╠╣▓▓▓▓▓▓▓╠╩░≥,'--</a:t>
-            </a:r>
-          </a:p>
-          <a:p>
-            <a:r>
-              <a:rPr lang="es-ES" sz="400" dirty="0">
-                <a:solidFill>
-                  <a:srgbClr val="00CB00"/>
-                </a:solidFill>
-                <a:latin typeface="Andale Mono" panose="020B0509000000000004" pitchFamily="49" charset="0"/>
-                <a:cs typeface="Arial" panose="020B0604020202020204" pitchFamily="34" charset="0"/>
-              </a:rPr>
-              <a:t>                                 ░╚╚≡░░░╬╬╩░░≈░░╓═≈ⁿ'░-└╠╣╬╬╬╬╬╠╠╠╣╬╠║║╣▒╬║▌░╠╣╬▄╬╠╠╔▓▓█▓╣▒╚≡░╚╔:╬░░░╩╣╬╣╣█╬╣▓▓▓╬▓▓▓█▓╬╣╬╠╬╣╣▓╬╬╣╬╬╣╬╬▓▓▓╬╣╣█▓▒╬╤░░,,'              -</a:t>
-            </a:r>
-          </a:p>
-          <a:p>
-            <a:r>
-              <a:rPr lang="es-ES" sz="400" dirty="0">
-                <a:solidFill>
-                  <a:srgbClr val="00CB00"/>
-                </a:solidFill>
-                <a:latin typeface="Andale Mono" panose="020B0509000000000004" pitchFamily="49" charset="0"/>
-                <a:cs typeface="Arial" panose="020B0604020202020204" pitchFamily="34" charset="0"/>
-              </a:rPr>
-              <a:t>                                   '"`' ,╙╙╦═ⁿ"     ╔╩░╔░╣▓╬╬╣╣╣▓▓▓▓▒╬╠╬▒╠╠╚║╣╬╠╠╬╣▓▓▓▓██▀░╔╬╣▒</a:t>
-            </a:r>
-            <a:r>
-              <a:rPr lang="el-GR" sz="400" dirty="0">
-                <a:solidFill>
-                  <a:srgbClr val="00CB00"/>
-                </a:solidFill>
-                <a:latin typeface="Andale Mono" panose="020B0509000000000004" pitchFamily="49" charset="0"/>
-                <a:cs typeface="Arial" panose="020B0604020202020204" pitchFamily="34" charset="0"/>
-              </a:rPr>
-              <a:t>φ░░╠░░≡╠║╣╣▓▓██╩╣╩╩╚╠╬╬▒║╣╬╣╬╠╣╬╬╬╚╚╠╠╬╣▓╣╣▓██▌╩╠╠╠╩╚░╚▒."{</a:t>
-            </a:r>
-            <a:r>
-              <a:rPr lang="es-ES" sz="400" dirty="0">
-                <a:solidFill>
-                  <a:srgbClr val="00CB00"/>
-                </a:solidFill>
-                <a:latin typeface="Andale Mono" panose="020B0509000000000004" pitchFamily="49" charset="0"/>
-                <a:cs typeface="Arial" panose="020B0604020202020204" pitchFamily="34" charset="0"/>
-              </a:rPr>
-              <a:t>ⁿ===     »░╦</a:t>
-            </a:r>
-          </a:p>
-          <a:p>
-            <a:r>
-              <a:rPr lang="es-ES" sz="400" dirty="0">
-                <a:solidFill>
-                  <a:srgbClr val="00CB00"/>
-                </a:solidFill>
-                <a:latin typeface="Andale Mono" panose="020B0509000000000004" pitchFamily="49" charset="0"/>
-                <a:cs typeface="Arial" panose="020B0604020202020204" pitchFamily="34" charset="0"/>
-              </a:rPr>
-              <a:t>                                 -       ' ^      ",╚░░.░╠╣▓╣╣▓▓▓╣╬╬╬║╬╬╬░░║╬╠╣▒╠╣╣╣▓▓╬╬░╚░╚╬╩╠╠░░░╠░╔░╚╬╠╠╩╩╩╩╩░≡╠╬╬╬╣╬╠╠╠╩░╙░╠╠░≡░╠░╠║╠▓███▒╔╬▒=═`]╦░░." =- ╓    =╓╠"</a:t>
-            </a:r>
-          </a:p>
-          <a:p>
-            <a:r>
-              <a:rPr lang="es-ES" sz="400" dirty="0">
-                <a:solidFill>
-                  <a:srgbClr val="00CB00"/>
-                </a:solidFill>
-                <a:latin typeface="Andale Mono" panose="020B0509000000000004" pitchFamily="49" charset="0"/>
-                <a:cs typeface="Arial" panose="020B0604020202020204" pitchFamily="34" charset="0"/>
-              </a:rPr>
-              <a:t>                                                ╓   ║╗▒░╗╠╣▓▓▓██▓╬╣╬╠╠╠╩║▒≥╠║╬╣╣▓╣▓╬╬╚╠╠╣▒╦╠▒░╚╩╣▒░╚▒░╚╚╠╩░░╩╝╠░░≡╩╬╣╠╠╠▒╠╬╙░▒≤╠╩░░╩╚║▒▐║▓██▒]╣╣╬╠░,,░"≤≥≤,░-= ,`░≤≡╚≡ -</a:t>
-            </a:r>
-          </a:p>
-          <a:p>
-            <a:r>
-              <a:rPr lang="es-ES" sz="400" dirty="0">
-                <a:solidFill>
-                  <a:srgbClr val="00CB00"/>
-                </a:solidFill>
-                <a:latin typeface="Andale Mono" panose="020B0509000000000004" pitchFamily="49" charset="0"/>
-                <a:cs typeface="Arial" panose="020B0604020202020204" pitchFamily="34" charset="0"/>
-              </a:rPr>
-              <a:t>                                             -░░░░░╔╬╣╣╣╣╬╠╠╣▓▓▓╬╠╣╣▓▓▒░╚░░╠░╚╩╣╬╬╝░╬▓╬╬░╚╠░╚╠╣╗▒░░░╠░"╠╩║▒░╦╗▒#░░░╠░╚╦║░░≡╣╬╠▒╚╗╩░≡╣╠░╣▓▓╩└  ╙╚╙╚╙-#░░≡░╚╚╠≥░.░=≤#▒╦⌐       `</a:t>
-            </a:r>
-          </a:p>
-          <a:p>
-            <a:r>
-              <a:rPr lang="es-ES" sz="400" dirty="0">
-                <a:solidFill>
-                  <a:srgbClr val="00CB00"/>
-                </a:solidFill>
-                <a:latin typeface="Andale Mono" panose="020B0509000000000004" pitchFamily="49" charset="0"/>
-                <a:cs typeface="Arial" panose="020B0604020202020204" pitchFamily="34" charset="0"/>
-              </a:rPr>
-              <a:t>                       '             "  .-. =;░░╚░╠╬╠╬╠╣╬╝╩╩╚╚╣╣▓╬╬╠╠▓█╠╬≤╗╠░░╬░╚╬╩╩╠║╣▒╠╠░╦░╩╩░░╚║╩╙@╗╩▒╩░░░╚≡▄▄@╩░╠╬░░║╠╩╬▓@≥░╠╩║</a:t>
-            </a:r>
-            <a:r>
-              <a:rPr lang="el-GR" sz="400" dirty="0">
-                <a:solidFill>
-                  <a:srgbClr val="00CB00"/>
-                </a:solidFill>
-                <a:latin typeface="Andale Mono" panose="020B0509000000000004" pitchFamily="49" charset="0"/>
-                <a:cs typeface="Arial" panose="020B0604020202020204" pitchFamily="34" charset="0"/>
-              </a:rPr>
-              <a:t>φ╣╦▓▓╩' "        ░░░╚░╗░░░≥╠╦≡╠╣╣▒░</a:t>
-            </a:r>
-          </a:p>
-          <a:p>
-            <a:r>
-              <a:rPr lang="el-GR" sz="400" dirty="0">
-                <a:solidFill>
-                  <a:srgbClr val="00CB00"/>
-                </a:solidFill>
-                <a:latin typeface="Andale Mono" panose="020B0509000000000004" pitchFamily="49" charset="0"/>
-                <a:cs typeface="Arial" panose="020B0604020202020204" pitchFamily="34" charset="0"/>
-              </a:rPr>
-              <a:t>                                   ≡░░░░' ░░"└░░░░░╬╠╠╩░≤░`'''╚╚▀▓▓▓▓▓▓▒░║╠╬╣▒▒╠≥╓╔φ╠╬╣╬╬░╦░░░░╚╝░╚≡░░╔φ╩╩║▒░║█╣▓▓╣╣╬▓▒░╝╣▒║╣╣▄╣░╣▓▓▓█╩░            '   ░╚≤░░░╚╚╝╬╩║░╚╦</a:t>
-            </a:r>
-          </a:p>
-          <a:p>
-            <a:r>
-              <a:rPr lang="el-GR" sz="400" dirty="0">
-                <a:solidFill>
-                  <a:srgbClr val="00CB00"/>
-                </a:solidFill>
-                <a:latin typeface="Andale Mono" panose="020B0509000000000004" pitchFamily="49" charset="0"/>
-                <a:cs typeface="Arial" panose="020B0604020202020204" pitchFamily="34" charset="0"/>
-              </a:rPr>
-              <a:t>                                  ]░^≥≥⌐,,''░,,∩╙░░╚╚░░░░≡░"░░^"░╚╝▓▓█▓▒╬╬╣▓█▓▓╬╣░░╔╠▀▓█▓▒░╚╔╠╩░-░╚≡╠╠╬╬╠╣▒╠║▒╠╣╩╣╬╣╬╣╬▒╣╬╠╣╣╬╣╬╠╣▓█╩░╔░░-                "░≥░░░░░╚╩░╠╩    -</a:t>
-            </a:r>
-          </a:p>
-          <a:p>
-            <a:r>
-              <a:rPr lang="el-GR" sz="400" dirty="0">
-                <a:solidFill>
-                  <a:srgbClr val="00CB00"/>
-                </a:solidFill>
-                <a:latin typeface="Andale Mono" panose="020B0509000000000004" pitchFamily="49" charset="0"/>
-                <a:cs typeface="Arial" panose="020B0604020202020204" pitchFamily="34" charset="0"/>
-              </a:rPr>
-              <a:t>                         "         ,--:φ╔░-░░░░-,-═░=╙░╚░░≡░.,≥≤░░░░╚▓▓▓▓▓▓██▓▓╬╣▒╬╣╣╣╣╣╬░╠╗╩╠▒░░╦≥≡╠║╠╬╬╣╬▒░░║╬╠╣╣╬╠╠╠▓▓▓▄▓▓▓▓▓▓▓╬░"╙╚╙░░╔░≡--,   -         ╚╚╚╠╩░░╔╩░</a:t>
-            </a:r>
-          </a:p>
-          <a:p>
-            <a:r>
-              <a:rPr lang="el-GR" sz="400" dirty="0">
-                <a:solidFill>
-                  <a:srgbClr val="00CB00"/>
-                </a:solidFill>
-                <a:latin typeface="Andale Mono" panose="020B0509000000000004" pitchFamily="49" charset="0"/>
-                <a:cs typeface="Arial" panose="020B0604020202020204" pitchFamily="34" charset="0"/>
-              </a:rPr>
-              <a:t>                                   ]░,'≥░≥░╔╬░⌐░░░"░░░░░≥░"»░╠░░░≤░░░╣╠▓█▓▓▓╬▓╬╬╬╠╠▓╬╩░░╠░▄║</a:t>
-            </a:r>
-            <a:r>
-              <a:rPr lang="es-ES" sz="400" dirty="0">
-                <a:solidFill>
-                  <a:srgbClr val="00CB00"/>
-                </a:solidFill>
-                <a:latin typeface="Andale Mono" panose="020B0509000000000004" pitchFamily="49" charset="0"/>
-                <a:cs typeface="Arial" panose="020B0604020202020204" pitchFamily="34" charset="0"/>
-              </a:rPr>
-              <a:t>Q#╣╝╬░≤╠╬╠╬╬╠╣╣╬▒≡╬╣╣▓▓▓▄╚╠▓▓▓███▓▓▓█╬▒╤░,,░░░≥░.░-░-╔             "╚≡≡╗╩`     -</a:t>
-            </a:r>
-          </a:p>
-          <a:p>
-            <a:r>
-              <a:rPr lang="es-ES" sz="400" dirty="0">
-                <a:solidFill>
-                  <a:srgbClr val="00CB00"/>
-                </a:solidFill>
-                <a:latin typeface="Andale Mono" panose="020B0509000000000004" pitchFamily="49" charset="0"/>
-                <a:cs typeface="Arial" panose="020B0604020202020204" pitchFamily="34" charset="0"/>
-              </a:rPr>
-              <a:t>                                    "╙=╚░"'╠≡≡░░≡░░└≥╔@╩░░░░░╠░░░░╚░╚╠╩╚╣╣███▓▓╬╣▓▓▓╬▒╚║╝╬╠▓╣▌╚╗╩╚╬░░░≡╠╠╣╣╬╣╬╣╣▓▓╬╠▓▒░╠▓▓╣▓▓▓█╬╬╬╠║▒╠╠╠╠░╚▒░,,^'`░',</a:t>
-            </a:r>
-          </a:p>
-          <a:p>
-            <a:r>
-              <a:rPr lang="es-ES" sz="400" dirty="0">
-                <a:solidFill>
-                  <a:srgbClr val="00CB00"/>
-                </a:solidFill>
-                <a:latin typeface="Andale Mono" panose="020B0509000000000004" pitchFamily="49" charset="0"/>
-                <a:cs typeface="Arial" panose="020B0604020202020204" pitchFamily="34" charset="0"/>
-              </a:rPr>
-              <a:t>                                        =  ╙╩╔≡░≡░░╔╩╙╚╠╠░╠░░╩░░]░░░╠░.░╚╩╚╣▓███▓▓╬▓╚╩╩░╗╩╬╬╚░░╠░╠╠╣╣╬╬≡╬╣╣╬╬╠╬╣▓╣╣▓▓▓╬╠║╣▓█╩░░╚║╬╬╠╬╣╬╠░░'░╠░░≥≥░░░`'`==-,         '</a:t>
-            </a:r>
-          </a:p>
-          <a:p>
-            <a:r>
-              <a:rPr lang="es-ES" sz="400" dirty="0">
-                <a:solidFill>
-                  <a:srgbClr val="00CB00"/>
-                </a:solidFill>
-                <a:latin typeface="Andale Mono" panose="020B0509000000000004" pitchFamily="49" charset="0"/>
-                <a:cs typeface="Arial" panose="020B0604020202020204" pitchFamily="34" charset="0"/>
-              </a:rPr>
-              <a:t>                                         =  `║╠╬╠╗╩⌐';░░║╬╠░░╠░░≡╗░░░╔╬░░╦╠╩╠╣▓███▓╬╬╣▓▓▓╬╚╬░≡░░╚╬╬╠╬╬╠╬╣╣▓▓╬╬╠╣╣▓█▓▓▓▓╬╣╣╩║╩░║░╚╩╬╠╣╠╬╠░╩░╔░   `;^'  ''≤≡╩`</a:t>
-            </a:r>
-          </a:p>
-          <a:p>
-            <a:r>
-              <a:rPr lang="es-ES" sz="400" dirty="0">
-                <a:solidFill>
-                  <a:srgbClr val="00CB00"/>
-                </a:solidFill>
-                <a:latin typeface="Andale Mono" panose="020B0509000000000004" pitchFamily="49" charset="0"/>
-                <a:cs typeface="Arial" panose="020B0604020202020204" pitchFamily="34" charset="0"/>
-              </a:rPr>
-              <a:t>                                             "╚░░░'-'-░░╚╚╩░░░≡╩░░░╔║░░░║╬░╔≥╩╩╠╣▓▓▓▓▓▓╣╣╬╠╬╠╣╬╬▒░╠╬╣▓╣▓╣╬╣╣╣╣╬╣╣▓╣▓▓██░░  "╠░╚╬▒░╚╬╣╬╬╠║░░╠░░░, '░".-,╔░░=</a:t>
-            </a:r>
-          </a:p>
-          <a:p>
-            <a:r>
-              <a:rPr lang="es-ES" sz="400" dirty="0">
-                <a:solidFill>
-                  <a:srgbClr val="00CB00"/>
-                </a:solidFill>
-                <a:latin typeface="Andale Mono" panose="020B0509000000000004" pitchFamily="49" charset="0"/>
-                <a:cs typeface="Arial" panose="020B0604020202020204" pitchFamily="34" charset="0"/>
-              </a:rPr>
-              <a:t>                                              "░╚╠░░"-`'"░≡@░░░╠▒░░░░░░╙║▒╠║▒≥≡,╠╩╚╚╣▓█▓▓╬╦╦╣╣▓█▓▒≡║▓█▓▓▓▓▓▓╣╣▓▓╣╣▓▀╣╬╠╬░≤⌐  ╚╚░╚╬╦░░╚╩▒╦╩░░░╠░░   -░░╬▒</a:t>
-            </a:r>
-          </a:p>
-          <a:p>
-            <a:r>
-              <a:rPr lang="es-ES" sz="400" dirty="0">
-                <a:solidFill>
-                  <a:srgbClr val="00CB00"/>
-                </a:solidFill>
-                <a:latin typeface="Andale Mono" panose="020B0509000000000004" pitchFamily="49" charset="0"/>
-                <a:cs typeface="Arial" panose="020B0604020202020204" pitchFamily="34" charset="0"/>
-              </a:rPr>
-              <a:t>                          -                      ╚╚▒░░  @░░░║╬╠╩≥░╠▒░░'-░╚╬▒░░╔≡╠╚≥╚╠╠░╚╠╚▀╣╣▓▓▓▓▓▓███▓██▓▓▓╣╣╩╩╙╚≥#╚╩╬░╔,    ╩╚░░░░╔</a:t>
-            </a:r>
-            <a:r>
-              <a:rPr lang="es-ES" sz="400" dirty="0" err="1">
-                <a:solidFill>
-                  <a:srgbClr val="00CB00"/>
-                </a:solidFill>
-                <a:latin typeface="Andale Mono" panose="020B0509000000000004" pitchFamily="49" charset="0"/>
-                <a:cs typeface="Arial" panose="020B0604020202020204" pitchFamily="34" charset="0"/>
-              </a:rPr>
-              <a:t>ç</a:t>
-            </a:r>
-            <a:r>
-              <a:rPr lang="es-ES" sz="400" dirty="0">
-                <a:solidFill>
-                  <a:srgbClr val="00CB00"/>
-                </a:solidFill>
-                <a:latin typeface="Andale Mono" panose="020B0509000000000004" pitchFamily="49" charset="0"/>
-                <a:cs typeface="Arial" panose="020B0604020202020204" pitchFamily="34" charset="0"/>
-              </a:rPr>
-              <a:t> .]▒≡≡╠╩░-    ⁿ░`</a:t>
-            </a:r>
-          </a:p>
-          <a:p>
-            <a:r>
-              <a:rPr lang="es-ES" sz="400" dirty="0">
-                <a:solidFill>
-                  <a:srgbClr val="00CB00"/>
-                </a:solidFill>
-                <a:latin typeface="Andale Mono" panose="020B0509000000000004" pitchFamily="49" charset="0"/>
-                <a:cs typeface="Arial" panose="020B0604020202020204" pitchFamily="34" charset="0"/>
-              </a:rPr>
-              <a:t>                                                   `=  ,║╬╠║≡░░▒░╠╩░└"≤-'-   └└░░░]╦╠╠╚)░ '└╚╠╬╩╩╚╠╚╠╩╚╚╚░╠╚░░░," .  ░░╦╩╚,  -╚#░░≡░╠╠╣▒≡░╚╚╙░'</a:t>
-            </a:r>
-          </a:p>
-          <a:p>
-            <a:r>
-              <a:rPr lang="es-ES" sz="400" dirty="0">
-                <a:solidFill>
-                  <a:srgbClr val="00CB00"/>
-                </a:solidFill>
-                <a:latin typeface="Andale Mono" panose="020B0509000000000004" pitchFamily="49" charset="0"/>
-                <a:cs typeface="Arial" panose="020B0604020202020204" pitchFamily="34" charset="0"/>
-              </a:rPr>
-              <a:t>                                                      ≡╔░╠▒╠╣╣╣░╠╛░]░-''     --"╔╦░╠╦░░╠`   ]╠░╚░"╚╬╠╬░╠╠░╠░░≥-:░:   ░]≡≡░░░  ,░░╔@▒╠╠╝░'≡╚╩╕             -</a:t>
-            </a:r>
-          </a:p>
-          <a:p>
-            <a:r>
-              <a:rPr lang="es-ES" sz="400" dirty="0">
-                <a:solidFill>
-                  <a:srgbClr val="00CB00"/>
-                </a:solidFill>
-                <a:latin typeface="Andale Mono" panose="020B0509000000000004" pitchFamily="49" charset="0"/>
-                <a:cs typeface="Arial" panose="020B0604020202020204" pitchFamily="34" charset="0"/>
-              </a:rPr>
-              <a:t>                                                      ╚░`"╙╚╬╬╣▓▒≥-'.    `  ╔≥▒≥╔╣░░╚░░░    ]╠░░∩-░╚║╣▒╠╩╚╠≥≥≥≤░░░   "-░░░░≡   ╙╩╩╬░░░-«░░=]▒</a:t>
-            </a:r>
-          </a:p>
-          <a:p>
-            <a:r>
-              <a:rPr lang="es-ES" sz="400" dirty="0">
-                <a:solidFill>
-                  <a:srgbClr val="00CB00"/>
-                </a:solidFill>
-                <a:latin typeface="Andale Mono" panose="020B0509000000000004" pitchFamily="49" charset="0"/>
-                <a:cs typeface="Arial" panose="020B0604020202020204" pitchFamily="34" charset="0"/>
-              </a:rPr>
-              <a:t>            -                                          ╙":`'░╚╠╬░≡░`-   "-,≤=╬╬@╩╠╠░╠░╚"   .░░░░  ≥░╠╠╦░╦░░░╚╠░░░░░≤░  [░░,)╦░≡░  ⌐≈,=≤╚ ≈╗╛</a:t>
-            </a:r>
-          </a:p>
-          <a:p>
-            <a:r>
-              <a:rPr lang="es-ES" sz="400" dirty="0">
-                <a:solidFill>
-                  <a:srgbClr val="00CB00"/>
-                </a:solidFill>
-                <a:latin typeface="Andale Mono" panose="020B0509000000000004" pitchFamily="49" charset="0"/>
-                <a:cs typeface="Arial" panose="020B0604020202020204" pitchFamily="34" charset="0"/>
-              </a:rPr>
-              <a:t>                                                         ""╚=╙`"░░≥░ ⁿ░░░≥░,░╬╠░#╩╬≡░░#   -░░╠░≥  ╚░╚╩░░░░░≥░╔╦░░░░░╔▒░░╬╠╩╙╙╩╩^-  `"≡╠]#=</a:t>
-            </a:r>
-          </a:p>
-          <a:p>
-            <a:r>
-              <a:rPr lang="es-ES" sz="400" dirty="0">
-                <a:solidFill>
-                  <a:srgbClr val="00CB00"/>
-                </a:solidFill>
-                <a:latin typeface="Andale Mono" panose="020B0509000000000004" pitchFamily="49" charset="0"/>
-                <a:cs typeface="Arial" panose="020B0604020202020204" pitchFamily="34" charset="0"/>
-              </a:rPr>
-              <a:t>                                         ]   `                    '░≡---'∩.≤≡░╚╩░▒╚╩╠╩⌐  .≡░░╚░░░ ░░░╩░"╙░"░░╚╠╦╔░░╚░╚╝╝╩╩╙░└' :</a:t>
-            </a:r>
-          </a:p>
-          <a:p>
-            <a:r>
-              <a:rPr lang="es-ES" sz="400" dirty="0">
-                <a:solidFill>
-                  <a:srgbClr val="00CB00"/>
-                </a:solidFill>
-                <a:latin typeface="Andale Mono" panose="020B0509000000000004" pitchFamily="49" charset="0"/>
-                <a:cs typeface="Arial" panose="020B0604020202020204" pitchFamily="34" charset="0"/>
-              </a:rPr>
-              <a:t>                                                                «-░░░;-''≥≤║▒░░╦'░░"░''░░░╔░░░░╚░.░░░╩╩╩"░░░░░╚░░░"-'   ⌐≤≥-≥ -"╝╦       ' '</a:t>
-            </a:r>
-          </a:p>
-          <a:p>
-            <a:r>
-              <a:rPr lang="es-ES" sz="400" dirty="0">
-                <a:solidFill>
-                  <a:srgbClr val="00CB00"/>
-                </a:solidFill>
-                <a:latin typeface="Andale Mono" panose="020B0509000000000004" pitchFamily="49" charset="0"/>
-                <a:cs typeface="Arial" panose="020B0604020202020204" pitchFamily="34" charset="0"/>
-              </a:rPr>
-              <a:t>                                                            --  -░╚░░░░≡;'' '└╙╚╙╚═≡@░░░░╠╠╠╦╠░╚╚░░'"╩╚▒░░╚╔░≥░└└"     -╦░░░`╠╩░╔</a:t>
-            </a:r>
-            <a:r>
-              <a:rPr lang="el-GR" sz="400" dirty="0">
-                <a:solidFill>
-                  <a:srgbClr val="00CB00"/>
-                </a:solidFill>
-                <a:latin typeface="Andale Mono" panose="020B0509000000000004" pitchFamily="49" charset="0"/>
-                <a:cs typeface="Arial" panose="020B0604020202020204" pitchFamily="34" charset="0"/>
-              </a:rPr>
-              <a:t>φ</a:t>
-            </a:r>
-          </a:p>
-          <a:p>
-            <a:r>
-              <a:rPr lang="el-GR" sz="400" dirty="0">
-                <a:solidFill>
-                  <a:srgbClr val="00CB00"/>
-                </a:solidFill>
-                <a:latin typeface="Andale Mono" panose="020B0509000000000004" pitchFamily="49" charset="0"/>
-                <a:cs typeface="Arial" panose="020B0604020202020204" pitchFamily="34" charset="0"/>
-              </a:rPr>
-              <a:t>                                                                  "░░≡░░░░'          "╚╚╚╝╬╣╣╣╣╣▒░,,≡░░░░░╚░░≥=''░,-    `╚║╩╦░░╚╙`</a:t>
-            </a:r>
-          </a:p>
-          <a:p>
-            <a:r>
-              <a:rPr lang="el-GR" sz="400" dirty="0">
-                <a:solidFill>
-                  <a:srgbClr val="00CB00"/>
-                </a:solidFill>
-                <a:latin typeface="Andale Mono" panose="020B0509000000000004" pitchFamily="49" charset="0"/>
-                <a:cs typeface="Arial" panose="020B0604020202020204" pitchFamily="34" charset="0"/>
-              </a:rPr>
-              <a:t>                                                                     ╙░=⌐"              "░░░└`'░░░░░░░≡≡╩░░░╗≡╔░╦╦╩╧    `   '      ` -</a:t>
-            </a:r>
-          </a:p>
-          <a:p>
-            <a:r>
-              <a:rPr lang="el-GR" sz="400" dirty="0">
-                <a:solidFill>
-                  <a:srgbClr val="00CB00"/>
-                </a:solidFill>
-                <a:latin typeface="Andale Mono" panose="020B0509000000000004" pitchFamily="49" charset="0"/>
-                <a:cs typeface="Arial" panose="020B0604020202020204" pitchFamily="34" charset="0"/>
-              </a:rPr>
-              <a:t>                                                                                               ""╙░░░╚╚╙=░░╚╚╙╚░'        -</a:t>
-            </a:r>
-          </a:p>
-          <a:p>
-            <a:r>
-              <a:rPr lang="el-GR" sz="400" dirty="0">
-                <a:solidFill>
-                  <a:srgbClr val="00CB00"/>
-                </a:solidFill>
-                <a:latin typeface="Andale Mono" panose="020B0509000000000004" pitchFamily="49" charset="0"/>
-                <a:cs typeface="Arial" panose="020B0604020202020204" pitchFamily="34" charset="0"/>
-              </a:rPr>
-              <a:t>                                                                                                   ╠░≡≡</a:t>
-            </a:r>
-            <a:r>
-              <a:rPr lang="es-ES" sz="400" dirty="0" err="1">
-                <a:solidFill>
-                  <a:srgbClr val="00CB00"/>
-                </a:solidFill>
-                <a:latin typeface="Andale Mono" panose="020B0509000000000004" pitchFamily="49" charset="0"/>
-                <a:cs typeface="Arial" panose="020B0604020202020204" pitchFamily="34" charset="0"/>
-              </a:rPr>
-              <a:t>å</a:t>
-            </a:r>
-            <a:r>
-              <a:rPr lang="es-ES" sz="400" dirty="0">
-                <a:solidFill>
-                  <a:srgbClr val="00CB00"/>
-                </a:solidFill>
-                <a:latin typeface="Andale Mono" panose="020B0509000000000004" pitchFamily="49" charset="0"/>
-                <a:cs typeface="Arial" panose="020B0604020202020204" pitchFamily="34" charset="0"/>
-              </a:rPr>
-              <a:t>▒≡▒▒#╩╩</a:t>
-            </a:r>
-          </a:p>
-          <a:p>
-            <a:r>
-              <a:rPr lang="es-ES" sz="400" dirty="0">
-                <a:solidFill>
-                  <a:srgbClr val="00CB00"/>
-                </a:solidFill>
-                <a:latin typeface="Andale Mono" panose="020B0509000000000004" pitchFamily="49" charset="0"/>
-                <a:cs typeface="Arial" panose="020B0604020202020204" pitchFamily="34" charset="0"/>
-              </a:rPr>
-              <a:t>                                                                                                  ` "╙└.                                                                    `</a:t>
-            </a:r>
-          </a:p>
-          <a:p>
-            <a:r>
-              <a:rPr lang="es-ES" sz="400" dirty="0">
-                <a:solidFill>
-                  <a:srgbClr val="00CB00"/>
-                </a:solidFill>
-                <a:latin typeface="Andale Mono" panose="020B0509000000000004" pitchFamily="49" charset="0"/>
-                <a:cs typeface="Arial" panose="020B0604020202020204" pitchFamily="34" charset="0"/>
-              </a:rPr>
-              <a:t>                                                                                                                    -</a:t>
-            </a:r>
-          </a:p>
-          <a:p>
-            <a:r>
-              <a:rPr lang="es-ES" sz="400" dirty="0">
-                <a:solidFill>
-                  <a:srgbClr val="00CB00"/>
-                </a:solidFill>
-                <a:latin typeface="Andale Mono" panose="020B0509000000000004" pitchFamily="49" charset="0"/>
-                <a:cs typeface="Arial" panose="020B0604020202020204" pitchFamily="34" charset="0"/>
-              </a:rPr>
-              <a:t>                                                             '                                                   `</a:t>
-            </a:r>
-          </a:p>
-          <a:p>
-            <a:r>
-              <a:rPr lang="es-ES" sz="400" dirty="0">
-                <a:solidFill>
-                  <a:srgbClr val="00CB00"/>
-                </a:solidFill>
-                <a:latin typeface="Andale Mono" panose="020B0509000000000004" pitchFamily="49" charset="0"/>
-                <a:cs typeface="Arial" panose="020B0604020202020204" pitchFamily="34" charset="0"/>
-              </a:rPr>
-              <a:t>                                                                        '      -</a:t>
-            </a:r>
-          </a:p>
-          <a:p>
-            <a:r>
-              <a:rPr lang="es-ES" sz="400" dirty="0">
-                <a:solidFill>
-                  <a:srgbClr val="00CB00"/>
-                </a:solidFill>
-                <a:latin typeface="Andale Mono" panose="020B0509000000000004" pitchFamily="49" charset="0"/>
-                <a:cs typeface="Arial" panose="020B0604020202020204" pitchFamily="34" charset="0"/>
-              </a:rPr>
-              <a:t>                                                                                              -</a:t>
-            </a:r>
-          </a:p>
-          <a:p>
-            <a:r>
-              <a:rPr lang="es-ES" sz="400" dirty="0">
-                <a:solidFill>
-                  <a:srgbClr val="00CB00"/>
-                </a:solidFill>
-                <a:latin typeface="Andale Mono" panose="020B0509000000000004" pitchFamily="49" charset="0"/>
-                <a:cs typeface="Arial" panose="020B0604020202020204" pitchFamily="34" charset="0"/>
-              </a:rPr>
-              <a:t>                                                                                        -                              -</a:t>
-            </a:r>
-          </a:p>
-          <a:p>
-            <a:r>
-              <a:rPr lang="es-ES" sz="400" dirty="0">
-                <a:solidFill>
-                  <a:srgbClr val="00CB00"/>
-                </a:solidFill>
-                <a:latin typeface="Andale Mono" panose="020B0509000000000004" pitchFamily="49" charset="0"/>
-                <a:cs typeface="Arial" panose="020B0604020202020204" pitchFamily="34" charset="0"/>
-              </a:rPr>
-              <a:t> </a:t>
-            </a:r>
-          </a:p>
-          <a:p>
-            <a:r>
-              <a:rPr lang="es-ES" sz="400" dirty="0">
-                <a:solidFill>
-                  <a:srgbClr val="00CB00"/>
-                </a:solidFill>
-                <a:latin typeface="Andale Mono" panose="020B0509000000000004" pitchFamily="49" charset="0"/>
-                <a:cs typeface="Arial" panose="020B0604020202020204" pitchFamily="34" charset="0"/>
-              </a:rPr>
-              <a:t> </a:t>
-            </a:r>
-          </a:p>
-          <a:p>
-            <a:r>
-              <a:rPr lang="es-ES" sz="400" dirty="0">
-                <a:solidFill>
-                  <a:srgbClr val="00CB00"/>
-                </a:solidFill>
-                <a:latin typeface="Andale Mono" panose="020B0509000000000004" pitchFamily="49" charset="0"/>
-                <a:cs typeface="Arial" panose="020B0604020202020204" pitchFamily="34" charset="0"/>
-              </a:rPr>
-              <a:t> </a:t>
-            </a:r>
-          </a:p>
-          <a:p>
-            <a:r>
-              <a:rPr lang="es-ES" sz="400" dirty="0">
-                <a:solidFill>
-                  <a:srgbClr val="00CB00"/>
-                </a:solidFill>
-                <a:latin typeface="Andale Mono" panose="020B0509000000000004" pitchFamily="49" charset="0"/>
-                <a:cs typeface="Arial" panose="020B0604020202020204" pitchFamily="34" charset="0"/>
-              </a:rPr>
-              <a:t> </a:t>
-            </a:r>
-          </a:p>
-          <a:p>
-            <a:r>
-              <a:rPr lang="es-ES" sz="400" dirty="0">
-                <a:solidFill>
-                  <a:srgbClr val="00CB00"/>
-                </a:solidFill>
-                <a:latin typeface="Andale Mono" panose="020B0509000000000004" pitchFamily="49" charset="0"/>
-                <a:cs typeface="Arial" panose="020B0604020202020204" pitchFamily="34" charset="0"/>
-              </a:rPr>
-              <a:t> </a:t>
-            </a:r>
-          </a:p>
-          <a:p>
-            <a:r>
-              <a:rPr lang="es-ES" sz="400" dirty="0">
-                <a:solidFill>
-                  <a:srgbClr val="00CB00"/>
-                </a:solidFill>
-                <a:latin typeface="Andale Mono" panose="020B0509000000000004" pitchFamily="49" charset="0"/>
-                <a:cs typeface="Arial" panose="020B0604020202020204" pitchFamily="34" charset="0"/>
-              </a:rPr>
-              <a:t> </a:t>
-            </a:r>
-          </a:p>
-          <a:p>
-            <a:r>
-              <a:rPr lang="es-ES" sz="400" dirty="0">
-                <a:solidFill>
-                  <a:srgbClr val="00CB00"/>
-                </a:solidFill>
-                <a:latin typeface="Andale Mono" panose="020B0509000000000004" pitchFamily="49" charset="0"/>
-                <a:cs typeface="Arial" panose="020B0604020202020204" pitchFamily="34" charset="0"/>
-              </a:rPr>
-              <a:t> </a:t>
-            </a:r>
-          </a:p>
-          <a:p>
-            <a:r>
-              <a:rPr lang="es-ES" sz="400" dirty="0">
-                <a:solidFill>
-                  <a:srgbClr val="00CB00"/>
-                </a:solidFill>
-                <a:latin typeface="Andale Mono" panose="020B0509000000000004" pitchFamily="49" charset="0"/>
-                <a:cs typeface="Arial" panose="020B0604020202020204" pitchFamily="34" charset="0"/>
-              </a:rPr>
-              <a:t> </a:t>
-            </a:r>
-          </a:p>
-          <a:p>
-            <a:r>
-              <a:rPr lang="es-ES" sz="400" dirty="0">
-                <a:solidFill>
-                  <a:srgbClr val="00CB00"/>
-                </a:solidFill>
-                <a:latin typeface="Andale Mono" panose="020B0509000000000004" pitchFamily="49" charset="0"/>
-                <a:cs typeface="Arial" panose="020B0604020202020204" pitchFamily="34" charset="0"/>
-              </a:rPr>
-              <a:t> </a:t>
-            </a:r>
-          </a:p>
-          <a:p>
-            <a:r>
-              <a:rPr lang="es-ES" sz="400" dirty="0">
-                <a:solidFill>
-                  <a:srgbClr val="00CB00"/>
-                </a:solidFill>
-                <a:latin typeface="Andale Mono" panose="020B0509000000000004" pitchFamily="49" charset="0"/>
-                <a:cs typeface="Arial" panose="020B0604020202020204" pitchFamily="34" charset="0"/>
-              </a:rPr>
-              <a:t> </a:t>
-            </a:r>
-          </a:p>
-          <a:p>
-            <a:r>
-              <a:rPr lang="es-ES" sz="400" dirty="0">
-                <a:solidFill>
-                  <a:srgbClr val="00CB00"/>
-                </a:solidFill>
-                <a:latin typeface="Andale Mono" panose="020B0509000000000004" pitchFamily="49" charset="0"/>
-                <a:cs typeface="Arial" panose="020B0604020202020204" pitchFamily="34" charset="0"/>
-              </a:rPr>
-              <a:t> </a:t>
-            </a:r>
-          </a:p>
-          <a:p>
-            <a:r>
-              <a:rPr lang="es-ES" sz="400" dirty="0">
-                <a:solidFill>
-                  <a:srgbClr val="00CB00"/>
-                </a:solidFill>
-                <a:latin typeface="Andale Mono" panose="020B0509000000000004" pitchFamily="49" charset="0"/>
-                <a:cs typeface="Arial" panose="020B0604020202020204" pitchFamily="34" charset="0"/>
-              </a:rPr>
-              <a:t> </a:t>
-            </a:r>
-          </a:p>
-        </p:txBody>
-      </p:sp>
-      <p:sp>
-        <p:nvSpPr>
-          <p:cNvPr id="5" name="CuadroTexto 4">
-            <a:extLst>
-              <a:ext uri="{FF2B5EF4-FFF2-40B4-BE49-F238E27FC236}">
-                <a16:creationId xmlns:a16="http://schemas.microsoft.com/office/drawing/2014/main" id="{D2B61165-D6BD-C84F-8255-567A76F7DCB7}"/>
-              </a:ext>
-            </a:extLst>
-          </p:cNvPr>
-          <p:cNvSpPr txBox="1"/>
-          <p:nvPr/>
-        </p:nvSpPr>
-        <p:spPr>
-          <a:xfrm>
-            <a:off x="3060700" y="4249457"/>
-            <a:ext cx="5780831" cy="6001643"/>
-          </a:xfrm>
-          <a:prstGeom prst="rect">
-            <a:avLst/>
-          </a:prstGeom>
-          <a:noFill/>
-        </p:spPr>
-        <p:txBody>
-          <a:bodyPr wrap="square" rtlCol="0">
-            <a:spAutoFit/>
-          </a:bodyPr>
-          <a:lstStyle/>
-          <a:p>
-            <a:r>
-              <a:rPr lang="es-ES" sz="400" dirty="0">
-                <a:solidFill>
-                  <a:srgbClr val="00CB00"/>
-                </a:solidFill>
-                <a:latin typeface="Andale Mono" panose="020B0509000000000004" pitchFamily="49" charset="0"/>
-                <a:cs typeface="Arial" panose="020B0604020202020204" pitchFamily="34" charset="0"/>
-              </a:rPr>
-              <a:t> </a:t>
-            </a:r>
-          </a:p>
-          <a:p>
-            <a:r>
-              <a:rPr lang="es-ES" sz="400" dirty="0">
-                <a:solidFill>
-                  <a:srgbClr val="00CB00"/>
-                </a:solidFill>
-                <a:latin typeface="Andale Mono" panose="020B0509000000000004" pitchFamily="49" charset="0"/>
-                <a:cs typeface="Arial" panose="020B0604020202020204" pitchFamily="34" charset="0"/>
-              </a:rPr>
-              <a:t> </a:t>
-            </a:r>
-          </a:p>
-          <a:p>
-            <a:r>
-              <a:rPr lang="es-ES" sz="400" dirty="0">
-                <a:solidFill>
-                  <a:srgbClr val="00CB00"/>
-                </a:solidFill>
-                <a:latin typeface="Andale Mono" panose="020B0509000000000004" pitchFamily="49" charset="0"/>
-                <a:cs typeface="Arial" panose="020B0604020202020204" pitchFamily="34" charset="0"/>
-              </a:rPr>
-              <a:t> </a:t>
-            </a:r>
-          </a:p>
-          <a:p>
-            <a:r>
-              <a:rPr lang="es-ES" sz="400" dirty="0">
-                <a:solidFill>
-                  <a:srgbClr val="00CB00"/>
-                </a:solidFill>
-                <a:latin typeface="Andale Mono" panose="020B0509000000000004" pitchFamily="49" charset="0"/>
-                <a:cs typeface="Arial" panose="020B0604020202020204" pitchFamily="34" charset="0"/>
-              </a:rPr>
-              <a:t> </a:t>
-            </a:r>
-          </a:p>
-          <a:p>
-            <a:r>
-              <a:rPr lang="es-ES" sz="400" dirty="0">
-                <a:solidFill>
-                  <a:srgbClr val="00CB00"/>
-                </a:solidFill>
-                <a:latin typeface="Andale Mono" panose="020B0509000000000004" pitchFamily="49" charset="0"/>
-                <a:cs typeface="Arial" panose="020B0604020202020204" pitchFamily="34" charset="0"/>
-              </a:rPr>
-              <a:t> </a:t>
-            </a:r>
-          </a:p>
-          <a:p>
-            <a:r>
-              <a:rPr lang="es-ES" sz="400" dirty="0">
-                <a:solidFill>
-                  <a:srgbClr val="00CB00"/>
-                </a:solidFill>
-                <a:latin typeface="Andale Mono" panose="020B0509000000000004" pitchFamily="49" charset="0"/>
-                <a:cs typeface="Arial" panose="020B0604020202020204" pitchFamily="34" charset="0"/>
-              </a:rPr>
-              <a:t> </a:t>
-            </a:r>
-          </a:p>
-          <a:p>
-            <a:r>
-              <a:rPr lang="es-ES" sz="400" dirty="0">
-                <a:solidFill>
-                  <a:srgbClr val="00CB00"/>
-                </a:solidFill>
-                <a:latin typeface="Andale Mono" panose="020B0509000000000004" pitchFamily="49" charset="0"/>
-                <a:cs typeface="Arial" panose="020B0604020202020204" pitchFamily="34" charset="0"/>
-              </a:rPr>
-              <a:t> </a:t>
-            </a:r>
-          </a:p>
-          <a:p>
-            <a:r>
-              <a:rPr lang="es-ES" sz="400" dirty="0">
-                <a:solidFill>
-                  <a:srgbClr val="00CB00"/>
-                </a:solidFill>
-                <a:latin typeface="Andale Mono" panose="020B0509000000000004" pitchFamily="49" charset="0"/>
-                <a:cs typeface="Arial" panose="020B0604020202020204" pitchFamily="34" charset="0"/>
-              </a:rPr>
-              <a:t> </a:t>
-            </a:r>
-          </a:p>
-          <a:p>
-            <a:r>
-              <a:rPr lang="es-ES" sz="400" dirty="0">
-                <a:solidFill>
-                  <a:srgbClr val="00CB00"/>
-                </a:solidFill>
-                <a:latin typeface="Andale Mono" panose="020B0509000000000004" pitchFamily="49" charset="0"/>
-                <a:cs typeface="Arial" panose="020B0604020202020204" pitchFamily="34" charset="0"/>
-              </a:rPr>
-              <a:t>                                                                                        -</a:t>
-            </a:r>
-          </a:p>
-          <a:p>
-            <a:r>
-              <a:rPr lang="es-ES" sz="400" dirty="0">
-                <a:solidFill>
-                  <a:srgbClr val="00CB00"/>
-                </a:solidFill>
-                <a:latin typeface="Andale Mono" panose="020B0509000000000004" pitchFamily="49" charset="0"/>
-                <a:cs typeface="Arial" panose="020B0604020202020204" pitchFamily="34" charset="0"/>
-              </a:rPr>
-              <a:t> </a:t>
-            </a:r>
-          </a:p>
-          <a:p>
-            <a:r>
-              <a:rPr lang="es-ES" sz="400" dirty="0">
-                <a:solidFill>
-                  <a:srgbClr val="00CB00"/>
-                </a:solidFill>
-                <a:latin typeface="Andale Mono" panose="020B0509000000000004" pitchFamily="49" charset="0"/>
-                <a:cs typeface="Arial" panose="020B0604020202020204" pitchFamily="34" charset="0"/>
-              </a:rPr>
-              <a:t> </a:t>
-            </a:r>
-          </a:p>
-          <a:p>
-            <a:r>
-              <a:rPr lang="es-ES" sz="400" dirty="0">
-                <a:solidFill>
-                  <a:srgbClr val="00CB00"/>
-                </a:solidFill>
-                <a:latin typeface="Andale Mono" panose="020B0509000000000004" pitchFamily="49" charset="0"/>
-                <a:cs typeface="Arial" panose="020B0604020202020204" pitchFamily="34" charset="0"/>
-              </a:rPr>
-              <a:t> </a:t>
-            </a:r>
-          </a:p>
-          <a:p>
-            <a:r>
-              <a:rPr lang="es-ES" sz="400" dirty="0">
-                <a:solidFill>
-                  <a:srgbClr val="00CB00"/>
-                </a:solidFill>
-                <a:latin typeface="Andale Mono" panose="020B0509000000000004" pitchFamily="49" charset="0"/>
-                <a:cs typeface="Arial" panose="020B0604020202020204" pitchFamily="34" charset="0"/>
-              </a:rPr>
-              <a:t>                                                                                                       -</a:t>
-            </a:r>
-          </a:p>
-          <a:p>
-            <a:r>
-              <a:rPr lang="es-ES" sz="400" dirty="0">
-                <a:solidFill>
-                  <a:srgbClr val="00CB00"/>
-                </a:solidFill>
-                <a:latin typeface="Andale Mono" panose="020B0509000000000004" pitchFamily="49" charset="0"/>
-                <a:cs typeface="Arial" panose="020B0604020202020204" pitchFamily="34" charset="0"/>
-              </a:rPr>
-              <a:t>                                                                                                    ,</a:t>
-            </a:r>
-          </a:p>
-          <a:p>
-            <a:r>
-              <a:rPr lang="es-ES" sz="400" dirty="0">
-                <a:solidFill>
-                  <a:srgbClr val="00CB00"/>
-                </a:solidFill>
-                <a:latin typeface="Andale Mono" panose="020B0509000000000004" pitchFamily="49" charset="0"/>
-                <a:cs typeface="Arial" panose="020B0604020202020204" pitchFamily="34" charset="0"/>
-              </a:rPr>
-              <a:t>                                                                            .                         ⁿ</a:t>
-            </a:r>
-          </a:p>
-          <a:p>
-            <a:r>
-              <a:rPr lang="es-ES" sz="400" dirty="0">
-                <a:solidFill>
-                  <a:srgbClr val="00CB00"/>
-                </a:solidFill>
-                <a:latin typeface="Andale Mono" panose="020B0509000000000004" pitchFamily="49" charset="0"/>
-                <a:cs typeface="Arial" panose="020B0604020202020204" pitchFamily="34" charset="0"/>
-              </a:rPr>
-              <a:t>                                                                                                            '</a:t>
-            </a:r>
-          </a:p>
-          <a:p>
-            <a:r>
-              <a:rPr lang="es-ES" sz="400" dirty="0">
-                <a:solidFill>
-                  <a:srgbClr val="00CB00"/>
-                </a:solidFill>
-                <a:latin typeface="Andale Mono" panose="020B0509000000000004" pitchFamily="49" charset="0"/>
-                <a:cs typeface="Arial" panose="020B0604020202020204" pitchFamily="34" charset="0"/>
-              </a:rPr>
-              <a:t>                                                                                                       -</a:t>
-            </a:r>
-          </a:p>
-          <a:p>
-            <a:r>
-              <a:rPr lang="es-ES" sz="400" dirty="0">
-                <a:solidFill>
-                  <a:srgbClr val="00CB00"/>
-                </a:solidFill>
-                <a:latin typeface="Andale Mono" panose="020B0509000000000004" pitchFamily="49" charset="0"/>
-                <a:cs typeface="Arial" panose="020B0604020202020204" pitchFamily="34" charset="0"/>
-              </a:rPr>
-              <a:t>                                                                        `          `  .                  '   ..≡,,</a:t>
-            </a:r>
-          </a:p>
-          <a:p>
-            <a:r>
-              <a:rPr lang="es-ES" sz="400" dirty="0">
-                <a:solidFill>
-                  <a:srgbClr val="00CB00"/>
-                </a:solidFill>
-                <a:latin typeface="Andale Mono" panose="020B0509000000000004" pitchFamily="49" charset="0"/>
-                <a:cs typeface="Arial" panose="020B0604020202020204" pitchFamily="34" charset="0"/>
-              </a:rPr>
-              <a:t>                                 `                               ╔,-,,     ,,≡▒╗╗≡, -           `       ,≡░░,-░▄░╚╚═                       '</a:t>
-            </a:r>
-          </a:p>
-          <a:p>
-            <a:r>
-              <a:rPr lang="es-ES" sz="400" dirty="0">
-                <a:solidFill>
-                  <a:srgbClr val="00CB00"/>
-                </a:solidFill>
-                <a:latin typeface="Andale Mono" panose="020B0509000000000004" pitchFamily="49" charset="0"/>
-                <a:cs typeface="Arial" panose="020B0604020202020204" pitchFamily="34" charset="0"/>
-              </a:rPr>
-              <a:t>                                                              ≡</a:t>
-            </a:r>
-            <a:r>
-              <a:rPr lang="el-GR" sz="400" dirty="0">
-                <a:solidFill>
-                  <a:srgbClr val="00CB00"/>
-                </a:solidFill>
-                <a:latin typeface="Andale Mono" panose="020B0509000000000004" pitchFamily="49" charset="0"/>
-                <a:cs typeface="Arial" panose="020B0604020202020204" pitchFamily="34" charset="0"/>
-              </a:rPr>
-              <a:t>φ░░;≤╙╚░- -≤╠╩╠║╬╬╠╬░░≡╗╦-      .≡  .    ╚"╚╚░╠░░░░╠░    "</a:t>
-            </a:r>
-          </a:p>
-          <a:p>
-            <a:r>
-              <a:rPr lang="el-GR" sz="400" dirty="0">
-                <a:solidFill>
-                  <a:srgbClr val="00CB00"/>
-                </a:solidFill>
-                <a:latin typeface="Andale Mono" panose="020B0509000000000004" pitchFamily="49" charset="0"/>
-                <a:cs typeface="Arial" panose="020B0604020202020204" pitchFamily="34" charset="0"/>
-              </a:rPr>
-              <a:t>                                                             ▐╩░╚░░,'.╠░  )╚░╚╩╚╚╚╚░;░«░»  ,░░░╔▄</a:t>
-            </a:r>
-            <a:r>
-              <a:rPr lang="el-GR" sz="400" dirty="0" err="1">
-                <a:solidFill>
-                  <a:srgbClr val="00CB00"/>
-                </a:solidFill>
-                <a:latin typeface="Andale Mono" panose="020B0509000000000004" pitchFamily="49" charset="0"/>
-                <a:cs typeface="Arial" panose="020B0604020202020204" pitchFamily="34" charset="0"/>
-              </a:rPr>
-              <a:t>φ╣φφφ</a:t>
-            </a:r>
-            <a:r>
-              <a:rPr lang="el-GR" sz="400" dirty="0">
-                <a:solidFill>
-                  <a:srgbClr val="00CB00"/>
-                </a:solidFill>
-                <a:latin typeface="Andale Mono" panose="020B0509000000000004" pitchFamily="49" charset="0"/>
-                <a:cs typeface="Arial" panose="020B0604020202020204" pitchFamily="34" charset="0"/>
-              </a:rPr>
-              <a:t>≡≡"≤░≈░░░╚▒≡╩░╚░-"  `  .    `</a:t>
-            </a:r>
-          </a:p>
-          <a:p>
-            <a:r>
-              <a:rPr lang="el-GR" sz="400" dirty="0">
-                <a:solidFill>
-                  <a:srgbClr val="00CB00"/>
-                </a:solidFill>
-                <a:latin typeface="Andale Mono" panose="020B0509000000000004" pitchFamily="49" charset="0"/>
-                <a:cs typeface="Arial" panose="020B0604020202020204" pitchFamily="34" charset="0"/>
-              </a:rPr>
-              <a:t>                                                             :╚░░'-≥-≤░░    ^≥≥░'░░~  - ]@░░╚╩╠▓▓▓╣╣╬╣╬╩╬╙░░░,░░░░░░░░╔  ╔φ╗▒φ╦,        `</a:t>
-            </a:r>
-          </a:p>
-          <a:p>
-            <a:r>
-              <a:rPr lang="el-GR" sz="400" dirty="0">
-                <a:solidFill>
-                  <a:srgbClr val="00CB00"/>
-                </a:solidFill>
-                <a:latin typeface="Andale Mono" panose="020B0509000000000004" pitchFamily="49" charset="0"/>
-                <a:cs typeface="Arial" panose="020B0604020202020204" pitchFamily="34" charset="0"/>
-              </a:rPr>
-              <a:t>                                                            ≡≡╔≡░,)---░╠,  ,╔≡░-]░░'≥≤-#╠░░░░╚░║╣▓╠╩╩╠╝░╚ '░φ░░^≤╦░╔╠░░╠╚╬╣▒≡╗╬╠▒-</a:t>
-            </a:r>
-          </a:p>
-          <a:p>
-            <a:r>
-              <a:rPr lang="el-GR" sz="400" dirty="0">
-                <a:solidFill>
-                  <a:srgbClr val="00CB00"/>
-                </a:solidFill>
-                <a:latin typeface="Andale Mono" panose="020B0509000000000004" pitchFamily="49" charset="0"/>
-                <a:cs typeface="Arial" panose="020B0604020202020204" pitchFamily="34" charset="0"/>
-              </a:rPr>
-              <a:t>                                               -         ╔╦╗╬╣╣╬╬╦░░≥░≡╗φ░╔#╩╚╩▒-░░░≤░-╠╙░╚≥≥╠╩╩║╬╩╝░≥░░  -.╠░░░░░╩╚░░-;╔╩║╣▓╬╣╣▓╩▒░                  -</a:t>
-            </a:r>
-          </a:p>
-          <a:p>
-            <a:r>
-              <a:rPr lang="el-GR" sz="400" dirty="0">
-                <a:solidFill>
-                  <a:srgbClr val="00CB00"/>
-                </a:solidFill>
-                <a:latin typeface="Andale Mono" panose="020B0509000000000004" pitchFamily="49" charset="0"/>
-                <a:cs typeface="Arial" panose="020B0604020202020204" pitchFamily="34" charset="0"/>
-              </a:rPr>
-              <a:t>                                                       -╠╠╣╬╩╩╚╚░░╠╠░╚▓╬╩░≤⌐</a:t>
-            </a:r>
-            <a:r>
-              <a:rPr lang="es-ES" sz="400" dirty="0">
-                <a:solidFill>
-                  <a:srgbClr val="00CB00"/>
-                </a:solidFill>
-                <a:latin typeface="Andale Mono" panose="020B0509000000000004" pitchFamily="49" charset="0"/>
-                <a:cs typeface="Arial" panose="020B0604020202020204" pitchFamily="34" charset="0"/>
-              </a:rPr>
-              <a:t>ⁿ"░░░░░░░░- ]▒≡-░░░░╬╬░╚╙░╚"-  ;░≡░╩░=░≤░≥░╚╠╩╠╣╣╬╩╠╠╠░' .           "    '</a:t>
-            </a:r>
-          </a:p>
-          <a:p>
-            <a:r>
-              <a:rPr lang="es-ES" sz="400" dirty="0">
-                <a:solidFill>
-                  <a:srgbClr val="00CB00"/>
-                </a:solidFill>
-                <a:latin typeface="Andale Mono" panose="020B0509000000000004" pitchFamily="49" charset="0"/>
-                <a:cs typeface="Arial" panose="020B0604020202020204" pitchFamily="34" charset="0"/>
-              </a:rPr>
-              <a:t>                                                    -   ░░╚░░░≥░╠╬░╠╬╙╚╚╠░░░-=╔╙░╓└≤"≥-  ╚░░░░░]╩░░░╠░".  ''╚≥╩░░ ╔░░░≥║╠╬╠╣╬╩░░░╚░</a:t>
-            </a:r>
-            <a:r>
-              <a:rPr lang="el-GR" sz="400" dirty="0" err="1">
-                <a:solidFill>
-                  <a:srgbClr val="00CB00"/>
-                </a:solidFill>
-                <a:latin typeface="Andale Mono" panose="020B0509000000000004" pitchFamily="49" charset="0"/>
-                <a:cs typeface="Arial" panose="020B0604020202020204" pitchFamily="34" charset="0"/>
-              </a:rPr>
-              <a:t>φφ</a:t>
-            </a:r>
-            <a:r>
-              <a:rPr lang="el-GR" sz="400" dirty="0">
-                <a:solidFill>
-                  <a:srgbClr val="00CB00"/>
-                </a:solidFill>
-                <a:latin typeface="Andale Mono" panose="020B0509000000000004" pitchFamily="49" charset="0"/>
-                <a:cs typeface="Arial" panose="020B0604020202020204" pitchFamily="34" charset="0"/>
-              </a:rPr>
-              <a:t>▒░░░═≡     .</a:t>
-            </a:r>
-          </a:p>
-          <a:p>
-            <a:r>
-              <a:rPr lang="el-GR" sz="400" dirty="0">
-                <a:solidFill>
-                  <a:srgbClr val="00CB00"/>
-                </a:solidFill>
-                <a:latin typeface="Andale Mono" panose="020B0509000000000004" pitchFamily="49" charset="0"/>
-                <a:cs typeface="Arial" panose="020B0604020202020204" pitchFamily="34" charset="0"/>
-              </a:rPr>
-              <a:t>                                                      -    '░≥░░╩╠╚░╚░░░░≥╦░░╙░░-╔'''''   ╙░╙░░╔▒╚░░╚░     ]╩╩░≥░.╠▒░░╔╠╠╣╩╩░░░░░╩"░^╙╙╙╚▒░╚▒'</a:t>
-            </a:r>
-          </a:p>
-          <a:p>
-            <a:r>
-              <a:rPr lang="el-GR" sz="400" dirty="0">
-                <a:solidFill>
-                  <a:srgbClr val="00CB00"/>
-                </a:solidFill>
-                <a:latin typeface="Andale Mono" panose="020B0509000000000004" pitchFamily="49" charset="0"/>
-                <a:cs typeface="Arial" panose="020B0604020202020204" pitchFamily="34" charset="0"/>
-              </a:rPr>
-              <a:t>                                                   .,≡≡     </a:t>
-            </a:r>
-            <a:r>
-              <a:rPr lang="es-ES" sz="400" dirty="0">
-                <a:solidFill>
-                  <a:srgbClr val="00CB00"/>
-                </a:solidFill>
-                <a:latin typeface="Andale Mono" panose="020B0509000000000004" pitchFamily="49" charset="0"/>
-                <a:cs typeface="Arial" panose="020B0604020202020204" pitchFamily="34" charset="0"/>
-              </a:rPr>
-              <a:t>ⁿ"╚╠╠╚░░'"░≥╩╩░▒░░╚░,.≥≤░≤-    ]╔╗╝╣╩╠╩╩╠▒=  -≤╚╣░╔░⌐░╠╚╠╠╠║╬░░╠╩░░░-- ╠╦╦╦#░░░╩</a:t>
-            </a:r>
-          </a:p>
-          <a:p>
-            <a:r>
-              <a:rPr lang="es-ES" sz="400" dirty="0">
-                <a:solidFill>
-                  <a:srgbClr val="00CB00"/>
-                </a:solidFill>
-                <a:latin typeface="Andale Mono" panose="020B0509000000000004" pitchFamily="49" charset="0"/>
-                <a:cs typeface="Arial" panose="020B0604020202020204" pitchFamily="34" charset="0"/>
-              </a:rPr>
-              <a:t>                                         ≡╗░░,  )═░└ ░░≥≥      ╚╩░░░░ '╚░╚╠╩╚░░╚░░╩░╚░░,,-≤░≥╦╗╬░░╠▒╠▒  ╔╦╠╠╩≤░╙-]╩╗╣╬╣╣╬╠╣╣░└`ⁿ -░╠╬╠░╚░░░</a:t>
-            </a:r>
-          </a:p>
-          <a:p>
-            <a:r>
-              <a:rPr lang="es-ES" sz="400" dirty="0">
-                <a:solidFill>
-                  <a:srgbClr val="00CB00"/>
-                </a:solidFill>
-                <a:latin typeface="Andale Mono" panose="020B0509000000000004" pitchFamily="49" charset="0"/>
-                <a:cs typeface="Arial" panose="020B0604020202020204" pitchFamily="34" charset="0"/>
-              </a:rPr>
-              <a:t>                                        ≤╠░`'░≥╔░""░ ^╙≤╗░   '   ]≡░░- ']╚░░░║▒║▒╗▄╣▄▓▓█▓▓▓▓▓▓▓▓▓▓██▓▓╣╣╬▓▓▓▓▒░╚░░≤╣╣▓╬╠╠╩╩░╬░ ]░░╔╩║▒╠╬╣╬╠@╕</a:t>
-            </a:r>
-          </a:p>
-          <a:p>
-            <a:r>
-              <a:rPr lang="es-ES" sz="400" dirty="0">
-                <a:solidFill>
-                  <a:srgbClr val="00CB00"/>
-                </a:solidFill>
-                <a:latin typeface="Andale Mono" panose="020B0509000000000004" pitchFamily="49" charset="0"/>
-                <a:cs typeface="Arial" panose="020B0604020202020204" pitchFamily="34" charset="0"/>
-              </a:rPr>
-              <a:t>                                      ,╗╩░',''≡║▒░░~╓░ ,≥░o,-     ░║╠╠≡╔≡</a:t>
-            </a:r>
-            <a:r>
-              <a:rPr lang="el-GR" sz="400" dirty="0">
-                <a:solidFill>
-                  <a:srgbClr val="00CB00"/>
-                </a:solidFill>
-                <a:latin typeface="Andale Mono" panose="020B0509000000000004" pitchFamily="49" charset="0"/>
-                <a:cs typeface="Arial" panose="020B0604020202020204" pitchFamily="34" charset="0"/>
-              </a:rPr>
-              <a:t>φ╣▓▓╣╣╣▓▓▓██╣▓▀╣╬╠╣▓╬╣▓▒╣╣╬╬╠╣▓█▓▓▓▓▓▓▒╬╠▄╠▓╣╣╬╬╩░░╔╠░≡≡░╠╠░╔╣╠╩╚╬░╚╚▒ '            -    -</a:t>
-            </a:r>
-          </a:p>
-          <a:p>
-            <a:r>
-              <a:rPr lang="el-GR" sz="400" dirty="0">
-                <a:solidFill>
-                  <a:srgbClr val="00CB00"/>
-                </a:solidFill>
-                <a:latin typeface="Andale Mono" panose="020B0509000000000004" pitchFamily="49" charset="0"/>
-                <a:cs typeface="Arial" panose="020B0604020202020204" pitchFamily="34" charset="0"/>
-              </a:rPr>
-              <a:t>                                      ╚░".░"`'"╙╚╬░░░╓░╚░╚╬░╧≡-   -╠╣▓▓▓╬╬╣▓▓▓▓▓▓╣╣╬╠╬╬╣╣╣╬╠╣▓▓██▓▓▓╣▓╬╠▓▓██▓╣▓║▓▓▓▓▓╬╬╠╠╩╚░╠╬╚╠╠╣╣╣╠╬░≡░░░╩╚▒╣▒ -  =╚║╦</a:t>
-            </a:r>
-          </a:p>
-          <a:p>
-            <a:r>
-              <a:rPr lang="el-GR" sz="400" dirty="0">
-                <a:solidFill>
-                  <a:srgbClr val="00CB00"/>
-                </a:solidFill>
-                <a:latin typeface="Andale Mono" panose="020B0509000000000004" pitchFamily="49" charset="0"/>
-                <a:cs typeface="Arial" panose="020B0604020202020204" pitchFamily="34" charset="0"/>
-              </a:rPr>
-              <a:t>                                    `  ░,""'-≤≥^"]░╚╣╩░░╩░░▒╦≤╚∩ ≤≡╣╣▓██▌╣╣▓▓▓▓╬╬▒╣▓▓╣╬╣▓╣╣╣╬╣╣▓╣╬╠╝▀╚░≡╚╠╣╬║╬╣▓▓█████▓╬╣▒╩╚╚░░╔╬╣╬╠╩░=░╓=="░²`    ≤░-░╚▒-</a:t>
-            </a:r>
-          </a:p>
-          <a:p>
-            <a:r>
-              <a:rPr lang="el-GR" sz="400" dirty="0">
-                <a:solidFill>
-                  <a:srgbClr val="00CB00"/>
-                </a:solidFill>
-                <a:latin typeface="Andale Mono" panose="020B0509000000000004" pitchFamily="49" charset="0"/>
-                <a:cs typeface="Arial" panose="020B0604020202020204" pitchFamily="34" charset="0"/>
-              </a:rPr>
-              <a:t>                                    .-░╙╙╚╔, ≥  -░."╚░╔╚░░└╔╣▒╬</a:t>
-            </a:r>
-            <a:r>
-              <a:rPr lang="el-GR" sz="400" dirty="0" err="1">
-                <a:solidFill>
-                  <a:srgbClr val="00CB00"/>
-                </a:solidFill>
-                <a:latin typeface="Andale Mono" panose="020B0509000000000004" pitchFamily="49" charset="0"/>
-                <a:cs typeface="Arial" panose="020B0604020202020204" pitchFamily="34" charset="0"/>
-              </a:rPr>
-              <a:t>φφ</a:t>
-            </a:r>
-            <a:r>
-              <a:rPr lang="el-GR" sz="400" dirty="0">
-                <a:solidFill>
-                  <a:srgbClr val="00CB00"/>
-                </a:solidFill>
-                <a:latin typeface="Andale Mono" panose="020B0509000000000004" pitchFamily="49" charset="0"/>
-                <a:cs typeface="Arial" panose="020B0604020202020204" pitchFamily="34" charset="0"/>
-              </a:rPr>
-              <a:t>╬╬╬╣╬╬╬╩╠╠║▓▓▓╬╠╬╣▓╬╣╬╠╣╣▓▓╣▓▓╣╣▌╗╠╠╬╬▒╠╬╬╬╠╬╩╠╝╣█▓▓▓▓▓╬▓▓▄▄╠╣╠╠╝╩╩╙='░╔╗░      ;≥≡░,=-;║▒ `</a:t>
-            </a:r>
-          </a:p>
-          <a:p>
-            <a:r>
-              <a:rPr lang="el-GR" sz="400" dirty="0">
-                <a:solidFill>
-                  <a:srgbClr val="00CB00"/>
-                </a:solidFill>
-                <a:latin typeface="Andale Mono" panose="020B0509000000000004" pitchFamily="49" charset="0"/>
-                <a:cs typeface="Arial" panose="020B0604020202020204" pitchFamily="34" charset="0"/>
-              </a:rPr>
-              <a:t>                                   ]╩≥=░░]≡░≥      ╔φ╣▒╠╬╠║╬╦╣▓╬╬╣╬░╚░╚║▒╬╠╣╣╬║╬╬╠╔╦╣╬║╣╬╣╣▓╣╝╬╩╠╠╬╠╠╬╠║φ╣╬╬╠▓▓▓▓╣╬╠╣╣╬╠║╣▓███▒▒╙'"-╚,░╠▒░╚╩░ '-░░-#░.,',░╠╩</a:t>
-            </a:r>
-          </a:p>
-          <a:p>
-            <a:r>
-              <a:rPr lang="el-GR" sz="400" dirty="0">
-                <a:solidFill>
-                  <a:srgbClr val="00CB00"/>
-                </a:solidFill>
-                <a:latin typeface="Andale Mono" panose="020B0509000000000004" pitchFamily="49" charset="0"/>
-                <a:cs typeface="Arial" panose="020B0604020202020204" pitchFamily="34" charset="0"/>
-              </a:rPr>
-              <a:t>                                   ]░;╔╣╬░░≥░░≥,╔▒░.≡░╚╣╬╬║▓▓▓▓╬╬╬╬░░╔╣╠║╠╣▒╚╩╚╚≡╦╔╦║╬░≡╠╠╣╣╬╝╠╩╠╠╬╣╬╣╣╣╣╣╬╠╠╠╩╠╠╬╣╬▒║╣▓▓╣██▓▓█▓╣▒░≡╩░░░"  -]╬╩░ '░░≤≥"'    '                       -</a:t>
-            </a:r>
-          </a:p>
-          <a:p>
-            <a:r>
-              <a:rPr lang="el-GR" sz="400" dirty="0">
-                <a:solidFill>
-                  <a:srgbClr val="00CB00"/>
-                </a:solidFill>
-                <a:latin typeface="Andale Mono" panose="020B0509000000000004" pitchFamily="49" charset="0"/>
-                <a:cs typeface="Arial" panose="020B0604020202020204" pitchFamily="34" charset="0"/>
-              </a:rPr>
-              <a:t>                                   -╚╬╣╣╬╩╠░░░░╔╩≥░.=░╦╚╬╠╣▓╣▓▓▓▓╬╠╣▓▒╠╠╠╠░╚╚░╠▒░░░░░╚░╠╠╣▓╣╣░░╬╣╣╬╠║╣╣▓╣╣╬╩░░░╠╣╬╠╬╣╬╣╣╬╠╬▀▀╠╣╬▓▓▒≡≡░░╔░≡╦░-╚╚░░'              .</a:t>
-            </a:r>
-          </a:p>
-          <a:p>
-            <a:r>
-              <a:rPr lang="el-GR" sz="400" dirty="0">
-                <a:solidFill>
-                  <a:srgbClr val="00CB00"/>
-                </a:solidFill>
-                <a:latin typeface="Andale Mono" panose="020B0509000000000004" pitchFamily="49" charset="0"/>
-                <a:cs typeface="Arial" panose="020B0604020202020204" pitchFamily="34" charset="0"/>
-              </a:rPr>
-              <a:t>                                  = ≈╠╠╠░░░╙╩░░░║╣▓▒▄╦╠╦╣▓╬╠╣▓▒╣╣╣▓▓╣▒╠▒╠╬╠╣░▒╔≡░░╔╦╬░░░╬╣▓▓╣▓▒▓╣▓╬╬╬╠╠╩╣╬░╔≡╠╣╣╣▓▓╬╠╚╬≡░░≤φ╬╣▒╬╩╣▓█▒╦≥≡░╩╠╚φ╩░░'  ⌐  ≡-≡░░                  '</a:t>
-            </a:r>
-          </a:p>
-          <a:p>
-            <a:r>
-              <a:rPr lang="el-GR" sz="400" dirty="0">
-                <a:solidFill>
-                  <a:srgbClr val="00CB00"/>
-                </a:solidFill>
-                <a:latin typeface="Andale Mono" panose="020B0509000000000004" pitchFamily="49" charset="0"/>
-                <a:cs typeface="Arial" panose="020B0604020202020204" pitchFamily="34" charset="0"/>
-              </a:rPr>
-              <a:t>                                     ░╙░╚⌐]░`"^└╙║╚╠╠╣▓▓▓▓█▓▒╠╩╚╚╬╣╬░╣▓▓╬╣▒╠╝╣╣╣╣╣╩╠╬▒φ░╠╠▓▓╬▓▓╣▓╬╬░░╚╚╩≡╠║╣╬╠║█▓▓▓╠╝╩╬≡░╣╬▓▓▓█╬╠╬╠▓▓╣╬╬╠╬╩≥░╩░;,     ':░"='       --≡≡≡░≡</a:t>
-            </a:r>
-          </a:p>
-          <a:p>
-            <a:r>
-              <a:rPr lang="el-GR" sz="400" dirty="0">
-                <a:solidFill>
-                  <a:srgbClr val="00CB00"/>
-                </a:solidFill>
-                <a:latin typeface="Andale Mono" panose="020B0509000000000004" pitchFamily="49" charset="0"/>
-                <a:cs typeface="Arial" panose="020B0604020202020204" pitchFamily="34" charset="0"/>
-              </a:rPr>
-              <a:t>                                            =≈  ,  ╙╚╣╣╬▓███▓╩╣╗</a:t>
-            </a:r>
-            <a:r>
-              <a:rPr lang="es-ES" sz="400" dirty="0">
-                <a:solidFill>
-                  <a:srgbClr val="00CB00"/>
-                </a:solidFill>
-                <a:latin typeface="Andale Mono" panose="020B0509000000000004" pitchFamily="49" charset="0"/>
-                <a:cs typeface="Arial" panose="020B0604020202020204" pitchFamily="34" charset="0"/>
-              </a:rPr>
-              <a:t>Q╠╠╠▓▓╣╬▓▓▒╔╠╠╠║╬▒░║╚╩╬╗╬╚╬╠╠░║╬╬╠╠░=╠╩╝╣▓╣╬╣╬░╩║╬╠▒╠╝╩╠░╠░╚╚╙╚╣▄░╣█▓▓▓▒░'≥░░░╚░░░≡,''-░-''.-     -=-""░░╚▒</a:t>
-            </a:r>
-          </a:p>
-          <a:p>
-            <a:r>
-              <a:rPr lang="es-ES" sz="400" dirty="0">
-                <a:solidFill>
-                  <a:srgbClr val="00CB00"/>
-                </a:solidFill>
-                <a:latin typeface="Andale Mono" panose="020B0509000000000004" pitchFamily="49" charset="0"/>
-                <a:cs typeface="Arial" panose="020B0604020202020204" pitchFamily="34" charset="0"/>
-              </a:rPr>
-              <a:t>                                "           - -    »╩╠╠╠╣▓▓▓╣╝╣▄╠╬╣▓╣▓▓▓▓▓▀╬╠╠╣╬╣▓╬╬▒╦░╠≡╣╣╬╬╠╬╠║╬╩▒░╠╠╠║╣▓╣▓╣▒╣╬║╬░║╩╣≡╬░╠╠╣▒╠╣╣╩╬╠╬╬╠▓▓▒░░░░░░░╠░░░░░░.≡ ░░,- ,░=-  `░»≤≡░</a:t>
-            </a:r>
-          </a:p>
-          <a:p>
-            <a:r>
-              <a:rPr lang="es-ES" sz="400" dirty="0">
-                <a:solidFill>
-                  <a:srgbClr val="00CB00"/>
-                </a:solidFill>
-                <a:latin typeface="Andale Mono" panose="020B0509000000000004" pitchFamily="49" charset="0"/>
-                <a:cs typeface="Arial" panose="020B0604020202020204" pitchFamily="34" charset="0"/>
-              </a:rPr>
-              <a:t>                                                    ≡╠╣▓╬╣╣╠▒╠╠╬╬▀▓╬╠╣╬╠╩╚╠╬╣╣╣▓╣▓╣╣▒░╚╚≥╠╣▓▓╬╣╣╝╩░╩╠▒╠╬╣▓▓╣▓╬╬╬╣╣╬╩░≥╚╚░╠▓╣▓╣╣╬╬╝╬╚╣╬╬╠╣▓▒░╠▒╠╠╠╩╩╚░-░^-╔╦╠╩░,╦░╬▒░,  .-░░╠</a:t>
-            </a:r>
-          </a:p>
-          <a:p>
-            <a:r>
-              <a:rPr lang="es-ES" sz="400" dirty="0">
-                <a:solidFill>
-                  <a:srgbClr val="00CB00"/>
-                </a:solidFill>
-                <a:latin typeface="Andale Mono" panose="020B0509000000000004" pitchFamily="49" charset="0"/>
-                <a:cs typeface="Arial" panose="020B0604020202020204" pitchFamily="34" charset="0"/>
-              </a:rPr>
-              <a:t>                                                    "╣╣▓▓▓▓╬╬╠╣▒▓╬║╬░╠╣╣▓▓▄╩╠╣▓▓▓▓▓╬║▓▓▌╬░╚╣╬╬╠░░≡╦</a:t>
-            </a:r>
-            <a:r>
-              <a:rPr lang="el-GR" sz="400" dirty="0">
-                <a:solidFill>
-                  <a:srgbClr val="00CB00"/>
-                </a:solidFill>
-                <a:latin typeface="Andale Mono" panose="020B0509000000000004" pitchFamily="49" charset="0"/>
-                <a:cs typeface="Arial" panose="020B0604020202020204" pitchFamily="34" charset="0"/>
-              </a:rPr>
-              <a:t>φ╣╣╣╣▓╣╣╣╬╣▓╣╬╩╚▒░╦≡╦╠╠▓╣▓▓╩╣╬╦║╬╣╣▓╣╣▓▓▒╚░░░░≡░░ =░~'╙░╙░╔≥░≡╠▒╦╠░"≥░░≥░</a:t>
-            </a:r>
-          </a:p>
-          <a:p>
-            <a:r>
-              <a:rPr lang="el-GR" sz="400" dirty="0">
-                <a:solidFill>
-                  <a:srgbClr val="00CB00"/>
-                </a:solidFill>
-                <a:latin typeface="Andale Mono" panose="020B0509000000000004" pitchFamily="49" charset="0"/>
-                <a:cs typeface="Arial" panose="020B0604020202020204" pitchFamily="34" charset="0"/>
-              </a:rPr>
-              <a:t>                                      " ---,--, --"- ]╠▓╬╬╣▓╬▒╣╠░░╚║╩╬╣╣▓▓▓▒╤▒╚╚╬╙╚║▓╣╠╩╠▒║╠╩░╚░╠╬╣╣╣▓▓╣▓╣╬▓▓╣╣▓▒╬╬╠╠╣╬╠░╠╬╣╣╣▓╣╬╠╣╣▓▓▓╣╣╣▓█▒-"░░░'],  ░''",░╙≥└░╔░╦░░░</a:t>
-            </a:r>
-          </a:p>
-          <a:p>
-            <a:r>
-              <a:rPr lang="el-GR" sz="400" dirty="0">
-                <a:solidFill>
-                  <a:srgbClr val="00CB00"/>
-                </a:solidFill>
-                <a:latin typeface="Andale Mono" panose="020B0509000000000004" pitchFamily="49" charset="0"/>
-                <a:cs typeface="Arial" panose="020B0604020202020204" pitchFamily="34" charset="0"/>
-              </a:rPr>
-              <a:t>                                      -≤░</a:t>
-            </a:r>
-            <a:r>
-              <a:rPr lang="es-ES" sz="400" dirty="0">
-                <a:solidFill>
-                  <a:srgbClr val="00CB00"/>
-                </a:solidFill>
-                <a:latin typeface="Andale Mono" panose="020B0509000000000004" pitchFamily="49" charset="0"/>
-                <a:cs typeface="Arial" panose="020B0604020202020204" pitchFamily="34" charset="0"/>
-              </a:rPr>
-              <a:t>ⁿ░░░░░░╔#╦╦░░║▓╬╣╬╣▓╬╩╩╩╝░╠░≡╣╩╚╚░╠╬╠╬▒░╠╠░║╝╣╝▀▒▒╚░;#╦╣╣▓▓▓▓▓╣╣╣╣╣▓▓▓▓▌╣╣╣╣╣╣▒╠╠╬╬╣▓▓▓╬╬║╬╣╣╬╩╣╬╣▓█▒="╚░"' -;≤╗╗▒░░="╔-~;-╙╠╩</a:t>
-            </a:r>
-          </a:p>
-          <a:p>
-            <a:r>
-              <a:rPr lang="es-ES" sz="400" dirty="0">
-                <a:solidFill>
-                  <a:srgbClr val="00CB00"/>
-                </a:solidFill>
-                <a:latin typeface="Andale Mono" panose="020B0509000000000004" pitchFamily="49" charset="0"/>
-                <a:cs typeface="Arial" panose="020B0604020202020204" pitchFamily="34" charset="0"/>
-              </a:rPr>
-              <a:t>                             ≡≥▒╦░ -  '░░░:░░░░░░░"' =║╬╣╣╬▒░╠╣▒░░'║╠╣░║╩╣▒╠╬╠╠╣▒╣╬╠╩╩╩≡╠╠╬≡╬╩╔≡╬╣╬╣╣╬╬╬╬╣▓╣▓▒╣▓▀╣╬╬║╬╬╩╚░║╣╩║╩╩╬╩╚╬║╬╚╬╬║▓▓▓█▒░░≤≡≤╬╬╠░╩╠╬▒░╙░;░≡░=="</a:t>
-            </a:r>
-          </a:p>
-          <a:p>
-            <a:r>
-              <a:rPr lang="es-ES" sz="400" dirty="0">
-                <a:solidFill>
-                  <a:srgbClr val="00CB00"/>
-                </a:solidFill>
-                <a:latin typeface="Andale Mono" panose="020B0509000000000004" pitchFamily="49" charset="0"/>
-                <a:cs typeface="Arial" panose="020B0604020202020204" pitchFamily="34" charset="0"/>
-              </a:rPr>
-              <a:t>                            ╠╩░░≥░'≥░≤░≤╩╗░░≡░≥╦`-≡≤░░╣╬╣▓▓▌▒╠╠≡╠╩≡░╠╣▒╬╬╣╣╣╣╣╣╬║╬╣╩╬▓▓╬▓▓▓▓▒╦╣╣╣╣▓╬║╬╣▓▓╣▓▒╠╚╠╠║╬╣╬╩╚╠╠░╠╠╩║≡░╚░░╠╬≡╠╣╣╣╣█▓╣▓▓╬╠≡╬╠╠╬░╗▒░≥╩░"     - .</a:t>
-            </a:r>
-          </a:p>
-          <a:p>
-            <a:r>
-              <a:rPr lang="es-ES" sz="400" dirty="0">
-                <a:solidFill>
-                  <a:srgbClr val="00CB00"/>
-                </a:solidFill>
-                <a:latin typeface="Andale Mono" panose="020B0509000000000004" pitchFamily="49" charset="0"/>
-                <a:cs typeface="Arial" panose="020B0604020202020204" pitchFamily="34" charset="0"/>
-              </a:rPr>
-              <a:t>                           ]╦≡░░░░≡╦▒░░╔╗╣╬╬╠╬╗╦,╓░░╠╣▓▓╣▓█▓╣╬╬╣╠▓▓▓▓╣▓╬▓▓▓▓╣╬╣╣╣▒╬╣▓▓▓╣▓▓╣╬╣╩╚╩╬╩║╬╠╠╣╬╣▓╣▓╣▓▓╣▓▓▒╣╬╬╠╬╠░≡░╬░╠░░╠╠▓╬╬╣▓╣╬╠▓╣▓╠░░░≥░░░░░░░╚░`      `</a:t>
-            </a:r>
-          </a:p>
-          <a:p>
-            <a:r>
-              <a:rPr lang="es-ES" sz="400" dirty="0">
-                <a:solidFill>
-                  <a:srgbClr val="00CB00"/>
-                </a:solidFill>
-                <a:latin typeface="Andale Mono" panose="020B0509000000000004" pitchFamily="49" charset="0"/>
-                <a:cs typeface="Arial" panose="020B0604020202020204" pitchFamily="34" charset="0"/>
-              </a:rPr>
-              <a:t>                            ╠╠╚░░╠╬╣╠≡░║╬╬╩╠╠≡≡≥░╩╚╚╩╚╣▓╣╬╣╣╣╣▓╬╣▓╬╣╬╣╩╩╩╣╬╣╬░░=]╠╩╗╬╠║╬╠╬╬╚║╝╚╣╩░╚╬╩║▓╬╬╣▓▓▓╣▓▓▓▓▓▒╬╠╠╠║▒░╠▒░╩#║╣╣╬╣╣╬╬╠╬║▓▓╣▓▒░░░≥░░░-'"       -</a:t>
-            </a:r>
-          </a:p>
-          <a:p>
-            <a:r>
-              <a:rPr lang="es-ES" sz="400" dirty="0">
-                <a:solidFill>
-                  <a:srgbClr val="00CB00"/>
-                </a:solidFill>
-                <a:latin typeface="Andale Mono" panose="020B0509000000000004" pitchFamily="49" charset="0"/>
-                <a:cs typeface="Arial" panose="020B0604020202020204" pitchFamily="34" charset="0"/>
-              </a:rPr>
-              <a:t>                             ╙╦░≥╚╠╠╩░░║░╠║╬░╬░≡░░∩-╦.╚╣╣╣╬╣╣╣▓╣╣╬╬╩░╚╬╣▒╣╬╠╬╠║╣▒╠╗╣╬╬╣╬╠╩≡╔╠╦╦╩╠░░╝╠╩║╣╣▓▓▓▓▓▓╣╬▓╣╣▓▓▓▓╬╣╣╣╣╣╣▒╠╣╣╣╣╬╠╣▓▓▓▓▓▓▓╠╩░≥,'--</a:t>
-            </a:r>
-          </a:p>
-          <a:p>
-            <a:r>
-              <a:rPr lang="es-ES" sz="400" dirty="0">
-                <a:solidFill>
-                  <a:srgbClr val="00CB00"/>
-                </a:solidFill>
-                <a:latin typeface="Andale Mono" panose="020B0509000000000004" pitchFamily="49" charset="0"/>
-                <a:cs typeface="Arial" panose="020B0604020202020204" pitchFamily="34" charset="0"/>
-              </a:rPr>
-              <a:t>                                 ░╚╚≡░░░╬╬╩░░≈░░╓═≈ⁿ'░-└╠╣╬╬╬╬╬╠╠╠╣╬╠║║╣▒╬║▌░╠╣╬▄╬╠╠╔▓▓█▓╣▒╚≡░╚╔:╬░░░╩╣╬╣╣█╬╣▓▓▓╬▓▓▓█▓╬╣╬╠╬╣╣▓╬╬╣╬╬╣╬╬▓▓▓╬╣╣█▓▒╬╤░░,,'              -</a:t>
-            </a:r>
-          </a:p>
-          <a:p>
-            <a:r>
-              <a:rPr lang="es-ES" sz="400" dirty="0">
-                <a:solidFill>
-                  <a:srgbClr val="00CB00"/>
-                </a:solidFill>
-                <a:latin typeface="Andale Mono" panose="020B0509000000000004" pitchFamily="49" charset="0"/>
-                <a:cs typeface="Arial" panose="020B0604020202020204" pitchFamily="34" charset="0"/>
-              </a:rPr>
-              <a:t>                                   '"`' ,╙╙╦═ⁿ"     ╔╩░╔░╣▓╬╬╣╣╣▓▓▓▓▒╬╠╬▒╠╠╚║╣╬╠╠╬╣▓▓▓▓██▀░╔╬╣▒</a:t>
-            </a:r>
-            <a:r>
-              <a:rPr lang="el-GR" sz="400" dirty="0">
-                <a:solidFill>
-                  <a:srgbClr val="00CB00"/>
-                </a:solidFill>
-                <a:latin typeface="Andale Mono" panose="020B0509000000000004" pitchFamily="49" charset="0"/>
-                <a:cs typeface="Arial" panose="020B0604020202020204" pitchFamily="34" charset="0"/>
-              </a:rPr>
-              <a:t>φ░░╠░░≡╠║╣╣▓▓██╩╣╩╩╚╠╬╬▒║╣╬╣╬╠╣╬╬╬╚╚╠╠╬╣▓╣╣▓██▌╩╠╠╠╩╚░╚▒."{</a:t>
-            </a:r>
-            <a:r>
-              <a:rPr lang="es-ES" sz="400" dirty="0">
-                <a:solidFill>
-                  <a:srgbClr val="00CB00"/>
-                </a:solidFill>
-                <a:latin typeface="Andale Mono" panose="020B0509000000000004" pitchFamily="49" charset="0"/>
-                <a:cs typeface="Arial" panose="020B0604020202020204" pitchFamily="34" charset="0"/>
-              </a:rPr>
-              <a:t>ⁿ===     »░╦</a:t>
-            </a:r>
-          </a:p>
-          <a:p>
-            <a:r>
-              <a:rPr lang="es-ES" sz="400" dirty="0">
-                <a:solidFill>
-                  <a:srgbClr val="00CB00"/>
-                </a:solidFill>
-                <a:latin typeface="Andale Mono" panose="020B0509000000000004" pitchFamily="49" charset="0"/>
-                <a:cs typeface="Arial" panose="020B0604020202020204" pitchFamily="34" charset="0"/>
-              </a:rPr>
-              <a:t>                                 -       ' ^      ",╚░░.░╠╣▓╣╣▓▓▓╣╬╬╬║╬╬╬░░║╬╠╣▒╠╣╣╣▓▓╬╬░╚░╚╬╩╠╠░░░╠░╔░╚╬╠╠╩╩╩╩╩░≡╠╬╬╬╣╬╠╠╠╩░╙░╠╠░≡░╠░╠║╠▓███▒╔╬▒=═`]╦░░." =- ╓    =╓╠"</a:t>
-            </a:r>
-          </a:p>
-          <a:p>
-            <a:r>
-              <a:rPr lang="es-ES" sz="400" dirty="0">
-                <a:solidFill>
-                  <a:srgbClr val="00CB00"/>
-                </a:solidFill>
-                <a:latin typeface="Andale Mono" panose="020B0509000000000004" pitchFamily="49" charset="0"/>
-                <a:cs typeface="Arial" panose="020B0604020202020204" pitchFamily="34" charset="0"/>
-              </a:rPr>
-              <a:t>                                                ╓   ║╗▒░╗╠╣▓▓▓██▓╬╣╬╠╠╠╩║▒≥╠║╬╣╣▓╣▓╬╬╚╠╠╣▒╦╠▒░╚╩╣▒░╚▒░╚╚╠╩░░╩╝╠░░≡╩╬╣╠╠╠▒╠╬╙░▒≤╠╩░░╩╚║▒▐║▓██▒]╣╣╬╠░,,░"≤≥≤,░-= ,`░≤≡╚≡ -</a:t>
-            </a:r>
-          </a:p>
-          <a:p>
-            <a:r>
-              <a:rPr lang="es-ES" sz="400" dirty="0">
-                <a:solidFill>
-                  <a:srgbClr val="00CB00"/>
-                </a:solidFill>
-                <a:latin typeface="Andale Mono" panose="020B0509000000000004" pitchFamily="49" charset="0"/>
-                <a:cs typeface="Arial" panose="020B0604020202020204" pitchFamily="34" charset="0"/>
-              </a:rPr>
-              <a:t>                                             -░░░░░╔╬╣╣╣╣╬╠╠╣▓▓▓╬╠╣╣▓▓▒░╚░░╠░╚╩╣╬╬╝░╬▓╬╬░╚╠░╚╠╣╗▒░░░╠░"╠╩║▒░╦╗▒#░░░╠░╚╦║░░≡╣╬╠▒╚╗╩░≡╣╠░╣▓▓╩└  ╙╚╙╚╙-#░░≡░╚╚╠≥░.░=≤#▒╦⌐       `</a:t>
-            </a:r>
-          </a:p>
-          <a:p>
-            <a:r>
-              <a:rPr lang="es-ES" sz="400" dirty="0">
-                <a:solidFill>
-                  <a:srgbClr val="00CB00"/>
-                </a:solidFill>
-                <a:latin typeface="Andale Mono" panose="020B0509000000000004" pitchFamily="49" charset="0"/>
-                <a:cs typeface="Arial" panose="020B0604020202020204" pitchFamily="34" charset="0"/>
-              </a:rPr>
-              <a:t>                       '             "  .-. =;░░╚░╠╬╠╬╠╣╬╝╩╩╚╚╣╣▓╬╬╠╠▓█╠╬≤╗╠░░╬░╚╬╩╩╠║╣▒╠╠░╦░╩╩░░╚║╩╙@╗╩▒╩░░░╚≡▄▄@╩░╠╬░░║╠╩╬▓@≥░╠╩║</a:t>
-            </a:r>
-            <a:r>
-              <a:rPr lang="el-GR" sz="400" dirty="0">
-                <a:solidFill>
-                  <a:srgbClr val="00CB00"/>
-                </a:solidFill>
-                <a:latin typeface="Andale Mono" panose="020B0509000000000004" pitchFamily="49" charset="0"/>
-                <a:cs typeface="Arial" panose="020B0604020202020204" pitchFamily="34" charset="0"/>
-              </a:rPr>
-              <a:t>φ╣╦▓▓╩' "        ░░░╚░╗░░░≥╠╦≡╠╣╣▒░</a:t>
-            </a:r>
-          </a:p>
-          <a:p>
-            <a:r>
-              <a:rPr lang="el-GR" sz="400" dirty="0">
-                <a:solidFill>
-                  <a:srgbClr val="00CB00"/>
-                </a:solidFill>
-                <a:latin typeface="Andale Mono" panose="020B0509000000000004" pitchFamily="49" charset="0"/>
-                <a:cs typeface="Arial" panose="020B0604020202020204" pitchFamily="34" charset="0"/>
-              </a:rPr>
-              <a:t>                                   ≡░░░░' ░░"└░░░░░╬╠╠╩░≤░`'''╚╚▀▓▓▓▓▓▓▒░║╠╬╣▒▒╠≥╓╔φ╠╬╣╬╬░╦░░░░╚╝░╚≡░░╔φ╩╩║▒░║█╣▓▓╣╣╬▓▒░╝╣▒║╣╣▄╣░╣▓▓▓█╩░            '   ░╚≤░░░╚╚╝╬╩║░╚╦</a:t>
-            </a:r>
-          </a:p>
-          <a:p>
-            <a:r>
-              <a:rPr lang="el-GR" sz="400" dirty="0">
-                <a:solidFill>
-                  <a:srgbClr val="00CB00"/>
-                </a:solidFill>
-                <a:latin typeface="Andale Mono" panose="020B0509000000000004" pitchFamily="49" charset="0"/>
-                <a:cs typeface="Arial" panose="020B0604020202020204" pitchFamily="34" charset="0"/>
-              </a:rPr>
-              <a:t>                                  ]░^≥≥⌐,,''░,,∩╙░░╚╚░░░░≡░"░░^"░╚╝▓▓█▓▒╬╬╣▓█▓▓╬╣░░╔╠▀▓█▓▒░╚╔╠╩░-░╚≡╠╠╬╬╠╣▒╠║▒╠╣╩╣╬╣╬╣╬▒╣╬╠╣╣╬╣╬╠╣▓█╩░╔░░-                "░≥░░░░░╚╩░╠╩    -</a:t>
-            </a:r>
-          </a:p>
-          <a:p>
-            <a:r>
-              <a:rPr lang="el-GR" sz="400" dirty="0">
-                <a:solidFill>
-                  <a:srgbClr val="00CB00"/>
-                </a:solidFill>
-                <a:latin typeface="Andale Mono" panose="020B0509000000000004" pitchFamily="49" charset="0"/>
-                <a:cs typeface="Arial" panose="020B0604020202020204" pitchFamily="34" charset="0"/>
-              </a:rPr>
-              <a:t>                         "         ,--:φ╔░-░░░░-,-═░=╙░╚░░≡░.,≥≤░░░░╚▓▓▓▓▓▓██▓▓╬╣▒╬╣╣╣╣╣╬░╠╗╩╠▒░░╦≥≡╠║╠╬╬╣╬▒░░║╬╠╣╣╬╠╠╠▓▓▓▄▓▓▓▓▓▓▓╬░"╙╚╙░░╔░≡--,   -         ╚╚╚╠╩░░╔╩░</a:t>
-            </a:r>
-          </a:p>
-          <a:p>
-            <a:r>
-              <a:rPr lang="el-GR" sz="400" dirty="0">
-                <a:solidFill>
-                  <a:srgbClr val="00CB00"/>
-                </a:solidFill>
-                <a:latin typeface="Andale Mono" panose="020B0509000000000004" pitchFamily="49" charset="0"/>
-                <a:cs typeface="Arial" panose="020B0604020202020204" pitchFamily="34" charset="0"/>
-              </a:rPr>
-              <a:t>                                   ]░,'≥░≥░╔╬░⌐░░░"░░░░░≥░"»░╠░░░≤░░░╣╠▓█▓▓▓╬▓╬╬╬╠╠▓╬╩░░╠░▄║</a:t>
-            </a:r>
-            <a:r>
-              <a:rPr lang="es-ES" sz="400" dirty="0">
-                <a:solidFill>
-                  <a:srgbClr val="00CB00"/>
-                </a:solidFill>
-                <a:latin typeface="Andale Mono" panose="020B0509000000000004" pitchFamily="49" charset="0"/>
-                <a:cs typeface="Arial" panose="020B0604020202020204" pitchFamily="34" charset="0"/>
-              </a:rPr>
-              <a:t>Q#╣╝╬░≤╠╬╠╬╬╠╣╣╬▒≡╬╣╣▓▓▓▄╚╠▓▓▓███▓▓▓█╬▒╤░,,░░░≥░.░-░-╔             "╚≡≡╗╩`     -</a:t>
-            </a:r>
-          </a:p>
-          <a:p>
-            <a:r>
-              <a:rPr lang="es-ES" sz="400" dirty="0">
-                <a:solidFill>
-                  <a:srgbClr val="00CB00"/>
-                </a:solidFill>
-                <a:latin typeface="Andale Mono" panose="020B0509000000000004" pitchFamily="49" charset="0"/>
-                <a:cs typeface="Arial" panose="020B0604020202020204" pitchFamily="34" charset="0"/>
-              </a:rPr>
-              <a:t>                                    "╙=╚░"'╠≡≡░░≡░░└≥╔@╩░░░░░╠░░░░╚░╚╠╩╚╣╣███▓▓╬╣▓▓▓╬▒╚║╝╬╠▓╣▌╚╗╩╚╬░░░≡╠╠╣╣╬╣╬╣╣▓▓╬╠▓▒░╠▓▓╣▓▓▓█╬╬╬╠║▒╠╠╠╠░╚▒░,,^'`░',</a:t>
-            </a:r>
-          </a:p>
-          <a:p>
-            <a:r>
-              <a:rPr lang="es-ES" sz="400" dirty="0">
-                <a:solidFill>
-                  <a:srgbClr val="00CB00"/>
-                </a:solidFill>
-                <a:latin typeface="Andale Mono" panose="020B0509000000000004" pitchFamily="49" charset="0"/>
-                <a:cs typeface="Arial" panose="020B0604020202020204" pitchFamily="34" charset="0"/>
-              </a:rPr>
-              <a:t>                                        =  ╙╩╔≡░≡░░╔╩╙╚╠╠░╠░░╩░░]░░░╠░.░╚╩╚╣▓███▓▓╬▓╚╩╩░╗╩╬╬╚░░╠░╠╠╣╣╬╬≡╬╣╣╬╬╠╬╣▓╣╣▓▓▓╬╠║╣▓█╩░░╚║╬╬╠╬╣╬╠░░'░╠░░≥≥░░░`'`==-,         '</a:t>
-            </a:r>
-          </a:p>
-          <a:p>
-            <a:r>
-              <a:rPr lang="es-ES" sz="400" dirty="0">
-                <a:solidFill>
-                  <a:srgbClr val="00CB00"/>
-                </a:solidFill>
-                <a:latin typeface="Andale Mono" panose="020B0509000000000004" pitchFamily="49" charset="0"/>
-                <a:cs typeface="Arial" panose="020B0604020202020204" pitchFamily="34" charset="0"/>
-              </a:rPr>
-              <a:t>                                         =  `║╠╬╠╗╩⌐';░░║╬╠░░╠░░≡╗░░░╔╬░░╦╠╩╠╣▓███▓╬╬╣▓▓▓╬╚╬░≡░░╚╬╬╠╬╬╠╬╣╣▓▓╬╬╠╣╣▓█▓▓▓▓╬╣╣╩║╩░║░╚╩╬╠╣╠╬╠░╩░╔░   `;^'  ''≤≡╩`</a:t>
-            </a:r>
-          </a:p>
-          <a:p>
-            <a:r>
-              <a:rPr lang="es-ES" sz="400" dirty="0">
-                <a:solidFill>
-                  <a:srgbClr val="00CB00"/>
-                </a:solidFill>
-                <a:latin typeface="Andale Mono" panose="020B0509000000000004" pitchFamily="49" charset="0"/>
-                <a:cs typeface="Arial" panose="020B0604020202020204" pitchFamily="34" charset="0"/>
-              </a:rPr>
-              <a:t>                                             "╚░░░'-'-░░╚╚╩░░░≡╩░░░╔║░░░║╬░╔≥╩╩╠╣▓▓▓▓▓▓╣╣╬╠╬╠╣╬╬▒░╠╬╣▓╣▓╣╬╣╣╣╣╬╣╣▓╣▓▓██░░  "╠░╚╬▒░╚╬╣╬╬╠║░░╠░░░, '░".-,╔░░=</a:t>
-            </a:r>
-          </a:p>
-          <a:p>
-            <a:r>
-              <a:rPr lang="es-ES" sz="400" dirty="0">
-                <a:solidFill>
-                  <a:srgbClr val="00CB00"/>
-                </a:solidFill>
-                <a:latin typeface="Andale Mono" panose="020B0509000000000004" pitchFamily="49" charset="0"/>
-                <a:cs typeface="Arial" panose="020B0604020202020204" pitchFamily="34" charset="0"/>
-              </a:rPr>
-              <a:t>                                              "░╚╠░░"-`'"░≡@░░░╠▒░░░░░░╙║▒╠║▒≥≡,╠╩╚╚╣▓█▓▓╬╦╦╣╣▓█▓▒≡║▓█▓▓▓▓▓▓╣╣▓▓╣╣▓▀╣╬╠╬░≤⌐  ╚╚░╚╬╦░░╚╩▒╦╩░░░╠░░   -░░╬▒</a:t>
-            </a:r>
-          </a:p>
-          <a:p>
-            <a:r>
-              <a:rPr lang="es-ES" sz="400" dirty="0">
-                <a:solidFill>
-                  <a:srgbClr val="00CB00"/>
-                </a:solidFill>
-                <a:latin typeface="Andale Mono" panose="020B0509000000000004" pitchFamily="49" charset="0"/>
-                <a:cs typeface="Arial" panose="020B0604020202020204" pitchFamily="34" charset="0"/>
-              </a:rPr>
-              <a:t>                          -                      ╚╚▒░░  @░░░║╬╠╩≥░╠▒░░'-░╚╬▒░░╔≡╠╚≥╚╠╠░╚╠╚▀╣╣▓▓▓▓▓▓███▓██▓▓▓╣╣╩╩╙╚≥#╚╩╬░╔,    ╩╚░░░░╔</a:t>
-            </a:r>
-            <a:r>
-              <a:rPr lang="es-ES" sz="400" dirty="0" err="1">
-                <a:solidFill>
-                  <a:srgbClr val="00CB00"/>
-                </a:solidFill>
-                <a:latin typeface="Andale Mono" panose="020B0509000000000004" pitchFamily="49" charset="0"/>
-                <a:cs typeface="Arial" panose="020B0604020202020204" pitchFamily="34" charset="0"/>
-              </a:rPr>
-              <a:t>ç</a:t>
-            </a:r>
-            <a:r>
-              <a:rPr lang="es-ES" sz="400" dirty="0">
-                <a:solidFill>
-                  <a:srgbClr val="00CB00"/>
-                </a:solidFill>
-                <a:latin typeface="Andale Mono" panose="020B0509000000000004" pitchFamily="49" charset="0"/>
-                <a:cs typeface="Arial" panose="020B0604020202020204" pitchFamily="34" charset="0"/>
-              </a:rPr>
-              <a:t> .]▒≡≡╠╩░-    ⁿ░`</a:t>
-            </a:r>
-          </a:p>
-          <a:p>
-            <a:r>
-              <a:rPr lang="es-ES" sz="400" dirty="0">
-                <a:solidFill>
-                  <a:srgbClr val="00CB00"/>
-                </a:solidFill>
-                <a:latin typeface="Andale Mono" panose="020B0509000000000004" pitchFamily="49" charset="0"/>
-                <a:cs typeface="Arial" panose="020B0604020202020204" pitchFamily="34" charset="0"/>
-              </a:rPr>
-              <a:t>                                                   `=  ,║╬╠║≡░░▒░╠╩░└"≤-'-   └└░░░]╦╠╠╚)░ '└╚╠╬╩╩╚╠╚╠╩╚╚╚░╠╚░░░," .  ░░╦╩╚,  -╚#░░≡░╠╠╣▒≡░╚╚╙░'</a:t>
-            </a:r>
-          </a:p>
-          <a:p>
-            <a:r>
-              <a:rPr lang="es-ES" sz="400" dirty="0">
-                <a:solidFill>
-                  <a:srgbClr val="00CB00"/>
-                </a:solidFill>
-                <a:latin typeface="Andale Mono" panose="020B0509000000000004" pitchFamily="49" charset="0"/>
-                <a:cs typeface="Arial" panose="020B0604020202020204" pitchFamily="34" charset="0"/>
-              </a:rPr>
-              <a:t>                                                      ≡╔░╠▒╠╣╣╣░╠╛░]░-''     --"╔╦░╠╦░░╠`   ]╠░╚░"╚╬╠╬░╠╠░╠░░≥-:░:   ░]≡≡░░░  ,░░╔@▒╠╠╝░'≡╚╩╕             -</a:t>
-            </a:r>
-          </a:p>
-          <a:p>
-            <a:r>
-              <a:rPr lang="es-ES" sz="400" dirty="0">
-                <a:solidFill>
-                  <a:srgbClr val="00CB00"/>
-                </a:solidFill>
-                <a:latin typeface="Andale Mono" panose="020B0509000000000004" pitchFamily="49" charset="0"/>
-                <a:cs typeface="Arial" panose="020B0604020202020204" pitchFamily="34" charset="0"/>
-              </a:rPr>
-              <a:t>                                                      ╚░`"╙╚╬╬╣▓▒≥-'.    `  ╔≥▒≥╔╣░░╚░░░    ]╠░░∩-░╚║╣▒╠╩╚╠≥≥≥≤░░░   "-░░░░≡   ╙╩╩╬░░░-«░░=]▒</a:t>
-            </a:r>
-          </a:p>
-          <a:p>
-            <a:r>
-              <a:rPr lang="es-ES" sz="400" dirty="0">
-                <a:solidFill>
-                  <a:srgbClr val="00CB00"/>
-                </a:solidFill>
-                <a:latin typeface="Andale Mono" panose="020B0509000000000004" pitchFamily="49" charset="0"/>
-                <a:cs typeface="Arial" panose="020B0604020202020204" pitchFamily="34" charset="0"/>
-              </a:rPr>
-              <a:t>            -                                          ╙":`'░╚╠╬░≡░`-   "-,≤=╬╬@╩╠╠░╠░╚"   .░░░░  ≥░╠╠╦░╦░░░╚╠░░░░░≤░  [░░,)╦░≡░  ⌐≈,=≤╚ ≈╗╛</a:t>
-            </a:r>
-          </a:p>
-          <a:p>
-            <a:r>
-              <a:rPr lang="es-ES" sz="400" dirty="0">
-                <a:solidFill>
-                  <a:srgbClr val="00CB00"/>
-                </a:solidFill>
-                <a:latin typeface="Andale Mono" panose="020B0509000000000004" pitchFamily="49" charset="0"/>
-                <a:cs typeface="Arial" panose="020B0604020202020204" pitchFamily="34" charset="0"/>
-              </a:rPr>
-              <a:t>                                                         ""╚=╙`"░░≥░ ⁿ░░░≥░,░╬╠░#╩╬≡░░#   -░░╠░≥  ╚░╚╩░░░░░≥░╔╦░░░░░╔▒░░╬╠╩╙╙╩╩^-  `"≡╠]#=</a:t>
-            </a:r>
-          </a:p>
-          <a:p>
-            <a:r>
-              <a:rPr lang="es-ES" sz="400" dirty="0">
-                <a:solidFill>
-                  <a:srgbClr val="00CB00"/>
-                </a:solidFill>
-                <a:latin typeface="Andale Mono" panose="020B0509000000000004" pitchFamily="49" charset="0"/>
-                <a:cs typeface="Arial" panose="020B0604020202020204" pitchFamily="34" charset="0"/>
-              </a:rPr>
-              <a:t>                                         ]   `                    '░≡---'∩.≤≡░╚╩░▒╚╩╠╩⌐  .≡░░╚░░░ ░░░╩░"╙░"░░╚╠╦╔░░╚░╚╝╝╩╩╙░└' :</a:t>
-            </a:r>
-          </a:p>
-          <a:p>
-            <a:r>
-              <a:rPr lang="es-ES" sz="400" dirty="0">
-                <a:solidFill>
-                  <a:srgbClr val="00CB00"/>
-                </a:solidFill>
-                <a:latin typeface="Andale Mono" panose="020B0509000000000004" pitchFamily="49" charset="0"/>
-                <a:cs typeface="Arial" panose="020B0604020202020204" pitchFamily="34" charset="0"/>
-              </a:rPr>
-              <a:t>                                                                «-░░░;-''≥≤║▒░░╦'░░"░''░░░╔░░░░╚░.░░░╩╩╩"░░░░░╚░░░"-'   ⌐≤≥-≥ -"╝╦       ' '</a:t>
-            </a:r>
-          </a:p>
-          <a:p>
-            <a:r>
-              <a:rPr lang="es-ES" sz="400" dirty="0">
-                <a:solidFill>
-                  <a:srgbClr val="00CB00"/>
-                </a:solidFill>
-                <a:latin typeface="Andale Mono" panose="020B0509000000000004" pitchFamily="49" charset="0"/>
-                <a:cs typeface="Arial" panose="020B0604020202020204" pitchFamily="34" charset="0"/>
-              </a:rPr>
-              <a:t>                                                            --  -░╚░░░░≡;'' '└╙╚╙╚═≡@░░░░╠╠╠╦╠░╚╚░░'"╩╚▒░░╚╔░≥░└└"     -╦░░░`╠╩░╔</a:t>
-            </a:r>
-            <a:r>
-              <a:rPr lang="el-GR" sz="400" dirty="0">
-                <a:solidFill>
-                  <a:srgbClr val="00CB00"/>
-                </a:solidFill>
-                <a:latin typeface="Andale Mono" panose="020B0509000000000004" pitchFamily="49" charset="0"/>
-                <a:cs typeface="Arial" panose="020B0604020202020204" pitchFamily="34" charset="0"/>
-              </a:rPr>
-              <a:t>φ</a:t>
-            </a:r>
-          </a:p>
-          <a:p>
-            <a:r>
-              <a:rPr lang="el-GR" sz="400" dirty="0">
-                <a:solidFill>
-                  <a:srgbClr val="00CB00"/>
-                </a:solidFill>
-                <a:latin typeface="Andale Mono" panose="020B0509000000000004" pitchFamily="49" charset="0"/>
-                <a:cs typeface="Arial" panose="020B0604020202020204" pitchFamily="34" charset="0"/>
-              </a:rPr>
-              <a:t>                                                                  "░░≡░░░░'          "╚╚╚╝╬╣╣╣╣╣▒░,,≡░░░░░╚░░≥=''░,-    `╚║╩╦░░╚╙`</a:t>
-            </a:r>
-          </a:p>
-          <a:p>
-            <a:r>
-              <a:rPr lang="el-GR" sz="400" dirty="0">
-                <a:solidFill>
-                  <a:srgbClr val="00CB00"/>
-                </a:solidFill>
-                <a:latin typeface="Andale Mono" panose="020B0509000000000004" pitchFamily="49" charset="0"/>
-                <a:cs typeface="Arial" panose="020B0604020202020204" pitchFamily="34" charset="0"/>
-              </a:rPr>
-              <a:t>                                                                     ╙░=⌐"              "░░░└`'░░░░░░░≡≡╩░░░╗≡╔░╦╦╩╧    `   '      ` -</a:t>
-            </a:r>
-          </a:p>
-          <a:p>
-            <a:r>
-              <a:rPr lang="el-GR" sz="400" dirty="0">
-                <a:solidFill>
-                  <a:srgbClr val="00CB00"/>
-                </a:solidFill>
-                <a:latin typeface="Andale Mono" panose="020B0509000000000004" pitchFamily="49" charset="0"/>
-                <a:cs typeface="Arial" panose="020B0604020202020204" pitchFamily="34" charset="0"/>
-              </a:rPr>
-              <a:t>                                                                                               ""╙░░░╚╚╙=░░╚╚╙╚░'        -</a:t>
-            </a:r>
-          </a:p>
-          <a:p>
-            <a:r>
-              <a:rPr lang="el-GR" sz="400" dirty="0">
-                <a:solidFill>
-                  <a:srgbClr val="00CB00"/>
-                </a:solidFill>
-                <a:latin typeface="Andale Mono" panose="020B0509000000000004" pitchFamily="49" charset="0"/>
-                <a:cs typeface="Arial" panose="020B0604020202020204" pitchFamily="34" charset="0"/>
-              </a:rPr>
-              <a:t>                                                                                                   ╠░≡≡</a:t>
-            </a:r>
-            <a:r>
-              <a:rPr lang="es-ES" sz="400" dirty="0" err="1">
-                <a:solidFill>
-                  <a:srgbClr val="00CB00"/>
-                </a:solidFill>
-                <a:latin typeface="Andale Mono" panose="020B0509000000000004" pitchFamily="49" charset="0"/>
-                <a:cs typeface="Arial" panose="020B0604020202020204" pitchFamily="34" charset="0"/>
-              </a:rPr>
-              <a:t>å</a:t>
-            </a:r>
-            <a:r>
-              <a:rPr lang="es-ES" sz="400" dirty="0">
-                <a:solidFill>
-                  <a:srgbClr val="00CB00"/>
-                </a:solidFill>
-                <a:latin typeface="Andale Mono" panose="020B0509000000000004" pitchFamily="49" charset="0"/>
-                <a:cs typeface="Arial" panose="020B0604020202020204" pitchFamily="34" charset="0"/>
-              </a:rPr>
-              <a:t>▒≡▒▒#╩╩</a:t>
-            </a:r>
-          </a:p>
-          <a:p>
-            <a:r>
-              <a:rPr lang="es-ES" sz="400" dirty="0">
-                <a:solidFill>
-                  <a:srgbClr val="00CB00"/>
-                </a:solidFill>
-                <a:latin typeface="Andale Mono" panose="020B0509000000000004" pitchFamily="49" charset="0"/>
-                <a:cs typeface="Arial" panose="020B0604020202020204" pitchFamily="34" charset="0"/>
-              </a:rPr>
-              <a:t>                                                                                                  ` "╙└.                                                                    `</a:t>
-            </a:r>
-          </a:p>
-          <a:p>
-            <a:r>
-              <a:rPr lang="es-ES" sz="400" dirty="0">
-                <a:solidFill>
-                  <a:srgbClr val="00CB00"/>
-                </a:solidFill>
-                <a:latin typeface="Andale Mono" panose="020B0509000000000004" pitchFamily="49" charset="0"/>
-                <a:cs typeface="Arial" panose="020B0604020202020204" pitchFamily="34" charset="0"/>
-              </a:rPr>
-              <a:t>                                                                                                                    -</a:t>
-            </a:r>
-          </a:p>
-          <a:p>
-            <a:r>
-              <a:rPr lang="es-ES" sz="400" dirty="0">
-                <a:solidFill>
-                  <a:srgbClr val="00CB00"/>
-                </a:solidFill>
-                <a:latin typeface="Andale Mono" panose="020B0509000000000004" pitchFamily="49" charset="0"/>
-                <a:cs typeface="Arial" panose="020B0604020202020204" pitchFamily="34" charset="0"/>
-              </a:rPr>
-              <a:t>                                                             '                                                   `</a:t>
-            </a:r>
-          </a:p>
-          <a:p>
-            <a:r>
-              <a:rPr lang="es-ES" sz="400" dirty="0">
-                <a:solidFill>
-                  <a:srgbClr val="00CB00"/>
-                </a:solidFill>
-                <a:latin typeface="Andale Mono" panose="020B0509000000000004" pitchFamily="49" charset="0"/>
-                <a:cs typeface="Arial" panose="020B0604020202020204" pitchFamily="34" charset="0"/>
-              </a:rPr>
-              <a:t>                                                                        '      -</a:t>
-            </a:r>
-          </a:p>
-          <a:p>
-            <a:r>
-              <a:rPr lang="es-ES" sz="400" dirty="0">
-                <a:solidFill>
-                  <a:srgbClr val="00CB00"/>
-                </a:solidFill>
-                <a:latin typeface="Andale Mono" panose="020B0509000000000004" pitchFamily="49" charset="0"/>
-                <a:cs typeface="Arial" panose="020B0604020202020204" pitchFamily="34" charset="0"/>
-              </a:rPr>
-              <a:t>                                                                                              -</a:t>
-            </a:r>
-          </a:p>
-          <a:p>
-            <a:r>
-              <a:rPr lang="es-ES" sz="400" dirty="0">
-                <a:solidFill>
-                  <a:srgbClr val="00CB00"/>
-                </a:solidFill>
-                <a:latin typeface="Andale Mono" panose="020B0509000000000004" pitchFamily="49" charset="0"/>
-                <a:cs typeface="Arial" panose="020B0604020202020204" pitchFamily="34" charset="0"/>
-              </a:rPr>
-              <a:t>                                                                                        -                              -</a:t>
-            </a:r>
-          </a:p>
-          <a:p>
-            <a:r>
-              <a:rPr lang="es-ES" sz="400" dirty="0">
-                <a:solidFill>
-                  <a:srgbClr val="00CB00"/>
-                </a:solidFill>
-                <a:latin typeface="Andale Mono" panose="020B0509000000000004" pitchFamily="49" charset="0"/>
-                <a:cs typeface="Arial" panose="020B0604020202020204" pitchFamily="34" charset="0"/>
-              </a:rPr>
-              <a:t> </a:t>
-            </a:r>
-          </a:p>
-          <a:p>
-            <a:r>
-              <a:rPr lang="es-ES" sz="400" dirty="0">
-                <a:solidFill>
-                  <a:srgbClr val="00CB00"/>
-                </a:solidFill>
-                <a:latin typeface="Andale Mono" panose="020B0509000000000004" pitchFamily="49" charset="0"/>
-                <a:cs typeface="Arial" panose="020B0604020202020204" pitchFamily="34" charset="0"/>
-              </a:rPr>
-              <a:t> </a:t>
-            </a:r>
-          </a:p>
-          <a:p>
-            <a:r>
-              <a:rPr lang="es-ES" sz="400" dirty="0">
-                <a:solidFill>
-                  <a:srgbClr val="00CB00"/>
-                </a:solidFill>
-                <a:latin typeface="Andale Mono" panose="020B0509000000000004" pitchFamily="49" charset="0"/>
-                <a:cs typeface="Arial" panose="020B0604020202020204" pitchFamily="34" charset="0"/>
-              </a:rPr>
-              <a:t> </a:t>
-            </a:r>
-          </a:p>
-          <a:p>
-            <a:r>
-              <a:rPr lang="es-ES" sz="400" dirty="0">
-                <a:solidFill>
-                  <a:srgbClr val="00CB00"/>
-                </a:solidFill>
-                <a:latin typeface="Andale Mono" panose="020B0509000000000004" pitchFamily="49" charset="0"/>
-                <a:cs typeface="Arial" panose="020B0604020202020204" pitchFamily="34" charset="0"/>
-              </a:rPr>
-              <a:t> </a:t>
-            </a:r>
-          </a:p>
-          <a:p>
-            <a:r>
-              <a:rPr lang="es-ES" sz="400" dirty="0">
-                <a:solidFill>
-                  <a:srgbClr val="00CB00"/>
-                </a:solidFill>
-                <a:latin typeface="Andale Mono" panose="020B0509000000000004" pitchFamily="49" charset="0"/>
-                <a:cs typeface="Arial" panose="020B0604020202020204" pitchFamily="34" charset="0"/>
-              </a:rPr>
-              <a:t> </a:t>
-            </a:r>
-          </a:p>
-          <a:p>
-            <a:r>
-              <a:rPr lang="es-ES" sz="400" dirty="0">
-                <a:solidFill>
-                  <a:srgbClr val="00CB00"/>
-                </a:solidFill>
-                <a:latin typeface="Andale Mono" panose="020B0509000000000004" pitchFamily="49" charset="0"/>
-                <a:cs typeface="Arial" panose="020B0604020202020204" pitchFamily="34" charset="0"/>
-              </a:rPr>
-              <a:t> </a:t>
-            </a:r>
-          </a:p>
-          <a:p>
-            <a:r>
-              <a:rPr lang="es-ES" sz="400" dirty="0">
-                <a:solidFill>
-                  <a:srgbClr val="00CB00"/>
-                </a:solidFill>
-                <a:latin typeface="Andale Mono" panose="020B0509000000000004" pitchFamily="49" charset="0"/>
-                <a:cs typeface="Arial" panose="020B0604020202020204" pitchFamily="34" charset="0"/>
-              </a:rPr>
-              <a:t> </a:t>
-            </a:r>
-          </a:p>
-          <a:p>
-            <a:r>
-              <a:rPr lang="es-ES" sz="400" dirty="0">
-                <a:solidFill>
-                  <a:srgbClr val="00CB00"/>
-                </a:solidFill>
-                <a:latin typeface="Andale Mono" panose="020B0509000000000004" pitchFamily="49" charset="0"/>
-                <a:cs typeface="Arial" panose="020B0604020202020204" pitchFamily="34" charset="0"/>
-              </a:rPr>
-              <a:t> </a:t>
-            </a:r>
-          </a:p>
-          <a:p>
-            <a:r>
-              <a:rPr lang="es-ES" sz="400" dirty="0">
-                <a:solidFill>
-                  <a:srgbClr val="00CB00"/>
-                </a:solidFill>
-                <a:latin typeface="Andale Mono" panose="020B0509000000000004" pitchFamily="49" charset="0"/>
-                <a:cs typeface="Arial" panose="020B0604020202020204" pitchFamily="34" charset="0"/>
-              </a:rPr>
-              <a:t> </a:t>
-            </a:r>
-          </a:p>
-          <a:p>
-            <a:r>
-              <a:rPr lang="es-ES" sz="400" dirty="0">
-                <a:solidFill>
-                  <a:srgbClr val="00CB00"/>
-                </a:solidFill>
-                <a:latin typeface="Andale Mono" panose="020B0509000000000004" pitchFamily="49" charset="0"/>
-                <a:cs typeface="Arial" panose="020B0604020202020204" pitchFamily="34" charset="0"/>
-              </a:rPr>
-              <a:t> </a:t>
-            </a:r>
-          </a:p>
-          <a:p>
-            <a:r>
-              <a:rPr lang="es-ES" sz="400" dirty="0">
-                <a:solidFill>
-                  <a:srgbClr val="00CB00"/>
-                </a:solidFill>
-                <a:latin typeface="Andale Mono" panose="020B0509000000000004" pitchFamily="49" charset="0"/>
-                <a:cs typeface="Arial" panose="020B0604020202020204" pitchFamily="34" charset="0"/>
-              </a:rPr>
-              <a:t> </a:t>
-            </a:r>
-          </a:p>
-          <a:p>
-            <a:r>
-              <a:rPr lang="es-ES" sz="400" dirty="0">
-                <a:solidFill>
-                  <a:srgbClr val="00CB00"/>
-                </a:solidFill>
-                <a:latin typeface="Andale Mono" panose="020B0509000000000004" pitchFamily="49" charset="0"/>
-                <a:cs typeface="Arial" panose="020B0604020202020204" pitchFamily="34" charset="0"/>
-              </a:rPr>
-              <a:t> </a:t>
-            </a:r>
           </a:p>
         </p:txBody>
       </p:sp>
@@ -6551,6 +3749,66 @@
           </p:spPr>
         </p:pic>
       </p:grpSp>
+      <p:pic>
+        <p:nvPicPr>
+          <p:cNvPr id="21" name="Imagen 20">
+            <a:extLst>
+              <a:ext uri="{FF2B5EF4-FFF2-40B4-BE49-F238E27FC236}">
+                <a16:creationId xmlns:a16="http://schemas.microsoft.com/office/drawing/2014/main" id="{C2FA60B7-FC07-29D3-D771-972F2A70A4EF}"/>
+              </a:ext>
+            </a:extLst>
+          </p:cNvPr>
+          <p:cNvPicPr>
+            <a:picLocks noChangeAspect="1"/>
+          </p:cNvPicPr>
+          <p:nvPr/>
+        </p:nvPicPr>
+        <p:blipFill>
+          <a:blip r:embed="rId7"/>
+          <a:stretch>
+            <a:fillRect/>
+          </a:stretch>
+        </p:blipFill>
+        <p:spPr>
+          <a:xfrm>
+            <a:off x="-2018549" y="-1175864"/>
+            <a:ext cx="5778500" cy="6007100"/>
+          </a:xfrm>
+          <a:prstGeom prst="rect">
+            <a:avLst/>
+          </a:prstGeom>
+        </p:spPr>
+      </p:pic>
+      <p:pic>
+        <p:nvPicPr>
+          <p:cNvPr id="22" name="Imagen 21">
+            <a:extLst>
+              <a:ext uri="{FF2B5EF4-FFF2-40B4-BE49-F238E27FC236}">
+                <a16:creationId xmlns:a16="http://schemas.microsoft.com/office/drawing/2014/main" id="{01E9187E-5AAB-333C-0A7C-76990DBEFD72}"/>
+              </a:ext>
+            </a:extLst>
+          </p:cNvPr>
+          <p:cNvPicPr>
+            <a:picLocks noChangeAspect="1"/>
+          </p:cNvPicPr>
+          <p:nvPr/>
+        </p:nvPicPr>
+        <p:blipFill>
+          <a:blip r:embed="rId8"/>
+          <a:stretch>
+            <a:fillRect/>
+          </a:stretch>
+        </p:blipFill>
+        <p:spPr>
+          <a:xfrm>
+            <a:off x="3058245" y="4251933"/>
+            <a:ext cx="5778500" cy="6007100"/>
+          </a:xfrm>
+          <a:prstGeom prst="rect">
+            <a:avLst/>
+          </a:prstGeom>
+        </p:spPr>
+      </p:pic>
     </p:spTree>
     <p:extLst>
       <p:ext uri="{BB962C8B-B14F-4D97-AF65-F5344CB8AC3E}">

--- a/assets/book_cover_front.pptx
+++ b/assets/book_cover_front.pptx
@@ -2,19 +2,19 @@
 <file path=ppt/presentation.xml><?xml version="1.0" encoding="utf-8"?>
 <p:presentation xmlns:a="http://schemas.openxmlformats.org/drawingml/2006/main" xmlns:r="http://schemas.openxmlformats.org/officeDocument/2006/relationships" xmlns:p="http://schemas.openxmlformats.org/presentationml/2006/main" saveSubsetFonts="1" autoCompressPictures="0">
   <p:sldMasterIdLst>
-    <p:sldMasterId id="2147483672" r:id="rId1"/>
+    <p:sldMasterId id="2147483684" r:id="rId1"/>
   </p:sldMasterIdLst>
   <p:sldIdLst>
     <p:sldId id="256" r:id="rId2"/>
   </p:sldIdLst>
-  <p:sldSz cx="6119813" cy="8640763"/>
+  <p:sldSz cx="6840538" cy="9359900"/>
   <p:notesSz cx="6858000" cy="9144000"/>
   <p:defaultTextStyle>
     <a:defPPr>
-      <a:defRPr lang="es-ES"/>
+      <a:defRPr lang="en-US"/>
     </a:defPPr>
-    <a:lvl1pPr marL="0" algn="l" defTabSz="708477" rtl="0" eaLnBrk="1" latinLnBrk="0" hangingPunct="1">
-      <a:defRPr sz="1395" kern="1200">
+    <a:lvl1pPr marL="0" algn="l" defTabSz="457200" rtl="0" eaLnBrk="1" latinLnBrk="0" hangingPunct="1">
+      <a:defRPr sz="1800" kern="1200">
         <a:solidFill>
           <a:schemeClr val="tx1"/>
         </a:solidFill>
@@ -23,8 +23,8 @@
         <a:cs typeface="+mn-cs"/>
       </a:defRPr>
     </a:lvl1pPr>
-    <a:lvl2pPr marL="354239" algn="l" defTabSz="708477" rtl="0" eaLnBrk="1" latinLnBrk="0" hangingPunct="1">
-      <a:defRPr sz="1395" kern="1200">
+    <a:lvl2pPr marL="457200" algn="l" defTabSz="457200" rtl="0" eaLnBrk="1" latinLnBrk="0" hangingPunct="1">
+      <a:defRPr sz="1800" kern="1200">
         <a:solidFill>
           <a:schemeClr val="tx1"/>
         </a:solidFill>
@@ -33,8 +33,8 @@
         <a:cs typeface="+mn-cs"/>
       </a:defRPr>
     </a:lvl2pPr>
-    <a:lvl3pPr marL="708477" algn="l" defTabSz="708477" rtl="0" eaLnBrk="1" latinLnBrk="0" hangingPunct="1">
-      <a:defRPr sz="1395" kern="1200">
+    <a:lvl3pPr marL="914400" algn="l" defTabSz="457200" rtl="0" eaLnBrk="1" latinLnBrk="0" hangingPunct="1">
+      <a:defRPr sz="1800" kern="1200">
         <a:solidFill>
           <a:schemeClr val="tx1"/>
         </a:solidFill>
@@ -43,8 +43,8 @@
         <a:cs typeface="+mn-cs"/>
       </a:defRPr>
     </a:lvl3pPr>
-    <a:lvl4pPr marL="1062716" algn="l" defTabSz="708477" rtl="0" eaLnBrk="1" latinLnBrk="0" hangingPunct="1">
-      <a:defRPr sz="1395" kern="1200">
+    <a:lvl4pPr marL="1371600" algn="l" defTabSz="457200" rtl="0" eaLnBrk="1" latinLnBrk="0" hangingPunct="1">
+      <a:defRPr sz="1800" kern="1200">
         <a:solidFill>
           <a:schemeClr val="tx1"/>
         </a:solidFill>
@@ -53,8 +53,8 @@
         <a:cs typeface="+mn-cs"/>
       </a:defRPr>
     </a:lvl4pPr>
-    <a:lvl5pPr marL="1416954" algn="l" defTabSz="708477" rtl="0" eaLnBrk="1" latinLnBrk="0" hangingPunct="1">
-      <a:defRPr sz="1395" kern="1200">
+    <a:lvl5pPr marL="1828800" algn="l" defTabSz="457200" rtl="0" eaLnBrk="1" latinLnBrk="0" hangingPunct="1">
+      <a:defRPr sz="1800" kern="1200">
         <a:solidFill>
           <a:schemeClr val="tx1"/>
         </a:solidFill>
@@ -63,8 +63,8 @@
         <a:cs typeface="+mn-cs"/>
       </a:defRPr>
     </a:lvl5pPr>
-    <a:lvl6pPr marL="1771193" algn="l" defTabSz="708477" rtl="0" eaLnBrk="1" latinLnBrk="0" hangingPunct="1">
-      <a:defRPr sz="1395" kern="1200">
+    <a:lvl6pPr marL="2286000" algn="l" defTabSz="457200" rtl="0" eaLnBrk="1" latinLnBrk="0" hangingPunct="1">
+      <a:defRPr sz="1800" kern="1200">
         <a:solidFill>
           <a:schemeClr val="tx1"/>
         </a:solidFill>
@@ -73,8 +73,8 @@
         <a:cs typeface="+mn-cs"/>
       </a:defRPr>
     </a:lvl6pPr>
-    <a:lvl7pPr marL="2125431" algn="l" defTabSz="708477" rtl="0" eaLnBrk="1" latinLnBrk="0" hangingPunct="1">
-      <a:defRPr sz="1395" kern="1200">
+    <a:lvl7pPr marL="2743200" algn="l" defTabSz="457200" rtl="0" eaLnBrk="1" latinLnBrk="0" hangingPunct="1">
+      <a:defRPr sz="1800" kern="1200">
         <a:solidFill>
           <a:schemeClr val="tx1"/>
         </a:solidFill>
@@ -83,8 +83,8 @@
         <a:cs typeface="+mn-cs"/>
       </a:defRPr>
     </a:lvl7pPr>
-    <a:lvl8pPr marL="2479670" algn="l" defTabSz="708477" rtl="0" eaLnBrk="1" latinLnBrk="0" hangingPunct="1">
-      <a:defRPr sz="1395" kern="1200">
+    <a:lvl8pPr marL="3200400" algn="l" defTabSz="457200" rtl="0" eaLnBrk="1" latinLnBrk="0" hangingPunct="1">
+      <a:defRPr sz="1800" kern="1200">
         <a:solidFill>
           <a:schemeClr val="tx1"/>
         </a:solidFill>
@@ -93,8 +93,8 @@
         <a:cs typeface="+mn-cs"/>
       </a:defRPr>
     </a:lvl8pPr>
-    <a:lvl9pPr marL="2833908" algn="l" defTabSz="708477" rtl="0" eaLnBrk="1" latinLnBrk="0" hangingPunct="1">
-      <a:defRPr sz="1395" kern="1200">
+    <a:lvl9pPr marL="3657600" algn="l" defTabSz="457200" rtl="0" eaLnBrk="1" latinLnBrk="0" hangingPunct="1">
+      <a:defRPr sz="1800" kern="1200">
         <a:solidFill>
           <a:schemeClr val="tx1"/>
         </a:solidFill>
@@ -107,12 +107,12 @@
   <p:extLst>
     <p:ext uri="{EFAFB233-063F-42B5-8137-9DF3F51BA10A}">
       <p15:sldGuideLst xmlns:p15="http://schemas.microsoft.com/office/powerpoint/2012/main">
-        <p15:guide id="1" orient="horz" pos="2722" userDrawn="1">
+        <p15:guide id="1" orient="horz" pos="2949" userDrawn="1">
           <p15:clr>
             <a:srgbClr val="A4A3A4"/>
           </p15:clr>
         </p15:guide>
-        <p15:guide id="2" pos="1928" userDrawn="1">
+        <p15:guide id="2" pos="2155" userDrawn="1">
           <p15:clr>
             <a:srgbClr val="A4A3A4"/>
           </p15:clr>
@@ -152,15 +152,15 @@
         </p:nvSpPr>
         <p:spPr>
           <a:xfrm>
-            <a:off x="458986" y="1414125"/>
-            <a:ext cx="5201841" cy="3008266"/>
+            <a:off x="513041" y="1531818"/>
+            <a:ext cx="5814457" cy="3258632"/>
           </a:xfrm>
         </p:spPr>
         <p:txBody>
           <a:bodyPr anchor="b"/>
           <a:lstStyle>
             <a:lvl1pPr algn="ctr">
-              <a:defRPr sz="4016"/>
+              <a:defRPr sz="4489"/>
             </a:lvl1pPr>
           </a:lstStyle>
           <a:p>
@@ -184,8 +184,8 @@
         </p:nvSpPr>
         <p:spPr>
           <a:xfrm>
-            <a:off x="764977" y="4538401"/>
-            <a:ext cx="4589860" cy="2086184"/>
+            <a:off x="855067" y="4916115"/>
+            <a:ext cx="5130404" cy="2259809"/>
           </a:xfrm>
         </p:spPr>
         <p:txBody>
@@ -193,39 +193,39 @@
           <a:lstStyle>
             <a:lvl1pPr marL="0" indent="0" algn="ctr">
               <a:buNone/>
-              <a:defRPr sz="1606"/>
+              <a:defRPr sz="1795"/>
             </a:lvl1pPr>
-            <a:lvl2pPr marL="306004" indent="0" algn="ctr">
-              <a:buNone/>
-              <a:defRPr sz="1339"/>
+            <a:lvl2pPr marL="342031" indent="0" algn="ctr">
+              <a:buNone/>
+              <a:defRPr sz="1496"/>
             </a:lvl2pPr>
-            <a:lvl3pPr marL="612008" indent="0" algn="ctr">
-              <a:buNone/>
-              <a:defRPr sz="1205"/>
+            <a:lvl3pPr marL="684063" indent="0" algn="ctr">
+              <a:buNone/>
+              <a:defRPr sz="1347"/>
             </a:lvl3pPr>
-            <a:lvl4pPr marL="918012" indent="0" algn="ctr">
-              <a:buNone/>
-              <a:defRPr sz="1071"/>
+            <a:lvl4pPr marL="1026094" indent="0" algn="ctr">
+              <a:buNone/>
+              <a:defRPr sz="1197"/>
             </a:lvl4pPr>
-            <a:lvl5pPr marL="1224016" indent="0" algn="ctr">
-              <a:buNone/>
-              <a:defRPr sz="1071"/>
+            <a:lvl5pPr marL="1368125" indent="0" algn="ctr">
+              <a:buNone/>
+              <a:defRPr sz="1197"/>
             </a:lvl5pPr>
-            <a:lvl6pPr marL="1530020" indent="0" algn="ctr">
-              <a:buNone/>
-              <a:defRPr sz="1071"/>
+            <a:lvl6pPr marL="1710157" indent="0" algn="ctr">
+              <a:buNone/>
+              <a:defRPr sz="1197"/>
             </a:lvl6pPr>
-            <a:lvl7pPr marL="1836024" indent="0" algn="ctr">
-              <a:buNone/>
-              <a:defRPr sz="1071"/>
+            <a:lvl7pPr marL="2052188" indent="0" algn="ctr">
+              <a:buNone/>
+              <a:defRPr sz="1197"/>
             </a:lvl7pPr>
-            <a:lvl8pPr marL="2142028" indent="0" algn="ctr">
-              <a:buNone/>
-              <a:defRPr sz="1071"/>
+            <a:lvl8pPr marL="2394219" indent="0" algn="ctr">
+              <a:buNone/>
+              <a:defRPr sz="1197"/>
             </a:lvl8pPr>
-            <a:lvl9pPr marL="2448032" indent="0" algn="ctr">
-              <a:buNone/>
-              <a:defRPr sz="1071"/>
+            <a:lvl9pPr marL="2736251" indent="0" algn="ctr">
+              <a:buNone/>
+              <a:defRPr sz="1197"/>
             </a:lvl9pPr>
           </a:lstStyle>
           <a:p>
@@ -254,7 +254,7 @@
           <a:p>
             <a:fld id="{389E26BA-BD8D-8D49-924D-BD92A6C5B418}" type="datetimeFigureOut">
               <a:rPr lang="es-ES" smtClean="0"/>
-              <a:t>3/7/25</a:t>
+              <a:t>4/7/25</a:t>
             </a:fld>
             <a:endParaRPr lang="es-ES"/>
           </a:p>
@@ -305,7 +305,7 @@
     </p:spTree>
     <p:extLst>
       <p:ext uri="{BB962C8B-B14F-4D97-AF65-F5344CB8AC3E}">
-        <p14:creationId xmlns:p14="http://schemas.microsoft.com/office/powerpoint/2010/main" val="522659561"/>
+        <p14:creationId xmlns:p14="http://schemas.microsoft.com/office/powerpoint/2010/main" val="693843378"/>
       </p:ext>
     </p:extLst>
   </p:cSld>
@@ -373,11 +373,35 @@
             <a:pPr lvl="0"/>
             <a:r>
               <a:rPr lang="es-ES"/>
-              <a:t>Editar los estilos de texto del patrón
-Segundo nivel
-Tercer nivel
-Cuarto nivel
-Quinto nivel</a:t>
+              <a:t>Haga clic para modificar los estilos de texto del patrón</a:t>
+            </a:r>
+          </a:p>
+          <a:p>
+            <a:pPr lvl="1"/>
+            <a:r>
+              <a:rPr lang="es-ES"/>
+              <a:t>Segundo nivel</a:t>
+            </a:r>
+          </a:p>
+          <a:p>
+            <a:pPr lvl="2"/>
+            <a:r>
+              <a:rPr lang="es-ES"/>
+              <a:t>Tercer nivel</a:t>
+            </a:r>
+          </a:p>
+          <a:p>
+            <a:pPr lvl="3"/>
+            <a:r>
+              <a:rPr lang="es-ES"/>
+              <a:t>Cuarto nivel</a:t>
+            </a:r>
+          </a:p>
+          <a:p>
+            <a:pPr lvl="4"/>
+            <a:r>
+              <a:rPr lang="es-ES"/>
+              <a:t>Quinto nivel</a:t>
             </a:r>
             <a:endParaRPr lang="en-US" dirty="0"/>
           </a:p>
@@ -400,7 +424,7 @@
           <a:p>
             <a:fld id="{389E26BA-BD8D-8D49-924D-BD92A6C5B418}" type="datetimeFigureOut">
               <a:rPr lang="es-ES" smtClean="0"/>
-              <a:t>3/7/25</a:t>
+              <a:t>4/7/25</a:t>
             </a:fld>
             <a:endParaRPr lang="es-ES"/>
           </a:p>
@@ -451,7 +475,7 @@
     </p:spTree>
     <p:extLst>
       <p:ext uri="{BB962C8B-B14F-4D97-AF65-F5344CB8AC3E}">
-        <p14:creationId xmlns:p14="http://schemas.microsoft.com/office/powerpoint/2010/main" val="1983436047"/>
+        <p14:creationId xmlns:p14="http://schemas.microsoft.com/office/powerpoint/2010/main" val="4094771215"/>
       </p:ext>
     </p:extLst>
   </p:cSld>
@@ -490,8 +514,8 @@
         </p:nvSpPr>
         <p:spPr>
           <a:xfrm>
-            <a:off x="4379491" y="460041"/>
-            <a:ext cx="1319585" cy="7322647"/>
+            <a:off x="4895260" y="498328"/>
+            <a:ext cx="1474991" cy="7932083"/>
           </a:xfrm>
         </p:spPr>
         <p:txBody>
@@ -518,8 +542,8 @@
         </p:nvSpPr>
         <p:spPr>
           <a:xfrm>
-            <a:off x="420738" y="460041"/>
-            <a:ext cx="3882256" cy="7322647"/>
+            <a:off x="470288" y="498328"/>
+            <a:ext cx="4339466" cy="7932083"/>
           </a:xfrm>
         </p:spPr>
         <p:txBody>
@@ -529,11 +553,35 @@
             <a:pPr lvl="0"/>
             <a:r>
               <a:rPr lang="es-ES"/>
-              <a:t>Editar los estilos de texto del patrón
-Segundo nivel
-Tercer nivel
-Cuarto nivel
-Quinto nivel</a:t>
+              <a:t>Haga clic para modificar los estilos de texto del patrón</a:t>
+            </a:r>
+          </a:p>
+          <a:p>
+            <a:pPr lvl="1"/>
+            <a:r>
+              <a:rPr lang="es-ES"/>
+              <a:t>Segundo nivel</a:t>
+            </a:r>
+          </a:p>
+          <a:p>
+            <a:pPr lvl="2"/>
+            <a:r>
+              <a:rPr lang="es-ES"/>
+              <a:t>Tercer nivel</a:t>
+            </a:r>
+          </a:p>
+          <a:p>
+            <a:pPr lvl="3"/>
+            <a:r>
+              <a:rPr lang="es-ES"/>
+              <a:t>Cuarto nivel</a:t>
+            </a:r>
+          </a:p>
+          <a:p>
+            <a:pPr lvl="4"/>
+            <a:r>
+              <a:rPr lang="es-ES"/>
+              <a:t>Quinto nivel</a:t>
             </a:r>
             <a:endParaRPr lang="en-US" dirty="0"/>
           </a:p>
@@ -556,7 +604,7 @@
           <a:p>
             <a:fld id="{389E26BA-BD8D-8D49-924D-BD92A6C5B418}" type="datetimeFigureOut">
               <a:rPr lang="es-ES" smtClean="0"/>
-              <a:t>3/7/25</a:t>
+              <a:t>4/7/25</a:t>
             </a:fld>
             <a:endParaRPr lang="es-ES"/>
           </a:p>
@@ -607,7 +655,7 @@
     </p:spTree>
     <p:extLst>
       <p:ext uri="{BB962C8B-B14F-4D97-AF65-F5344CB8AC3E}">
-        <p14:creationId xmlns:p14="http://schemas.microsoft.com/office/powerpoint/2010/main" val="1591727386"/>
+        <p14:creationId xmlns:p14="http://schemas.microsoft.com/office/powerpoint/2010/main" val="571728614"/>
       </p:ext>
     </p:extLst>
   </p:cSld>
@@ -675,11 +723,35 @@
             <a:pPr lvl="0"/>
             <a:r>
               <a:rPr lang="es-ES"/>
-              <a:t>Editar los estilos de texto del patrón
-Segundo nivel
-Tercer nivel
-Cuarto nivel
-Quinto nivel</a:t>
+              <a:t>Haga clic para modificar los estilos de texto del patrón</a:t>
+            </a:r>
+          </a:p>
+          <a:p>
+            <a:pPr lvl="1"/>
+            <a:r>
+              <a:rPr lang="es-ES"/>
+              <a:t>Segundo nivel</a:t>
+            </a:r>
+          </a:p>
+          <a:p>
+            <a:pPr lvl="2"/>
+            <a:r>
+              <a:rPr lang="es-ES"/>
+              <a:t>Tercer nivel</a:t>
+            </a:r>
+          </a:p>
+          <a:p>
+            <a:pPr lvl="3"/>
+            <a:r>
+              <a:rPr lang="es-ES"/>
+              <a:t>Cuarto nivel</a:t>
+            </a:r>
+          </a:p>
+          <a:p>
+            <a:pPr lvl="4"/>
+            <a:r>
+              <a:rPr lang="es-ES"/>
+              <a:t>Quinto nivel</a:t>
             </a:r>
             <a:endParaRPr lang="en-US" dirty="0"/>
           </a:p>
@@ -702,7 +774,7 @@
           <a:p>
             <a:fld id="{389E26BA-BD8D-8D49-924D-BD92A6C5B418}" type="datetimeFigureOut">
               <a:rPr lang="es-ES" smtClean="0"/>
-              <a:t>3/7/25</a:t>
+              <a:t>4/7/25</a:t>
             </a:fld>
             <a:endParaRPr lang="es-ES"/>
           </a:p>
@@ -753,7 +825,7 @@
     </p:spTree>
     <p:extLst>
       <p:ext uri="{BB962C8B-B14F-4D97-AF65-F5344CB8AC3E}">
-        <p14:creationId xmlns:p14="http://schemas.microsoft.com/office/powerpoint/2010/main" val="2757961320"/>
+        <p14:creationId xmlns:p14="http://schemas.microsoft.com/office/powerpoint/2010/main" val="1739137817"/>
       </p:ext>
     </p:extLst>
   </p:cSld>
@@ -792,15 +864,15 @@
         </p:nvSpPr>
         <p:spPr>
           <a:xfrm>
-            <a:off x="417550" y="2154193"/>
-            <a:ext cx="5278339" cy="3594317"/>
+            <a:off x="466725" y="2333478"/>
+            <a:ext cx="5899964" cy="3893458"/>
           </a:xfrm>
         </p:spPr>
         <p:txBody>
           <a:bodyPr anchor="b"/>
           <a:lstStyle>
             <a:lvl1pPr>
-              <a:defRPr sz="4016"/>
+              <a:defRPr sz="4489"/>
             </a:lvl1pPr>
           </a:lstStyle>
           <a:p>
@@ -824,8 +896,8 @@
         </p:nvSpPr>
         <p:spPr>
           <a:xfrm>
-            <a:off x="417550" y="5782513"/>
-            <a:ext cx="5278339" cy="1890166"/>
+            <a:off x="466725" y="6263769"/>
+            <a:ext cx="5899964" cy="2047477"/>
           </a:xfrm>
         </p:spPr>
         <p:txBody>
@@ -833,15 +905,15 @@
           <a:lstStyle>
             <a:lvl1pPr marL="0" indent="0">
               <a:buNone/>
-              <a:defRPr sz="1606">
+              <a:defRPr sz="1795">
                 <a:solidFill>
                   <a:schemeClr val="tx1"/>
                 </a:solidFill>
               </a:defRPr>
             </a:lvl1pPr>
-            <a:lvl2pPr marL="306004" indent="0">
-              <a:buNone/>
-              <a:defRPr sz="1339">
+            <a:lvl2pPr marL="342031" indent="0">
+              <a:buNone/>
+              <a:defRPr sz="1496">
                 <a:solidFill>
                   <a:schemeClr val="tx1">
                     <a:tint val="75000"/>
@@ -849,9 +921,9 @@
                 </a:solidFill>
               </a:defRPr>
             </a:lvl2pPr>
-            <a:lvl3pPr marL="612008" indent="0">
-              <a:buNone/>
-              <a:defRPr sz="1205">
+            <a:lvl3pPr marL="684063" indent="0">
+              <a:buNone/>
+              <a:defRPr sz="1347">
                 <a:solidFill>
                   <a:schemeClr val="tx1">
                     <a:tint val="75000"/>
@@ -859,9 +931,9 @@
                 </a:solidFill>
               </a:defRPr>
             </a:lvl3pPr>
-            <a:lvl4pPr marL="918012" indent="0">
-              <a:buNone/>
-              <a:defRPr sz="1071">
+            <a:lvl4pPr marL="1026094" indent="0">
+              <a:buNone/>
+              <a:defRPr sz="1197">
                 <a:solidFill>
                   <a:schemeClr val="tx1">
                     <a:tint val="75000"/>
@@ -869,9 +941,9 @@
                 </a:solidFill>
               </a:defRPr>
             </a:lvl4pPr>
-            <a:lvl5pPr marL="1224016" indent="0">
-              <a:buNone/>
-              <a:defRPr sz="1071">
+            <a:lvl5pPr marL="1368125" indent="0">
+              <a:buNone/>
+              <a:defRPr sz="1197">
                 <a:solidFill>
                   <a:schemeClr val="tx1">
                     <a:tint val="75000"/>
@@ -879,9 +951,9 @@
                 </a:solidFill>
               </a:defRPr>
             </a:lvl5pPr>
-            <a:lvl6pPr marL="1530020" indent="0">
-              <a:buNone/>
-              <a:defRPr sz="1071">
+            <a:lvl6pPr marL="1710157" indent="0">
+              <a:buNone/>
+              <a:defRPr sz="1197">
                 <a:solidFill>
                   <a:schemeClr val="tx1">
                     <a:tint val="75000"/>
@@ -889,9 +961,9 @@
                 </a:solidFill>
               </a:defRPr>
             </a:lvl6pPr>
-            <a:lvl7pPr marL="1836024" indent="0">
-              <a:buNone/>
-              <a:defRPr sz="1071">
+            <a:lvl7pPr marL="2052188" indent="0">
+              <a:buNone/>
+              <a:defRPr sz="1197">
                 <a:solidFill>
                   <a:schemeClr val="tx1">
                     <a:tint val="75000"/>
@@ -899,9 +971,9 @@
                 </a:solidFill>
               </a:defRPr>
             </a:lvl7pPr>
-            <a:lvl8pPr marL="2142028" indent="0">
-              <a:buNone/>
-              <a:defRPr sz="1071">
+            <a:lvl8pPr marL="2394219" indent="0">
+              <a:buNone/>
+              <a:defRPr sz="1197">
                 <a:solidFill>
                   <a:schemeClr val="tx1">
                     <a:tint val="75000"/>
@@ -909,9 +981,9 @@
                 </a:solidFill>
               </a:defRPr>
             </a:lvl8pPr>
-            <a:lvl9pPr marL="2448032" indent="0">
-              <a:buNone/>
-              <a:defRPr sz="1071">
+            <a:lvl9pPr marL="2736251" indent="0">
+              <a:buNone/>
+              <a:defRPr sz="1197">
                 <a:solidFill>
                   <a:schemeClr val="tx1">
                     <a:tint val="75000"/>
@@ -924,13 +996,8 @@
             <a:pPr lvl="0"/>
             <a:r>
               <a:rPr lang="es-ES"/>
-              <a:t>Editar los estilos de texto del patrón
-Segundo nivel
-Tercer nivel
-Cuarto nivel
-Quinto nivel</a:t>
-            </a:r>
-            <a:endParaRPr lang="en-US" dirty="0"/>
+              <a:t>Haga clic para modificar los estilos de texto del patrón</a:t>
+            </a:r>
           </a:p>
         </p:txBody>
       </p:sp>
@@ -951,7 +1018,7 @@
           <a:p>
             <a:fld id="{389E26BA-BD8D-8D49-924D-BD92A6C5B418}" type="datetimeFigureOut">
               <a:rPr lang="es-ES" smtClean="0"/>
-              <a:t>3/7/25</a:t>
+              <a:t>4/7/25</a:t>
             </a:fld>
             <a:endParaRPr lang="es-ES"/>
           </a:p>
@@ -1002,7 +1069,7 @@
     </p:spTree>
     <p:extLst>
       <p:ext uri="{BB962C8B-B14F-4D97-AF65-F5344CB8AC3E}">
-        <p14:creationId xmlns:p14="http://schemas.microsoft.com/office/powerpoint/2010/main" val="249164266"/>
+        <p14:creationId xmlns:p14="http://schemas.microsoft.com/office/powerpoint/2010/main" val="2926278602"/>
       </p:ext>
     </p:extLst>
   </p:cSld>
@@ -1064,8 +1131,8 @@
         </p:nvSpPr>
         <p:spPr>
           <a:xfrm>
-            <a:off x="420737" y="2300203"/>
-            <a:ext cx="2600921" cy="5482485"/>
+            <a:off x="470287" y="2491640"/>
+            <a:ext cx="2907229" cy="5938771"/>
           </a:xfrm>
         </p:spPr>
         <p:txBody>
@@ -1075,11 +1142,35 @@
             <a:pPr lvl="0"/>
             <a:r>
               <a:rPr lang="es-ES"/>
-              <a:t>Editar los estilos de texto del patrón
-Segundo nivel
-Tercer nivel
-Cuarto nivel
-Quinto nivel</a:t>
+              <a:t>Haga clic para modificar los estilos de texto del patrón</a:t>
+            </a:r>
+          </a:p>
+          <a:p>
+            <a:pPr lvl="1"/>
+            <a:r>
+              <a:rPr lang="es-ES"/>
+              <a:t>Segundo nivel</a:t>
+            </a:r>
+          </a:p>
+          <a:p>
+            <a:pPr lvl="2"/>
+            <a:r>
+              <a:rPr lang="es-ES"/>
+              <a:t>Tercer nivel</a:t>
+            </a:r>
+          </a:p>
+          <a:p>
+            <a:pPr lvl="3"/>
+            <a:r>
+              <a:rPr lang="es-ES"/>
+              <a:t>Cuarto nivel</a:t>
+            </a:r>
+          </a:p>
+          <a:p>
+            <a:pPr lvl="4"/>
+            <a:r>
+              <a:rPr lang="es-ES"/>
+              <a:t>Quinto nivel</a:t>
             </a:r>
             <a:endParaRPr lang="en-US" dirty="0"/>
           </a:p>
@@ -1097,8 +1188,8 @@
         </p:nvSpPr>
         <p:spPr>
           <a:xfrm>
-            <a:off x="3098155" y="2300203"/>
-            <a:ext cx="2600921" cy="5482485"/>
+            <a:off x="3463022" y="2491640"/>
+            <a:ext cx="2907229" cy="5938771"/>
           </a:xfrm>
         </p:spPr>
         <p:txBody>
@@ -1108,11 +1199,35 @@
             <a:pPr lvl="0"/>
             <a:r>
               <a:rPr lang="es-ES"/>
-              <a:t>Editar los estilos de texto del patrón
-Segundo nivel
-Tercer nivel
-Cuarto nivel
-Quinto nivel</a:t>
+              <a:t>Haga clic para modificar los estilos de texto del patrón</a:t>
+            </a:r>
+          </a:p>
+          <a:p>
+            <a:pPr lvl="1"/>
+            <a:r>
+              <a:rPr lang="es-ES"/>
+              <a:t>Segundo nivel</a:t>
+            </a:r>
+          </a:p>
+          <a:p>
+            <a:pPr lvl="2"/>
+            <a:r>
+              <a:rPr lang="es-ES"/>
+              <a:t>Tercer nivel</a:t>
+            </a:r>
+          </a:p>
+          <a:p>
+            <a:pPr lvl="3"/>
+            <a:r>
+              <a:rPr lang="es-ES"/>
+              <a:t>Cuarto nivel</a:t>
+            </a:r>
+          </a:p>
+          <a:p>
+            <a:pPr lvl="4"/>
+            <a:r>
+              <a:rPr lang="es-ES"/>
+              <a:t>Quinto nivel</a:t>
             </a:r>
             <a:endParaRPr lang="en-US" dirty="0"/>
           </a:p>
@@ -1135,7 +1250,7 @@
           <a:p>
             <a:fld id="{389E26BA-BD8D-8D49-924D-BD92A6C5B418}" type="datetimeFigureOut">
               <a:rPr lang="es-ES" smtClean="0"/>
-              <a:t>3/7/25</a:t>
+              <a:t>4/7/25</a:t>
             </a:fld>
             <a:endParaRPr lang="es-ES"/>
           </a:p>
@@ -1186,7 +1301,7 @@
     </p:spTree>
     <p:extLst>
       <p:ext uri="{BB962C8B-B14F-4D97-AF65-F5344CB8AC3E}">
-        <p14:creationId xmlns:p14="http://schemas.microsoft.com/office/powerpoint/2010/main" val="4007913256"/>
+        <p14:creationId xmlns:p14="http://schemas.microsoft.com/office/powerpoint/2010/main" val="211578311"/>
       </p:ext>
     </p:extLst>
   </p:cSld>
@@ -1225,8 +1340,8 @@
         </p:nvSpPr>
         <p:spPr>
           <a:xfrm>
-            <a:off x="421534" y="460043"/>
-            <a:ext cx="5278339" cy="1670148"/>
+            <a:off x="471178" y="498330"/>
+            <a:ext cx="5899964" cy="1809148"/>
           </a:xfrm>
         </p:spPr>
         <p:txBody>
@@ -1253,8 +1368,8 @@
         </p:nvSpPr>
         <p:spPr>
           <a:xfrm>
-            <a:off x="421535" y="2118188"/>
-            <a:ext cx="2588967" cy="1038091"/>
+            <a:off x="471179" y="2294476"/>
+            <a:ext cx="2893868" cy="1124487"/>
           </a:xfrm>
         </p:spPr>
         <p:txBody>
@@ -1262,52 +1377,47 @@
           <a:lstStyle>
             <a:lvl1pPr marL="0" indent="0">
               <a:buNone/>
-              <a:defRPr sz="1606" b="1"/>
+              <a:defRPr sz="1795" b="1"/>
             </a:lvl1pPr>
-            <a:lvl2pPr marL="306004" indent="0">
-              <a:buNone/>
-              <a:defRPr sz="1339" b="1"/>
+            <a:lvl2pPr marL="342031" indent="0">
+              <a:buNone/>
+              <a:defRPr sz="1496" b="1"/>
             </a:lvl2pPr>
-            <a:lvl3pPr marL="612008" indent="0">
-              <a:buNone/>
-              <a:defRPr sz="1205" b="1"/>
+            <a:lvl3pPr marL="684063" indent="0">
+              <a:buNone/>
+              <a:defRPr sz="1347" b="1"/>
             </a:lvl3pPr>
-            <a:lvl4pPr marL="918012" indent="0">
-              <a:buNone/>
-              <a:defRPr sz="1071" b="1"/>
+            <a:lvl4pPr marL="1026094" indent="0">
+              <a:buNone/>
+              <a:defRPr sz="1197" b="1"/>
             </a:lvl4pPr>
-            <a:lvl5pPr marL="1224016" indent="0">
-              <a:buNone/>
-              <a:defRPr sz="1071" b="1"/>
+            <a:lvl5pPr marL="1368125" indent="0">
+              <a:buNone/>
+              <a:defRPr sz="1197" b="1"/>
             </a:lvl5pPr>
-            <a:lvl6pPr marL="1530020" indent="0">
-              <a:buNone/>
-              <a:defRPr sz="1071" b="1"/>
+            <a:lvl6pPr marL="1710157" indent="0">
+              <a:buNone/>
+              <a:defRPr sz="1197" b="1"/>
             </a:lvl6pPr>
-            <a:lvl7pPr marL="1836024" indent="0">
-              <a:buNone/>
-              <a:defRPr sz="1071" b="1"/>
+            <a:lvl7pPr marL="2052188" indent="0">
+              <a:buNone/>
+              <a:defRPr sz="1197" b="1"/>
             </a:lvl7pPr>
-            <a:lvl8pPr marL="2142028" indent="0">
-              <a:buNone/>
-              <a:defRPr sz="1071" b="1"/>
+            <a:lvl8pPr marL="2394219" indent="0">
+              <a:buNone/>
+              <a:defRPr sz="1197" b="1"/>
             </a:lvl8pPr>
-            <a:lvl9pPr marL="2448032" indent="0">
-              <a:buNone/>
-              <a:defRPr sz="1071" b="1"/>
+            <a:lvl9pPr marL="2736251" indent="0">
+              <a:buNone/>
+              <a:defRPr sz="1197" b="1"/>
             </a:lvl9pPr>
           </a:lstStyle>
           <a:p>
             <a:pPr lvl="0"/>
             <a:r>
               <a:rPr lang="es-ES"/>
-              <a:t>Editar los estilos de texto del patrón
-Segundo nivel
-Tercer nivel
-Cuarto nivel
-Quinto nivel</a:t>
-            </a:r>
-            <a:endParaRPr lang="en-US" dirty="0"/>
+              <a:t>Haga clic para modificar los estilos de texto del patrón</a:t>
+            </a:r>
           </a:p>
         </p:txBody>
       </p:sp>
@@ -1323,8 +1433,8 @@
         </p:nvSpPr>
         <p:spPr>
           <a:xfrm>
-            <a:off x="421535" y="3156278"/>
-            <a:ext cx="2588967" cy="4642411"/>
+            <a:off x="471179" y="3418964"/>
+            <a:ext cx="2893868" cy="5028780"/>
           </a:xfrm>
         </p:spPr>
         <p:txBody>
@@ -1334,11 +1444,35 @@
             <a:pPr lvl="0"/>
             <a:r>
               <a:rPr lang="es-ES"/>
-              <a:t>Editar los estilos de texto del patrón
-Segundo nivel
-Tercer nivel
-Cuarto nivel
-Quinto nivel</a:t>
+              <a:t>Haga clic para modificar los estilos de texto del patrón</a:t>
+            </a:r>
+          </a:p>
+          <a:p>
+            <a:pPr lvl="1"/>
+            <a:r>
+              <a:rPr lang="es-ES"/>
+              <a:t>Segundo nivel</a:t>
+            </a:r>
+          </a:p>
+          <a:p>
+            <a:pPr lvl="2"/>
+            <a:r>
+              <a:rPr lang="es-ES"/>
+              <a:t>Tercer nivel</a:t>
+            </a:r>
+          </a:p>
+          <a:p>
+            <a:pPr lvl="3"/>
+            <a:r>
+              <a:rPr lang="es-ES"/>
+              <a:t>Cuarto nivel</a:t>
+            </a:r>
+          </a:p>
+          <a:p>
+            <a:pPr lvl="4"/>
+            <a:r>
+              <a:rPr lang="es-ES"/>
+              <a:t>Quinto nivel</a:t>
             </a:r>
             <a:endParaRPr lang="en-US" dirty="0"/>
           </a:p>
@@ -1356,8 +1490,8 @@
         </p:nvSpPr>
         <p:spPr>
           <a:xfrm>
-            <a:off x="3098155" y="2118188"/>
-            <a:ext cx="2601718" cy="1038091"/>
+            <a:off x="3463023" y="2294476"/>
+            <a:ext cx="2908120" cy="1124487"/>
           </a:xfrm>
         </p:spPr>
         <p:txBody>
@@ -1365,52 +1499,47 @@
           <a:lstStyle>
             <a:lvl1pPr marL="0" indent="0">
               <a:buNone/>
-              <a:defRPr sz="1606" b="1"/>
+              <a:defRPr sz="1795" b="1"/>
             </a:lvl1pPr>
-            <a:lvl2pPr marL="306004" indent="0">
-              <a:buNone/>
-              <a:defRPr sz="1339" b="1"/>
+            <a:lvl2pPr marL="342031" indent="0">
+              <a:buNone/>
+              <a:defRPr sz="1496" b="1"/>
             </a:lvl2pPr>
-            <a:lvl3pPr marL="612008" indent="0">
-              <a:buNone/>
-              <a:defRPr sz="1205" b="1"/>
+            <a:lvl3pPr marL="684063" indent="0">
+              <a:buNone/>
+              <a:defRPr sz="1347" b="1"/>
             </a:lvl3pPr>
-            <a:lvl4pPr marL="918012" indent="0">
-              <a:buNone/>
-              <a:defRPr sz="1071" b="1"/>
+            <a:lvl4pPr marL="1026094" indent="0">
+              <a:buNone/>
+              <a:defRPr sz="1197" b="1"/>
             </a:lvl4pPr>
-            <a:lvl5pPr marL="1224016" indent="0">
-              <a:buNone/>
-              <a:defRPr sz="1071" b="1"/>
+            <a:lvl5pPr marL="1368125" indent="0">
+              <a:buNone/>
+              <a:defRPr sz="1197" b="1"/>
             </a:lvl5pPr>
-            <a:lvl6pPr marL="1530020" indent="0">
-              <a:buNone/>
-              <a:defRPr sz="1071" b="1"/>
+            <a:lvl6pPr marL="1710157" indent="0">
+              <a:buNone/>
+              <a:defRPr sz="1197" b="1"/>
             </a:lvl6pPr>
-            <a:lvl7pPr marL="1836024" indent="0">
-              <a:buNone/>
-              <a:defRPr sz="1071" b="1"/>
+            <a:lvl7pPr marL="2052188" indent="0">
+              <a:buNone/>
+              <a:defRPr sz="1197" b="1"/>
             </a:lvl7pPr>
-            <a:lvl8pPr marL="2142028" indent="0">
-              <a:buNone/>
-              <a:defRPr sz="1071" b="1"/>
+            <a:lvl8pPr marL="2394219" indent="0">
+              <a:buNone/>
+              <a:defRPr sz="1197" b="1"/>
             </a:lvl8pPr>
-            <a:lvl9pPr marL="2448032" indent="0">
-              <a:buNone/>
-              <a:defRPr sz="1071" b="1"/>
+            <a:lvl9pPr marL="2736251" indent="0">
+              <a:buNone/>
+              <a:defRPr sz="1197" b="1"/>
             </a:lvl9pPr>
           </a:lstStyle>
           <a:p>
             <a:pPr lvl="0"/>
             <a:r>
               <a:rPr lang="es-ES"/>
-              <a:t>Editar los estilos de texto del patrón
-Segundo nivel
-Tercer nivel
-Cuarto nivel
-Quinto nivel</a:t>
-            </a:r>
-            <a:endParaRPr lang="en-US" dirty="0"/>
+              <a:t>Haga clic para modificar los estilos de texto del patrón</a:t>
+            </a:r>
           </a:p>
         </p:txBody>
       </p:sp>
@@ -1426,8 +1555,8 @@
         </p:nvSpPr>
         <p:spPr>
           <a:xfrm>
-            <a:off x="3098155" y="3156278"/>
-            <a:ext cx="2601718" cy="4642411"/>
+            <a:off x="3463023" y="3418964"/>
+            <a:ext cx="2908120" cy="5028780"/>
           </a:xfrm>
         </p:spPr>
         <p:txBody>
@@ -1437,11 +1566,35 @@
             <a:pPr lvl="0"/>
             <a:r>
               <a:rPr lang="es-ES"/>
-              <a:t>Editar los estilos de texto del patrón
-Segundo nivel
-Tercer nivel
-Cuarto nivel
-Quinto nivel</a:t>
+              <a:t>Haga clic para modificar los estilos de texto del patrón</a:t>
+            </a:r>
+          </a:p>
+          <a:p>
+            <a:pPr lvl="1"/>
+            <a:r>
+              <a:rPr lang="es-ES"/>
+              <a:t>Segundo nivel</a:t>
+            </a:r>
+          </a:p>
+          <a:p>
+            <a:pPr lvl="2"/>
+            <a:r>
+              <a:rPr lang="es-ES"/>
+              <a:t>Tercer nivel</a:t>
+            </a:r>
+          </a:p>
+          <a:p>
+            <a:pPr lvl="3"/>
+            <a:r>
+              <a:rPr lang="es-ES"/>
+              <a:t>Cuarto nivel</a:t>
+            </a:r>
+          </a:p>
+          <a:p>
+            <a:pPr lvl="4"/>
+            <a:r>
+              <a:rPr lang="es-ES"/>
+              <a:t>Quinto nivel</a:t>
             </a:r>
             <a:endParaRPr lang="en-US" dirty="0"/>
           </a:p>
@@ -1464,7 +1617,7 @@
           <a:p>
             <a:fld id="{389E26BA-BD8D-8D49-924D-BD92A6C5B418}" type="datetimeFigureOut">
               <a:rPr lang="es-ES" smtClean="0"/>
-              <a:t>3/7/25</a:t>
+              <a:t>4/7/25</a:t>
             </a:fld>
             <a:endParaRPr lang="es-ES"/>
           </a:p>
@@ -1515,7 +1668,7 @@
     </p:spTree>
     <p:extLst>
       <p:ext uri="{BB962C8B-B14F-4D97-AF65-F5344CB8AC3E}">
-        <p14:creationId xmlns:p14="http://schemas.microsoft.com/office/powerpoint/2010/main" val="2411934254"/>
+        <p14:creationId xmlns:p14="http://schemas.microsoft.com/office/powerpoint/2010/main" val="4145450879"/>
       </p:ext>
     </p:extLst>
   </p:cSld>
@@ -1582,7 +1735,7 @@
           <a:p>
             <a:fld id="{389E26BA-BD8D-8D49-924D-BD92A6C5B418}" type="datetimeFigureOut">
               <a:rPr lang="es-ES" smtClean="0"/>
-              <a:t>3/7/25</a:t>
+              <a:t>4/7/25</a:t>
             </a:fld>
             <a:endParaRPr lang="es-ES"/>
           </a:p>
@@ -1633,7 +1786,7 @@
     </p:spTree>
     <p:extLst>
       <p:ext uri="{BB962C8B-B14F-4D97-AF65-F5344CB8AC3E}">
-        <p14:creationId xmlns:p14="http://schemas.microsoft.com/office/powerpoint/2010/main" val="1180454657"/>
+        <p14:creationId xmlns:p14="http://schemas.microsoft.com/office/powerpoint/2010/main" val="3697802461"/>
       </p:ext>
     </p:extLst>
   </p:cSld>
@@ -1677,7 +1830,7 @@
           <a:p>
             <a:fld id="{389E26BA-BD8D-8D49-924D-BD92A6C5B418}" type="datetimeFigureOut">
               <a:rPr lang="es-ES" smtClean="0"/>
-              <a:t>3/7/25</a:t>
+              <a:t>4/7/25</a:t>
             </a:fld>
             <a:endParaRPr lang="es-ES"/>
           </a:p>
@@ -1728,7 +1881,7 @@
     </p:spTree>
     <p:extLst>
       <p:ext uri="{BB962C8B-B14F-4D97-AF65-F5344CB8AC3E}">
-        <p14:creationId xmlns:p14="http://schemas.microsoft.com/office/powerpoint/2010/main" val="1400488575"/>
+        <p14:creationId xmlns:p14="http://schemas.microsoft.com/office/powerpoint/2010/main" val="1452970078"/>
       </p:ext>
     </p:extLst>
   </p:cSld>
@@ -1767,15 +1920,15 @@
         </p:nvSpPr>
         <p:spPr>
           <a:xfrm>
-            <a:off x="421534" y="576051"/>
-            <a:ext cx="1973799" cy="2016178"/>
+            <a:off x="471178" y="623993"/>
+            <a:ext cx="2206252" cy="2183977"/>
           </a:xfrm>
         </p:spPr>
         <p:txBody>
           <a:bodyPr anchor="b"/>
           <a:lstStyle>
             <a:lvl1pPr>
-              <a:defRPr sz="2142"/>
+              <a:defRPr sz="2394"/>
             </a:lvl1pPr>
           </a:lstStyle>
           <a:p>
@@ -1799,50 +1952,74 @@
         </p:nvSpPr>
         <p:spPr>
           <a:xfrm>
-            <a:off x="2601718" y="1244112"/>
-            <a:ext cx="3098155" cy="6140542"/>
+            <a:off x="2908120" y="1347654"/>
+            <a:ext cx="3463022" cy="6651596"/>
           </a:xfrm>
         </p:spPr>
         <p:txBody>
           <a:bodyPr/>
           <a:lstStyle>
             <a:lvl1pPr>
-              <a:defRPr sz="2142"/>
+              <a:defRPr sz="2394"/>
             </a:lvl1pPr>
             <a:lvl2pPr>
-              <a:defRPr sz="1874"/>
+              <a:defRPr sz="2095"/>
             </a:lvl2pPr>
             <a:lvl3pPr>
-              <a:defRPr sz="1606"/>
+              <a:defRPr sz="1795"/>
             </a:lvl3pPr>
             <a:lvl4pPr>
-              <a:defRPr sz="1339"/>
+              <a:defRPr sz="1496"/>
             </a:lvl4pPr>
             <a:lvl5pPr>
-              <a:defRPr sz="1339"/>
+              <a:defRPr sz="1496"/>
             </a:lvl5pPr>
             <a:lvl6pPr>
-              <a:defRPr sz="1339"/>
+              <a:defRPr sz="1496"/>
             </a:lvl6pPr>
             <a:lvl7pPr>
-              <a:defRPr sz="1339"/>
+              <a:defRPr sz="1496"/>
             </a:lvl7pPr>
             <a:lvl8pPr>
-              <a:defRPr sz="1339"/>
+              <a:defRPr sz="1496"/>
             </a:lvl8pPr>
             <a:lvl9pPr>
-              <a:defRPr sz="1339"/>
+              <a:defRPr sz="1496"/>
             </a:lvl9pPr>
           </a:lstStyle>
           <a:p>
             <a:pPr lvl="0"/>
             <a:r>
               <a:rPr lang="es-ES"/>
-              <a:t>Editar los estilos de texto del patrón
-Segundo nivel
-Tercer nivel
-Cuarto nivel
-Quinto nivel</a:t>
+              <a:t>Haga clic para modificar los estilos de texto del patrón</a:t>
+            </a:r>
+          </a:p>
+          <a:p>
+            <a:pPr lvl="1"/>
+            <a:r>
+              <a:rPr lang="es-ES"/>
+              <a:t>Segundo nivel</a:t>
+            </a:r>
+          </a:p>
+          <a:p>
+            <a:pPr lvl="2"/>
+            <a:r>
+              <a:rPr lang="es-ES"/>
+              <a:t>Tercer nivel</a:t>
+            </a:r>
+          </a:p>
+          <a:p>
+            <a:pPr lvl="3"/>
+            <a:r>
+              <a:rPr lang="es-ES"/>
+              <a:t>Cuarto nivel</a:t>
+            </a:r>
+          </a:p>
+          <a:p>
+            <a:pPr lvl="4"/>
+            <a:r>
+              <a:rPr lang="es-ES"/>
+              <a:t>Quinto nivel</a:t>
             </a:r>
             <a:endParaRPr lang="en-US" dirty="0"/>
           </a:p>
@@ -1860,8 +2037,8 @@
         </p:nvSpPr>
         <p:spPr>
           <a:xfrm>
-            <a:off x="421534" y="2592229"/>
-            <a:ext cx="1973799" cy="4802425"/>
+            <a:off x="471178" y="2807970"/>
+            <a:ext cx="2206252" cy="5202112"/>
           </a:xfrm>
         </p:spPr>
         <p:txBody>
@@ -1869,52 +2046,47 @@
           <a:lstStyle>
             <a:lvl1pPr marL="0" indent="0">
               <a:buNone/>
-              <a:defRPr sz="1071"/>
+              <a:defRPr sz="1197"/>
             </a:lvl1pPr>
-            <a:lvl2pPr marL="306004" indent="0">
-              <a:buNone/>
-              <a:defRPr sz="937"/>
+            <a:lvl2pPr marL="342031" indent="0">
+              <a:buNone/>
+              <a:defRPr sz="1047"/>
             </a:lvl2pPr>
-            <a:lvl3pPr marL="612008" indent="0">
-              <a:buNone/>
-              <a:defRPr sz="803"/>
+            <a:lvl3pPr marL="684063" indent="0">
+              <a:buNone/>
+              <a:defRPr sz="898"/>
             </a:lvl3pPr>
-            <a:lvl4pPr marL="918012" indent="0">
-              <a:buNone/>
-              <a:defRPr sz="669"/>
+            <a:lvl4pPr marL="1026094" indent="0">
+              <a:buNone/>
+              <a:defRPr sz="748"/>
             </a:lvl4pPr>
-            <a:lvl5pPr marL="1224016" indent="0">
-              <a:buNone/>
-              <a:defRPr sz="669"/>
+            <a:lvl5pPr marL="1368125" indent="0">
+              <a:buNone/>
+              <a:defRPr sz="748"/>
             </a:lvl5pPr>
-            <a:lvl6pPr marL="1530020" indent="0">
-              <a:buNone/>
-              <a:defRPr sz="669"/>
+            <a:lvl6pPr marL="1710157" indent="0">
+              <a:buNone/>
+              <a:defRPr sz="748"/>
             </a:lvl6pPr>
-            <a:lvl7pPr marL="1836024" indent="0">
-              <a:buNone/>
-              <a:defRPr sz="669"/>
+            <a:lvl7pPr marL="2052188" indent="0">
+              <a:buNone/>
+              <a:defRPr sz="748"/>
             </a:lvl7pPr>
-            <a:lvl8pPr marL="2142028" indent="0">
-              <a:buNone/>
-              <a:defRPr sz="669"/>
+            <a:lvl8pPr marL="2394219" indent="0">
+              <a:buNone/>
+              <a:defRPr sz="748"/>
             </a:lvl8pPr>
-            <a:lvl9pPr marL="2448032" indent="0">
-              <a:buNone/>
-              <a:defRPr sz="669"/>
+            <a:lvl9pPr marL="2736251" indent="0">
+              <a:buNone/>
+              <a:defRPr sz="748"/>
             </a:lvl9pPr>
           </a:lstStyle>
           <a:p>
             <a:pPr lvl="0"/>
             <a:r>
               <a:rPr lang="es-ES"/>
-              <a:t>Editar los estilos de texto del patrón
-Segundo nivel
-Tercer nivel
-Cuarto nivel
-Quinto nivel</a:t>
-            </a:r>
-            <a:endParaRPr lang="en-US" dirty="0"/>
+              <a:t>Haga clic para modificar los estilos de texto del patrón</a:t>
+            </a:r>
           </a:p>
         </p:txBody>
       </p:sp>
@@ -1935,7 +2107,7 @@
           <a:p>
             <a:fld id="{389E26BA-BD8D-8D49-924D-BD92A6C5B418}" type="datetimeFigureOut">
               <a:rPr lang="es-ES" smtClean="0"/>
-              <a:t>3/7/25</a:t>
+              <a:t>4/7/25</a:t>
             </a:fld>
             <a:endParaRPr lang="es-ES"/>
           </a:p>
@@ -1986,7 +2158,7 @@
     </p:spTree>
     <p:extLst>
       <p:ext uri="{BB962C8B-B14F-4D97-AF65-F5344CB8AC3E}">
-        <p14:creationId xmlns:p14="http://schemas.microsoft.com/office/powerpoint/2010/main" val="2599716776"/>
+        <p14:creationId xmlns:p14="http://schemas.microsoft.com/office/powerpoint/2010/main" val="4017201054"/>
       </p:ext>
     </p:extLst>
   </p:cSld>
@@ -2025,15 +2197,15 @@
         </p:nvSpPr>
         <p:spPr>
           <a:xfrm>
-            <a:off x="421534" y="576051"/>
-            <a:ext cx="1973799" cy="2016178"/>
+            <a:off x="471178" y="623993"/>
+            <a:ext cx="2206252" cy="2183977"/>
           </a:xfrm>
         </p:spPr>
         <p:txBody>
           <a:bodyPr anchor="b"/>
           <a:lstStyle>
             <a:lvl1pPr>
-              <a:defRPr sz="2142"/>
+              <a:defRPr sz="2394"/>
             </a:lvl1pPr>
           </a:lstStyle>
           <a:p>
@@ -2057,8 +2229,8 @@
         </p:nvSpPr>
         <p:spPr>
           <a:xfrm>
-            <a:off x="2601718" y="1244112"/>
-            <a:ext cx="3098155" cy="6140542"/>
+            <a:off x="2908120" y="1347654"/>
+            <a:ext cx="3463022" cy="6651596"/>
           </a:xfrm>
         </p:spPr>
         <p:txBody>
@@ -2066,39 +2238,39 @@
           <a:lstStyle>
             <a:lvl1pPr marL="0" indent="0">
               <a:buNone/>
-              <a:defRPr sz="2142"/>
+              <a:defRPr sz="2394"/>
             </a:lvl1pPr>
-            <a:lvl2pPr marL="306004" indent="0">
-              <a:buNone/>
-              <a:defRPr sz="1874"/>
+            <a:lvl2pPr marL="342031" indent="0">
+              <a:buNone/>
+              <a:defRPr sz="2095"/>
             </a:lvl2pPr>
-            <a:lvl3pPr marL="612008" indent="0">
-              <a:buNone/>
-              <a:defRPr sz="1606"/>
+            <a:lvl3pPr marL="684063" indent="0">
+              <a:buNone/>
+              <a:defRPr sz="1795"/>
             </a:lvl3pPr>
-            <a:lvl4pPr marL="918012" indent="0">
-              <a:buNone/>
-              <a:defRPr sz="1339"/>
+            <a:lvl4pPr marL="1026094" indent="0">
+              <a:buNone/>
+              <a:defRPr sz="1496"/>
             </a:lvl4pPr>
-            <a:lvl5pPr marL="1224016" indent="0">
-              <a:buNone/>
-              <a:defRPr sz="1339"/>
+            <a:lvl5pPr marL="1368125" indent="0">
+              <a:buNone/>
+              <a:defRPr sz="1496"/>
             </a:lvl5pPr>
-            <a:lvl6pPr marL="1530020" indent="0">
-              <a:buNone/>
-              <a:defRPr sz="1339"/>
+            <a:lvl6pPr marL="1710157" indent="0">
+              <a:buNone/>
+              <a:defRPr sz="1496"/>
             </a:lvl6pPr>
-            <a:lvl7pPr marL="1836024" indent="0">
-              <a:buNone/>
-              <a:defRPr sz="1339"/>
+            <a:lvl7pPr marL="2052188" indent="0">
+              <a:buNone/>
+              <a:defRPr sz="1496"/>
             </a:lvl7pPr>
-            <a:lvl8pPr marL="2142028" indent="0">
-              <a:buNone/>
-              <a:defRPr sz="1339"/>
+            <a:lvl8pPr marL="2394219" indent="0">
+              <a:buNone/>
+              <a:defRPr sz="1496"/>
             </a:lvl8pPr>
-            <a:lvl9pPr marL="2448032" indent="0">
-              <a:buNone/>
-              <a:defRPr sz="1339"/>
+            <a:lvl9pPr marL="2736251" indent="0">
+              <a:buNone/>
+              <a:defRPr sz="1496"/>
             </a:lvl9pPr>
           </a:lstStyle>
           <a:p>
@@ -2122,8 +2294,8 @@
         </p:nvSpPr>
         <p:spPr>
           <a:xfrm>
-            <a:off x="421534" y="2592229"/>
-            <a:ext cx="1973799" cy="4802425"/>
+            <a:off x="471178" y="2807970"/>
+            <a:ext cx="2206252" cy="5202112"/>
           </a:xfrm>
         </p:spPr>
         <p:txBody>
@@ -2131,52 +2303,47 @@
           <a:lstStyle>
             <a:lvl1pPr marL="0" indent="0">
               <a:buNone/>
-              <a:defRPr sz="1071"/>
+              <a:defRPr sz="1197"/>
             </a:lvl1pPr>
-            <a:lvl2pPr marL="306004" indent="0">
-              <a:buNone/>
-              <a:defRPr sz="937"/>
+            <a:lvl2pPr marL="342031" indent="0">
+              <a:buNone/>
+              <a:defRPr sz="1047"/>
             </a:lvl2pPr>
-            <a:lvl3pPr marL="612008" indent="0">
-              <a:buNone/>
-              <a:defRPr sz="803"/>
+            <a:lvl3pPr marL="684063" indent="0">
+              <a:buNone/>
+              <a:defRPr sz="898"/>
             </a:lvl3pPr>
-            <a:lvl4pPr marL="918012" indent="0">
-              <a:buNone/>
-              <a:defRPr sz="669"/>
+            <a:lvl4pPr marL="1026094" indent="0">
+              <a:buNone/>
+              <a:defRPr sz="748"/>
             </a:lvl4pPr>
-            <a:lvl5pPr marL="1224016" indent="0">
-              <a:buNone/>
-              <a:defRPr sz="669"/>
+            <a:lvl5pPr marL="1368125" indent="0">
+              <a:buNone/>
+              <a:defRPr sz="748"/>
             </a:lvl5pPr>
-            <a:lvl6pPr marL="1530020" indent="0">
-              <a:buNone/>
-              <a:defRPr sz="669"/>
+            <a:lvl6pPr marL="1710157" indent="0">
+              <a:buNone/>
+              <a:defRPr sz="748"/>
             </a:lvl6pPr>
-            <a:lvl7pPr marL="1836024" indent="0">
-              <a:buNone/>
-              <a:defRPr sz="669"/>
+            <a:lvl7pPr marL="2052188" indent="0">
+              <a:buNone/>
+              <a:defRPr sz="748"/>
             </a:lvl7pPr>
-            <a:lvl8pPr marL="2142028" indent="0">
-              <a:buNone/>
-              <a:defRPr sz="669"/>
+            <a:lvl8pPr marL="2394219" indent="0">
+              <a:buNone/>
+              <a:defRPr sz="748"/>
             </a:lvl8pPr>
-            <a:lvl9pPr marL="2448032" indent="0">
-              <a:buNone/>
-              <a:defRPr sz="669"/>
+            <a:lvl9pPr marL="2736251" indent="0">
+              <a:buNone/>
+              <a:defRPr sz="748"/>
             </a:lvl9pPr>
           </a:lstStyle>
           <a:p>
             <a:pPr lvl="0"/>
             <a:r>
               <a:rPr lang="es-ES"/>
-              <a:t>Editar los estilos de texto del patrón
-Segundo nivel
-Tercer nivel
-Cuarto nivel
-Quinto nivel</a:t>
-            </a:r>
-            <a:endParaRPr lang="en-US" dirty="0"/>
+              <a:t>Haga clic para modificar los estilos de texto del patrón</a:t>
+            </a:r>
           </a:p>
         </p:txBody>
       </p:sp>
@@ -2197,7 +2364,7 @@
           <a:p>
             <a:fld id="{389E26BA-BD8D-8D49-924D-BD92A6C5B418}" type="datetimeFigureOut">
               <a:rPr lang="es-ES" smtClean="0"/>
-              <a:t>3/7/25</a:t>
+              <a:t>4/7/25</a:t>
             </a:fld>
             <a:endParaRPr lang="es-ES"/>
           </a:p>
@@ -2248,7 +2415,7 @@
     </p:spTree>
     <p:extLst>
       <p:ext uri="{BB962C8B-B14F-4D97-AF65-F5344CB8AC3E}">
-        <p14:creationId xmlns:p14="http://schemas.microsoft.com/office/powerpoint/2010/main" val="992436695"/>
+        <p14:creationId xmlns:p14="http://schemas.microsoft.com/office/powerpoint/2010/main" val="2411047898"/>
       </p:ext>
     </p:extLst>
   </p:cSld>
@@ -2292,8 +2459,8 @@
         </p:nvSpPr>
         <p:spPr>
           <a:xfrm>
-            <a:off x="420737" y="460043"/>
-            <a:ext cx="5278339" cy="1670148"/>
+            <a:off x="470287" y="498330"/>
+            <a:ext cx="5899964" cy="1809148"/>
           </a:xfrm>
           <a:prstGeom prst="rect">
             <a:avLst/>
@@ -2325,8 +2492,8 @@
         </p:nvSpPr>
         <p:spPr>
           <a:xfrm>
-            <a:off x="420737" y="2300203"/>
-            <a:ext cx="5278339" cy="5482485"/>
+            <a:off x="470287" y="2491640"/>
+            <a:ext cx="5899964" cy="5938771"/>
           </a:xfrm>
           <a:prstGeom prst="rect">
             <a:avLst/>
@@ -2341,11 +2508,35 @@
             <a:pPr lvl="0"/>
             <a:r>
               <a:rPr lang="es-ES"/>
-              <a:t>Editar los estilos de texto del patrón
-Segundo nivel
-Tercer nivel
-Cuarto nivel
-Quinto nivel</a:t>
+              <a:t>Haga clic para modificar los estilos de texto del patrón</a:t>
+            </a:r>
+          </a:p>
+          <a:p>
+            <a:pPr lvl="1"/>
+            <a:r>
+              <a:rPr lang="es-ES"/>
+              <a:t>Segundo nivel</a:t>
+            </a:r>
+          </a:p>
+          <a:p>
+            <a:pPr lvl="2"/>
+            <a:r>
+              <a:rPr lang="es-ES"/>
+              <a:t>Tercer nivel</a:t>
+            </a:r>
+          </a:p>
+          <a:p>
+            <a:pPr lvl="3"/>
+            <a:r>
+              <a:rPr lang="es-ES"/>
+              <a:t>Cuarto nivel</a:t>
+            </a:r>
+          </a:p>
+          <a:p>
+            <a:pPr lvl="4"/>
+            <a:r>
+              <a:rPr lang="es-ES"/>
+              <a:t>Quinto nivel</a:t>
             </a:r>
             <a:endParaRPr lang="en-US" dirty="0"/>
           </a:p>
@@ -2363,8 +2554,8 @@
         </p:nvSpPr>
         <p:spPr>
           <a:xfrm>
-            <a:off x="420737" y="8008709"/>
-            <a:ext cx="1376958" cy="460041"/>
+            <a:off x="470287" y="8675243"/>
+            <a:ext cx="1539121" cy="498328"/>
           </a:xfrm>
           <a:prstGeom prst="rect">
             <a:avLst/>
@@ -2374,7 +2565,7 @@
           <a:bodyPr vert="horz" lIns="91440" tIns="45720" rIns="91440" bIns="45720" rtlCol="0" anchor="ctr"/>
           <a:lstStyle>
             <a:lvl1pPr algn="l">
-              <a:defRPr sz="803">
+              <a:defRPr sz="898">
                 <a:solidFill>
                   <a:schemeClr val="tx1">
                     <a:tint val="75000"/>
@@ -2386,7 +2577,7 @@
           <a:p>
             <a:fld id="{389E26BA-BD8D-8D49-924D-BD92A6C5B418}" type="datetimeFigureOut">
               <a:rPr lang="es-ES" smtClean="0"/>
-              <a:t>3/7/25</a:t>
+              <a:t>4/7/25</a:t>
             </a:fld>
             <a:endParaRPr lang="es-ES"/>
           </a:p>
@@ -2404,8 +2595,8 @@
         </p:nvSpPr>
         <p:spPr>
           <a:xfrm>
-            <a:off x="2027188" y="8008709"/>
-            <a:ext cx="2065437" cy="460041"/>
+            <a:off x="2265928" y="8675243"/>
+            <a:ext cx="2308682" cy="498328"/>
           </a:xfrm>
           <a:prstGeom prst="rect">
             <a:avLst/>
@@ -2415,7 +2606,7 @@
           <a:bodyPr vert="horz" lIns="91440" tIns="45720" rIns="91440" bIns="45720" rtlCol="0" anchor="ctr"/>
           <a:lstStyle>
             <a:lvl1pPr algn="ctr">
-              <a:defRPr sz="803">
+              <a:defRPr sz="898">
                 <a:solidFill>
                   <a:schemeClr val="tx1">
                     <a:tint val="75000"/>
@@ -2441,8 +2632,8 @@
         </p:nvSpPr>
         <p:spPr>
           <a:xfrm>
-            <a:off x="4322118" y="8008709"/>
-            <a:ext cx="1376958" cy="460041"/>
+            <a:off x="4831130" y="8675243"/>
+            <a:ext cx="1539121" cy="498328"/>
           </a:xfrm>
           <a:prstGeom prst="rect">
             <a:avLst/>
@@ -2452,7 +2643,7 @@
           <a:bodyPr vert="horz" lIns="91440" tIns="45720" rIns="91440" bIns="45720" rtlCol="0" anchor="ctr"/>
           <a:lstStyle>
             <a:lvl1pPr algn="r">
-              <a:defRPr sz="803">
+              <a:defRPr sz="898">
                 <a:solidFill>
                   <a:schemeClr val="tx1">
                     <a:tint val="75000"/>
@@ -2473,27 +2664,27 @@
     </p:spTree>
     <p:extLst>
       <p:ext uri="{BB962C8B-B14F-4D97-AF65-F5344CB8AC3E}">
-        <p14:creationId xmlns:p14="http://schemas.microsoft.com/office/powerpoint/2010/main" val="64288269"/>
+        <p14:creationId xmlns:p14="http://schemas.microsoft.com/office/powerpoint/2010/main" val="879733889"/>
       </p:ext>
     </p:extLst>
   </p:cSld>
   <p:clrMap bg1="lt1" tx1="dk1" bg2="lt2" tx2="dk2" accent1="accent1" accent2="accent2" accent3="accent3" accent4="accent4" accent5="accent5" accent6="accent6" hlink="hlink" folHlink="folHlink"/>
   <p:sldLayoutIdLst>
-    <p:sldLayoutId id="2147483673" r:id="rId1"/>
-    <p:sldLayoutId id="2147483674" r:id="rId2"/>
-    <p:sldLayoutId id="2147483675" r:id="rId3"/>
-    <p:sldLayoutId id="2147483676" r:id="rId4"/>
-    <p:sldLayoutId id="2147483677" r:id="rId5"/>
-    <p:sldLayoutId id="2147483678" r:id="rId6"/>
-    <p:sldLayoutId id="2147483679" r:id="rId7"/>
-    <p:sldLayoutId id="2147483680" r:id="rId8"/>
-    <p:sldLayoutId id="2147483681" r:id="rId9"/>
-    <p:sldLayoutId id="2147483682" r:id="rId10"/>
-    <p:sldLayoutId id="2147483683" r:id="rId11"/>
+    <p:sldLayoutId id="2147483685" r:id="rId1"/>
+    <p:sldLayoutId id="2147483686" r:id="rId2"/>
+    <p:sldLayoutId id="2147483687" r:id="rId3"/>
+    <p:sldLayoutId id="2147483688" r:id="rId4"/>
+    <p:sldLayoutId id="2147483689" r:id="rId5"/>
+    <p:sldLayoutId id="2147483690" r:id="rId6"/>
+    <p:sldLayoutId id="2147483691" r:id="rId7"/>
+    <p:sldLayoutId id="2147483692" r:id="rId8"/>
+    <p:sldLayoutId id="2147483693" r:id="rId9"/>
+    <p:sldLayoutId id="2147483694" r:id="rId10"/>
+    <p:sldLayoutId id="2147483695" r:id="rId11"/>
   </p:sldLayoutIdLst>
   <p:txStyles>
     <p:titleStyle>
-      <a:lvl1pPr algn="l" defTabSz="612008" rtl="0" eaLnBrk="1" latinLnBrk="0" hangingPunct="1">
+      <a:lvl1pPr algn="l" defTabSz="684063" rtl="0" eaLnBrk="1" latinLnBrk="0" hangingPunct="1">
         <a:lnSpc>
           <a:spcPct val="90000"/>
         </a:lnSpc>
@@ -2501,7 +2692,7 @@
           <a:spcPct val="0"/>
         </a:spcBef>
         <a:buNone/>
-        <a:defRPr sz="2945" kern="1200">
+        <a:defRPr sz="3292" kern="1200">
           <a:solidFill>
             <a:schemeClr val="tx1"/>
           </a:solidFill>
@@ -2512,16 +2703,16 @@
       </a:lvl1pPr>
     </p:titleStyle>
     <p:bodyStyle>
-      <a:lvl1pPr marL="153002" indent="-153002" algn="l" defTabSz="612008" rtl="0" eaLnBrk="1" latinLnBrk="0" hangingPunct="1">
+      <a:lvl1pPr marL="171016" indent="-171016" algn="l" defTabSz="684063" rtl="0" eaLnBrk="1" latinLnBrk="0" hangingPunct="1">
         <a:lnSpc>
           <a:spcPct val="90000"/>
         </a:lnSpc>
         <a:spcBef>
-          <a:spcPts val="669"/>
+          <a:spcPts val="748"/>
         </a:spcBef>
         <a:buFont typeface="Arial" panose="020B0604020202020204" pitchFamily="34" charset="0"/>
         <a:buChar char="•"/>
-        <a:defRPr sz="1874" kern="1200">
+        <a:defRPr sz="2095" kern="1200">
           <a:solidFill>
             <a:schemeClr val="tx1"/>
           </a:solidFill>
@@ -2530,16 +2721,16 @@
           <a:cs typeface="+mn-cs"/>
         </a:defRPr>
       </a:lvl1pPr>
-      <a:lvl2pPr marL="459006" indent="-153002" algn="l" defTabSz="612008" rtl="0" eaLnBrk="1" latinLnBrk="0" hangingPunct="1">
+      <a:lvl2pPr marL="513047" indent="-171016" algn="l" defTabSz="684063" rtl="0" eaLnBrk="1" latinLnBrk="0" hangingPunct="1">
         <a:lnSpc>
           <a:spcPct val="90000"/>
         </a:lnSpc>
         <a:spcBef>
-          <a:spcPts val="335"/>
+          <a:spcPts val="374"/>
         </a:spcBef>
         <a:buFont typeface="Arial" panose="020B0604020202020204" pitchFamily="34" charset="0"/>
         <a:buChar char="•"/>
-        <a:defRPr sz="1606" kern="1200">
+        <a:defRPr sz="1795" kern="1200">
           <a:solidFill>
             <a:schemeClr val="tx1"/>
           </a:solidFill>
@@ -2548,16 +2739,16 @@
           <a:cs typeface="+mn-cs"/>
         </a:defRPr>
       </a:lvl2pPr>
-      <a:lvl3pPr marL="765010" indent="-153002" algn="l" defTabSz="612008" rtl="0" eaLnBrk="1" latinLnBrk="0" hangingPunct="1">
+      <a:lvl3pPr marL="855078" indent="-171016" algn="l" defTabSz="684063" rtl="0" eaLnBrk="1" latinLnBrk="0" hangingPunct="1">
         <a:lnSpc>
           <a:spcPct val="90000"/>
         </a:lnSpc>
         <a:spcBef>
-          <a:spcPts val="335"/>
+          <a:spcPts val="374"/>
         </a:spcBef>
         <a:buFont typeface="Arial" panose="020B0604020202020204" pitchFamily="34" charset="0"/>
         <a:buChar char="•"/>
-        <a:defRPr sz="1339" kern="1200">
+        <a:defRPr sz="1496" kern="1200">
           <a:solidFill>
             <a:schemeClr val="tx1"/>
           </a:solidFill>
@@ -2566,16 +2757,16 @@
           <a:cs typeface="+mn-cs"/>
         </a:defRPr>
       </a:lvl3pPr>
-      <a:lvl4pPr marL="1071014" indent="-153002" algn="l" defTabSz="612008" rtl="0" eaLnBrk="1" latinLnBrk="0" hangingPunct="1">
+      <a:lvl4pPr marL="1197110" indent="-171016" algn="l" defTabSz="684063" rtl="0" eaLnBrk="1" latinLnBrk="0" hangingPunct="1">
         <a:lnSpc>
           <a:spcPct val="90000"/>
         </a:lnSpc>
         <a:spcBef>
-          <a:spcPts val="335"/>
+          <a:spcPts val="374"/>
         </a:spcBef>
         <a:buFont typeface="Arial" panose="020B0604020202020204" pitchFamily="34" charset="0"/>
         <a:buChar char="•"/>
-        <a:defRPr sz="1205" kern="1200">
+        <a:defRPr sz="1347" kern="1200">
           <a:solidFill>
             <a:schemeClr val="tx1"/>
           </a:solidFill>
@@ -2584,16 +2775,16 @@
           <a:cs typeface="+mn-cs"/>
         </a:defRPr>
       </a:lvl4pPr>
-      <a:lvl5pPr marL="1377018" indent="-153002" algn="l" defTabSz="612008" rtl="0" eaLnBrk="1" latinLnBrk="0" hangingPunct="1">
+      <a:lvl5pPr marL="1539141" indent="-171016" algn="l" defTabSz="684063" rtl="0" eaLnBrk="1" latinLnBrk="0" hangingPunct="1">
         <a:lnSpc>
           <a:spcPct val="90000"/>
         </a:lnSpc>
         <a:spcBef>
-          <a:spcPts val="335"/>
+          <a:spcPts val="374"/>
         </a:spcBef>
         <a:buFont typeface="Arial" panose="020B0604020202020204" pitchFamily="34" charset="0"/>
         <a:buChar char="•"/>
-        <a:defRPr sz="1205" kern="1200">
+        <a:defRPr sz="1347" kern="1200">
           <a:solidFill>
             <a:schemeClr val="tx1"/>
           </a:solidFill>
@@ -2602,16 +2793,16 @@
           <a:cs typeface="+mn-cs"/>
         </a:defRPr>
       </a:lvl5pPr>
-      <a:lvl6pPr marL="1683022" indent="-153002" algn="l" defTabSz="612008" rtl="0" eaLnBrk="1" latinLnBrk="0" hangingPunct="1">
+      <a:lvl6pPr marL="1881172" indent="-171016" algn="l" defTabSz="684063" rtl="0" eaLnBrk="1" latinLnBrk="0" hangingPunct="1">
         <a:lnSpc>
           <a:spcPct val="90000"/>
         </a:lnSpc>
         <a:spcBef>
-          <a:spcPts val="335"/>
+          <a:spcPts val="374"/>
         </a:spcBef>
         <a:buFont typeface="Arial" panose="020B0604020202020204" pitchFamily="34" charset="0"/>
         <a:buChar char="•"/>
-        <a:defRPr sz="1205" kern="1200">
+        <a:defRPr sz="1347" kern="1200">
           <a:solidFill>
             <a:schemeClr val="tx1"/>
           </a:solidFill>
@@ -2620,16 +2811,16 @@
           <a:cs typeface="+mn-cs"/>
         </a:defRPr>
       </a:lvl6pPr>
-      <a:lvl7pPr marL="1989026" indent="-153002" algn="l" defTabSz="612008" rtl="0" eaLnBrk="1" latinLnBrk="0" hangingPunct="1">
+      <a:lvl7pPr marL="2223204" indent="-171016" algn="l" defTabSz="684063" rtl="0" eaLnBrk="1" latinLnBrk="0" hangingPunct="1">
         <a:lnSpc>
           <a:spcPct val="90000"/>
         </a:lnSpc>
         <a:spcBef>
-          <a:spcPts val="335"/>
+          <a:spcPts val="374"/>
         </a:spcBef>
         <a:buFont typeface="Arial" panose="020B0604020202020204" pitchFamily="34" charset="0"/>
         <a:buChar char="•"/>
-        <a:defRPr sz="1205" kern="1200">
+        <a:defRPr sz="1347" kern="1200">
           <a:solidFill>
             <a:schemeClr val="tx1"/>
           </a:solidFill>
@@ -2638,16 +2829,16 @@
           <a:cs typeface="+mn-cs"/>
         </a:defRPr>
       </a:lvl7pPr>
-      <a:lvl8pPr marL="2295030" indent="-153002" algn="l" defTabSz="612008" rtl="0" eaLnBrk="1" latinLnBrk="0" hangingPunct="1">
+      <a:lvl8pPr marL="2565235" indent="-171016" algn="l" defTabSz="684063" rtl="0" eaLnBrk="1" latinLnBrk="0" hangingPunct="1">
         <a:lnSpc>
           <a:spcPct val="90000"/>
         </a:lnSpc>
         <a:spcBef>
-          <a:spcPts val="335"/>
+          <a:spcPts val="374"/>
         </a:spcBef>
         <a:buFont typeface="Arial" panose="020B0604020202020204" pitchFamily="34" charset="0"/>
         <a:buChar char="•"/>
-        <a:defRPr sz="1205" kern="1200">
+        <a:defRPr sz="1347" kern="1200">
           <a:solidFill>
             <a:schemeClr val="tx1"/>
           </a:solidFill>
@@ -2656,16 +2847,16 @@
           <a:cs typeface="+mn-cs"/>
         </a:defRPr>
       </a:lvl8pPr>
-      <a:lvl9pPr marL="2601034" indent="-153002" algn="l" defTabSz="612008" rtl="0" eaLnBrk="1" latinLnBrk="0" hangingPunct="1">
+      <a:lvl9pPr marL="2907266" indent="-171016" algn="l" defTabSz="684063" rtl="0" eaLnBrk="1" latinLnBrk="0" hangingPunct="1">
         <a:lnSpc>
           <a:spcPct val="90000"/>
         </a:lnSpc>
         <a:spcBef>
-          <a:spcPts val="335"/>
+          <a:spcPts val="374"/>
         </a:spcBef>
         <a:buFont typeface="Arial" panose="020B0604020202020204" pitchFamily="34" charset="0"/>
         <a:buChar char="•"/>
-        <a:defRPr sz="1205" kern="1200">
+        <a:defRPr sz="1347" kern="1200">
           <a:solidFill>
             <a:schemeClr val="tx1"/>
           </a:solidFill>
@@ -2679,8 +2870,8 @@
       <a:defPPr>
         <a:defRPr lang="en-US"/>
       </a:defPPr>
-      <a:lvl1pPr marL="0" algn="l" defTabSz="612008" rtl="0" eaLnBrk="1" latinLnBrk="0" hangingPunct="1">
-        <a:defRPr sz="1205" kern="1200">
+      <a:lvl1pPr marL="0" algn="l" defTabSz="684063" rtl="0" eaLnBrk="1" latinLnBrk="0" hangingPunct="1">
+        <a:defRPr sz="1347" kern="1200">
           <a:solidFill>
             <a:schemeClr val="tx1"/>
           </a:solidFill>
@@ -2689,8 +2880,8 @@
           <a:cs typeface="+mn-cs"/>
         </a:defRPr>
       </a:lvl1pPr>
-      <a:lvl2pPr marL="306004" algn="l" defTabSz="612008" rtl="0" eaLnBrk="1" latinLnBrk="0" hangingPunct="1">
-        <a:defRPr sz="1205" kern="1200">
+      <a:lvl2pPr marL="342031" algn="l" defTabSz="684063" rtl="0" eaLnBrk="1" latinLnBrk="0" hangingPunct="1">
+        <a:defRPr sz="1347" kern="1200">
           <a:solidFill>
             <a:schemeClr val="tx1"/>
           </a:solidFill>
@@ -2699,8 +2890,8 @@
           <a:cs typeface="+mn-cs"/>
         </a:defRPr>
       </a:lvl2pPr>
-      <a:lvl3pPr marL="612008" algn="l" defTabSz="612008" rtl="0" eaLnBrk="1" latinLnBrk="0" hangingPunct="1">
-        <a:defRPr sz="1205" kern="1200">
+      <a:lvl3pPr marL="684063" algn="l" defTabSz="684063" rtl="0" eaLnBrk="1" latinLnBrk="0" hangingPunct="1">
+        <a:defRPr sz="1347" kern="1200">
           <a:solidFill>
             <a:schemeClr val="tx1"/>
           </a:solidFill>
@@ -2709,8 +2900,8 @@
           <a:cs typeface="+mn-cs"/>
         </a:defRPr>
       </a:lvl3pPr>
-      <a:lvl4pPr marL="918012" algn="l" defTabSz="612008" rtl="0" eaLnBrk="1" latinLnBrk="0" hangingPunct="1">
-        <a:defRPr sz="1205" kern="1200">
+      <a:lvl4pPr marL="1026094" algn="l" defTabSz="684063" rtl="0" eaLnBrk="1" latinLnBrk="0" hangingPunct="1">
+        <a:defRPr sz="1347" kern="1200">
           <a:solidFill>
             <a:schemeClr val="tx1"/>
           </a:solidFill>
@@ -2719,8 +2910,8 @@
           <a:cs typeface="+mn-cs"/>
         </a:defRPr>
       </a:lvl4pPr>
-      <a:lvl5pPr marL="1224016" algn="l" defTabSz="612008" rtl="0" eaLnBrk="1" latinLnBrk="0" hangingPunct="1">
-        <a:defRPr sz="1205" kern="1200">
+      <a:lvl5pPr marL="1368125" algn="l" defTabSz="684063" rtl="0" eaLnBrk="1" latinLnBrk="0" hangingPunct="1">
+        <a:defRPr sz="1347" kern="1200">
           <a:solidFill>
             <a:schemeClr val="tx1"/>
           </a:solidFill>
@@ -2729,8 +2920,8 @@
           <a:cs typeface="+mn-cs"/>
         </a:defRPr>
       </a:lvl5pPr>
-      <a:lvl6pPr marL="1530020" algn="l" defTabSz="612008" rtl="0" eaLnBrk="1" latinLnBrk="0" hangingPunct="1">
-        <a:defRPr sz="1205" kern="1200">
+      <a:lvl6pPr marL="1710157" algn="l" defTabSz="684063" rtl="0" eaLnBrk="1" latinLnBrk="0" hangingPunct="1">
+        <a:defRPr sz="1347" kern="1200">
           <a:solidFill>
             <a:schemeClr val="tx1"/>
           </a:solidFill>
@@ -2739,8 +2930,8 @@
           <a:cs typeface="+mn-cs"/>
         </a:defRPr>
       </a:lvl6pPr>
-      <a:lvl7pPr marL="1836024" algn="l" defTabSz="612008" rtl="0" eaLnBrk="1" latinLnBrk="0" hangingPunct="1">
-        <a:defRPr sz="1205" kern="1200">
+      <a:lvl7pPr marL="2052188" algn="l" defTabSz="684063" rtl="0" eaLnBrk="1" latinLnBrk="0" hangingPunct="1">
+        <a:defRPr sz="1347" kern="1200">
           <a:solidFill>
             <a:schemeClr val="tx1"/>
           </a:solidFill>
@@ -2749,8 +2940,8 @@
           <a:cs typeface="+mn-cs"/>
         </a:defRPr>
       </a:lvl7pPr>
-      <a:lvl8pPr marL="2142028" algn="l" defTabSz="612008" rtl="0" eaLnBrk="1" latinLnBrk="0" hangingPunct="1">
-        <a:defRPr sz="1205" kern="1200">
+      <a:lvl8pPr marL="2394219" algn="l" defTabSz="684063" rtl="0" eaLnBrk="1" latinLnBrk="0" hangingPunct="1">
+        <a:defRPr sz="1347" kern="1200">
           <a:solidFill>
             <a:schemeClr val="tx1"/>
           </a:solidFill>
@@ -2759,8 +2950,8 @@
           <a:cs typeface="+mn-cs"/>
         </a:defRPr>
       </a:lvl8pPr>
-      <a:lvl9pPr marL="2448032" algn="l" defTabSz="612008" rtl="0" eaLnBrk="1" latinLnBrk="0" hangingPunct="1">
-        <a:defRPr sz="1205" kern="1200">
+      <a:lvl9pPr marL="2736251" algn="l" defTabSz="684063" rtl="0" eaLnBrk="1" latinLnBrk="0" hangingPunct="1">
+        <a:defRPr sz="1347" kern="1200">
           <a:solidFill>
             <a:schemeClr val="tx1"/>
           </a:solidFill>
@@ -2813,8 +3004,8 @@
         </p:nvSpPr>
         <p:spPr>
           <a:xfrm>
-            <a:off x="-23151" y="11844"/>
-            <a:ext cx="6215606" cy="8833187"/>
+            <a:off x="0" y="41185"/>
+            <a:ext cx="6840538" cy="9571851"/>
           </a:xfrm>
           <a:prstGeom prst="rect">
             <a:avLst/>
@@ -2835,7 +3026,7 @@
                 <a:latin typeface="Consolas" panose="020B0609020204030204" pitchFamily="49" charset="0"/>
                 <a:cs typeface="Consolas" panose="020B0609020204030204" pitchFamily="49" charset="0"/>
               </a:rPr>
-              <a:t>0x44696420796f75207265616c6c792065787065637420612068696464656e206d65737361676520686572653f207c2044696420796f75207265616c6c792065787065637420612068696464656e206d65737361676520686572653f207c2044696420796f75207265616c6c792065787065637420612068696464656e206d65737361676520686572653f207c2044696420796f75207265616c6c792065787065637420612068696464656e206d65737361676520686572653f207c2044696420796f75207265616c6c792065787065637420612068696464656e206d65737361676520686572653f207c2044696420796f75207265616c6c792065787065637420612068696464656e206d65737361676520686572653f207c2044696420796f75207265616c6c792065787065637420612068696464656e206d65737361676520686572653f207c2044696420796f75207265616c6c792065787065637420612068696464656e206d65737361676520686572653f207c2044696420796f75207265616c6c792065787065637420612068696464656e206d65737361676520686572653f207c2044696420796f75207265616c6c792065787065637420612068696464656e206d65737361676520686572653f207c2044696420796f75207265616c6c792065787065637420612068696464656e206d65737361676520686572653f207c2044696420796f75207265616c6c792065787065637420612068696464656e206d65737361676520686572653f207c2044696420796f75207265616c6c792065787065637420612068696464656e206d65737361676520686572653f207c2044696420796f75207265616c6c792065787065637420612068696464656e206d65737361676520686572653f207c2044696420796f75207265616c6c792065787065637420612068696464656e206d65737361676520686572653f207c2044696420796f75207265616c6c792065787065637420612068696464656e206d65737361676520686572653f207c2044696420796f75207265616c6c792065787065637420612068696464656e206d65737361676520686572653f207c2044696420796f75207265616c6c792065787065637420612068696464656e206d65737361676520686572653f207c2044696420796f75207265616c6c792065787065637420612068696464656e206d65737361676520686572653f207c2044696420796f75207265616c6c792065787065637420612068696464656e206d65737361676520686572653f207c2044696420796f75207265616c6c792065787065637420612068696464656e206d65737361676520686572653f207c2044696420796f75207265616c6c792065787065637420612068696464656e206d65737361676520686572653f207c2044696420796f75207265616c6c792065787065637420612068696464656e206d65737361676520686572653f207c2044696420796f75207265616c6c792065787065637420612068696464656e206d65737361676520686572653f207c2044696420796f75207265616c6c792065787065637420612068696464656e206d65737361676520686572653f207c2044696420796f75207265616c6c792065787065637420612068696464656e206d65737361676520686572653f207c2044696420796f75207265616c6c792065787065637420612068696464656e206d65737361676520686572653f207c2044696420796f75207265616c6c792065787065637420612068696464656e206d65737361676520686572653f207c2044696420796f75207265616c6c792065787065637420612068696464656e206d65737361676520686572653f207c2044696420796f75207265616c6c792065787065637420612068696464656e206d65737361676520686572653f207c2044696420796f75207265616c6c792065787065637420612068696464656e206d65737361676520686572653f207c2044696420796f75207265616c6c792065787065637420612068696464656e206d65737361676520686572653f207c2044696420796f75207265616c6c792065787065637420612068696464656e206d65737361676520686572653f207c2044696420796f75207265616c6c792065787065637420612068696464656e206d65737361676520686572653f207c2044696420796f75207265616c6c792065787065637420612068696464656e206d65737361676520686572653f207c2044696420796f75207265616c6c792065787065637420612068696464656e206d65737361676520686572653f207c2044696420796f75207265616c6c792065787065637420612068696464656e206d65737361676520686572653f207c2044696420796f75207265616c6c792065787065637420612068696464656e206d65737361676520686572653f207c2044696420796f75207265616c6c792065787065637420612068696464656e206d65737361676520686572653f207c2044696420796f75207265616c6c792065787065637420612068696464656e206d65737361676520686572653f207c2044696420796f75207265616c6c792065787065637420612068696464656e206d65737361676520686572653f207c2044696420796f75207265616c6c792065787065637420612068696464656e206d65737361676520686572653f207c2044696420796f75207265616c6c792065787065637420612068696464656e206d65737361676520686572653f207c2044696420796f75207265616c6c792065787065637420612068696464656e206d65737361676520686572653f207c2044696420796f75207265616c6c792065787065637420612068696464656e206d65737361676520686572653f207c2044696420796f75207265616c6c792065787065637420612068696464656e206d65737361676520686572653f207c2044696420796f75207265616c6c792065787065637420612068696464656e206d65737361676520686572653f207c2044696420796f75207265616c6c792065787065637420612068696464656e206d65737361676520686572653f207c2044696420796f75207265616c6c792065787065637420612068696464656e206d65737361676520686572653f207c2044696420796f75207265616c6c792065787065637420612068696464656e206d65737361676520686572653f207c2044696420796f75207265616c6c792065787065637420612068696464656e206d65737361676520686572653f207c2044696420796f75207265616c6c792065787065637420612068696464656e206d65737361676520686572653f207c2044696420796f75207265616c6c792065787065637420612068696464656e206d65737361676520686572653f207c2044696420796f75207265616c6c792065787065637420612068696464656e206d65737361676520686572653f207c2044696420796f75207265616c6c792065787065637420612068696464656e206d65737361676520686572653f207c2044696420796f75207265616c6c792065787065637420612068696464656e206d65737361676520686572653f207c2044696420796f75207265616c6c792065787065637420612068696464656e206d65737361676520686572653f207c2044696420796f75207265616c6c792065787065637420612068696464656e206d65737361676520686572653f207c2044696420796f75207265616c6c792065787065637420612068696464656e206d65737361676520686572653f207c2044696420796f75207265616c6c792065787065637420612068696464656e206d65737361676520686572653f207c2044696420796f75207265616c6c792065787065637420612068696464656e206d65737361676520686572653f207c2044696420796f75207265616c6c792065787065637420612068696464656e206d65737361676520686572653f207c2044696420796f75207265616c6c792065787065637420612068696464656e206d65737361676520686572653f207c2044696420796f75207265616c6c792065787065637420612068696464656e206d65737361676520686572653f207c2044696420796f75207265616c6c792065787065637420612068696464656e206d65737361676520686572653f207c2044696420796f75207265616c6c792065787065637420612068696464656e206d65737361676520686572653f207c2044696420796f75207265616c6c792065787065637420612068696464656e206d65737361676520686572653f207c2044696420796f75207265616c6c792065787065637420612068696464656e206d65737361676520686572653f207c2044696420796f75207265616c6c792065787065637420612068696464656e206d65737361676520686572653f207c2044696420796f75207265616c6c792065787065637420612068696464656e206d65737361676520686572653f207c2044696420796f75207265616c6c792065787065637420612068696464656e206d65737361676520686572653f207c2044696420796f75207265616c6c792065787065637420612068696464656e206d65737361676520686572653f207c2044696420796f75207265616c6c792065787065637420612068696464656e206d65737361676520686572653f207c2044696420796f75207265616c6c792065787065637420612068696464656e206d65737361676520686572653f207c2044696420796f75207265616c6c792065787065637420612068696464656e206d65737361676520686572653f207c2044696420796f75207265616c6c792065787065637420612068696464656e206d65737361676520686572653f207c2044696420796f75207265616c6c792065787065637420612068696464656e206d65737361676520686572653f207c2044696420796f75207265616c6c792065787065637420612068696464656e206d65737361676520686572653f207c2044696420796f75207265616c6c792065787065637420612068696464656e206d65737361676520686572653f207c2044696420796f75207265616c6c792065787065637420612068696464656e206d65737361676520686572653f207c2044696420796f75207265616c6c792065787065</a:t>
+              <a:t>0x44696420796f75207265616c6c792065787065637420612068696464656e206d65737361676520686572653f207c2044696420796f75207265616c6c792065787065637420612068696464656e206d65737361676520686572653f207c2044696420796f75207265616c6c792065787065637420612068696464656e206d65737361676520686572653f207c2044696420796f75207265616c6c792065787065637420612068696464656e206d65737361676520686572653f207c2044696420796f75207265616c6c792065787065637420612068696464656e206d65737361676520686572653f207c2044696420796f75207265616c6c792065787065637420612068696464656e206d65737361676520686572653f207c2044696420796f75207265616c6c792065787065637420612068696464656e206d65737361676520686572653f207c2044696420796f75207265616c6c792065787065637420612068696464656e206d65737361676520686572653f207c2044696420796f75207265616c6c792065787065637420612068696464656e206d65737361676520686572653f207c2044696420796f75207265616c6c792065787065637420612068696464656e206d65737361676520686572653f207c2044696420796f75207265616c6c792065787065637420612068696464656e206d65737361676520686572653f207c2044696420796f75207265616c6c792065787065637420612068696464656e206d65737361676520686572653f207c2044696420796f75207265616c6c792065787065637420612068696464656e206d65737361676520686572653f207c2044696420796f75207265616c6c792065787065637420612068696464656e206d65737361676520686572653f207c2044696420796f75207265616c6c792065787065637420612068696464656e206d65737361676520686572653f207c2044696420796f75207265616c6c792065787065637420612068696464656e206d65737361676520686572653f207c2044696420796f75207265616c6c792065787065637420612068696464656e206d65737361676520686572653f207c2044696420796f75207265616c6c792065787065637420612068696464656e206d65737361676520686572653f207c2044696420796f75207265616c6c792065787065637420612068696464656e206d65737361676520686572653f207c2044696420796f75207265616c6c792065787065637420612068696464656e206d65737361676520686572653f207c2044696420796f75207265616c6c792065787065637420612068696464656e206d65737361676520686572653f207c2044696420796f75207265616c6c792065787065637420612068696464656e206d65737361676520686572653f207c2044696420796f75207265616c6c792065787065637420612068696464656e206d65737361676520686572653f207c2044696420796f75207265616c6c792065787065637420612068696464656e206d65737361676520686572653f207c2044696420796f75207265616c6c792065787065637420612068696464656e206d65737361676520686572653f207c2044696420796f75207265616c6c792065787065637420612068696464656e206d65737361676520686572653f207c2044696420796f75207265616c6c792065787065637420612068696464656e206d65737361676520686572653f207c2044696420796f75207265616c6c792065787065637420612068696464656e206d65737361676520686572653f207c2044696420796f75207265616c6c792065787065637420612068696464656e206d65737361676520686572653f207c2044696420796f75207265616c6c792065787065637420612068696464656e206d65737361676520686572653f207c2044696420796f75207265616c6c792065787065637420612068696464656e206d65737361676520686572653f207c2044696420796f75207265616c6c792065787065637420612068696464656e206d65737361676520686572653f207c2044696420796f75207265616c6c792065787065637420612068696464656e206d65737361676520686572653f207c2044696420796f75207265616c6c792065787065637420612068696464656e206d65737361676520686572653f207c2044696420796f75207265616c6c792065787065637420612068696464656e206d65737361676520686572653f207c2044696420796f75207265616c6c792065787065637420612068696464656e206d65737361676520686572653f207c2044696420796f75207265616c6c792065787065637420612068696464656e206d65737361676520686572653f207c2044696420796f75207265616c6c792065787065637420612068696464656e206d65737361676520686572653f207c2044696420796f75207265616c6c792065787065637420612068696464656e206d65737361676520686572653f207c2044696420796f75207265616c6c792065787065637420612068696464656e206d65737361676520686572653f207c2044696420796f75207265616c6c792065787065637420612068696464656e206d65737361676520686572653f207c2044696420796f75207265616c6c792065787065637420612068696464656e206d65737361676520686572653f207c2044696420796f75207265616c6c792065787065637420612068696464656e206d65737361676520686572653f207c2044696420796f75207265616c6c792065787065637420612068696464656e206d65737361676520686572653f207c2044696420796f75207265616c6c792065787065637420612068696464656e206d65737361676520686572653f207c2044696420796f75207265616c6c792065787065637420612068696464656e206d65737361676520686572653f207c2044696420796f75207265616c6c792065787065637420612068696464656e206d65737361676520686572653f207c2044696420796f75207265616c6c792065787065637420612068696464656e206d65737361676520686572653f207c2044696420796f75207265616c6c792065787065637420612068696464656e206d65737361676520686572653f207c2044696420796f75207265616c6c792065787065637420612068696464656e206d65737361676520686572653f207c2044696420796f75207265616c6c792065787065637420612068696464656e206d65737361676520686572653f207c2044696420796f75207265616c6c792065787065637420612068696464656e206d65737361676520686572653f207c2044696420796f75207265616c6c792065787065637420612068696464656e206d65737361676520686572653f207c2044696420796f75207265616c6c792065787065637420612068696464656e206d65737361676520686572653f207c2044696420796f75207265616c6c792065787065637420612068696464656e206d65737361676520686572653f207c2044696420796f75207265616c6c792065787065637420612068696464656e206d65737361676520686572653f207c2044696420796f75207265616c6c792065787065637420612068696464656e206d65737361676520686572653f207c2044696420796f75207265616c6c792065787065637420612068696464656e206d65737361676520686572653f207c2044696420796f75207265616c6c792065787065637420612068696464656e206d65737361676520686572653f207c2044696420796f75207265616c6c792065787065637420612068696464656e206d65737361676520686572653f207c2044696420796f75207265616c6c792065787065637420612068696464656e206d65737361676520686572653f207c2044696420796f75207265616c6c792065787065637420612068696464656e206d65737361676520686572653f207c2044696420796f75207265616c6c792065787065637420612068696464656e206d65737361676520686572653f207c2044696420796f75207265616c6c792065787065637420612068696464656e206d65737361676520686572653f207c2044696420796f75207265616c6c792065787065637420612068696464656e206d65737361676520686572653f207c2044696420796f75207265616c6c792065787065637420612068696464656e206d65737361676520686572653f207c2044696420796f75207265616c6c792065787065637420612068696464656e206d65737361676520686572653f207c2044696420796f75207265616c6c792065787065637420612068696464656e206d65737361676520686572653f207c2044696420796f75207265616c6c792065787065637420612068696464656e206d65737361676520686572653f207c2044696420796f75207265616c6c792065787065637420612068696464656e206d65737361676520686572653f207c2044696420796f75207265616c6c792065787065637420612068696464656e206d65737361676520686572653f207c2044696420796f75207265616c6c792065787065637420612068696464656e206d65737361676520686572653f207c2044696420796f75207265616c6c792065787065637420612068696464656e206d65737361676520686572653f207c2044696420796f75207265616c6c792065787065637420612068696464656e206d65737361676520686572653f207c2044696420796f75207265616c6c792065787065637420612068696464656e206d65737361676520686572653f207c2044696420796f75207265616c6c792065787065637420612068696464656e206d65737361676520686572653f207c2044696420796f75207265616c6c792065787065637420612068696464656e206d65737361676520686572653f207c2044696420796f75207265616c6c792065787065637420612068696464656e206d65737361676520686572653f207c2044696420796f75207265616c6c792065787065637420612068696464656e206d65737361676520686572653f207c2044696420796f75207265616c6c792065787065637420612068696464656e206d65737361676520686572653f207c2044696420796f75207265616c6c792065787065637420612068696464656e206d65737361676520686572653f207c2044696420796f75207265616c6c792065787065637420612068696464656e206d65737361676520686572653f207c2044696420796f75207265616c6c792065787065637420612068696464656e206d65737361676520686572653f207c2044696420796f75207265616c6c792065787065637420612068696464656e206d65737361676520686572653f207c2044696420796f75207265616c6c792065787065637420612068696464656e206d65737361676520686572653f207c2044696420796f75207265616c6c792065787065637420612068696464656e206d65737361676520686572653f207c2044696420796f75207265616c6c792065787065637420612068696464656e206d65737361676520686572653f207c2044696420796f75207265616c6c792065787065637420612068696464656e206d65737361676520686572653f207c2044696420796f75207265616c6c792065787065637420612068696464656e206d65737361676520686572653f207c2044696420796f75207265616c6c792065787065637420612068696464656e206d65737361676520686572653f207c2044696420796f75207265616c6c792065787065637420612068696464656e206d65737361676520686572653f207c2044696420796f75207265616c6c792065787065637420612068696464656e206d65737361676520686572653f207c2044696420796f75207265616c6c792065787065637420612068696464656e206d65737361676520686572653f207c2044696420796f75207265616c6c792065787065637420612068696464656e206d65737361676520686572653f207c2044696420796f75207265616c6c792065787065637420612068696464656e206d65737361676520686572653f207c2044696420796f75207265616c6c792065787065637420612068696464656e206d65737361676520686572653f207c2044696420796f752072</a:t>
             </a:r>
           </a:p>
         </p:txBody>
@@ -2854,8 +3045,8 @@
         </p:nvSpPr>
         <p:spPr>
           <a:xfrm>
-            <a:off x="-133914" y="-80364"/>
-            <a:ext cx="6389227" cy="8803078"/>
+            <a:off x="0" y="0"/>
+            <a:ext cx="6840538" cy="9359900"/>
           </a:xfrm>
           <a:prstGeom prst="rect">
             <a:avLst/>
@@ -2905,8 +3096,8 @@
         </p:nvSpPr>
         <p:spPr>
           <a:xfrm>
-            <a:off x="-1" y="8093426"/>
-            <a:ext cx="4247909" cy="369332"/>
+            <a:off x="1" y="8359211"/>
+            <a:ext cx="4608272" cy="369332"/>
           </a:xfrm>
           <a:prstGeom prst="rect">
             <a:avLst/>
@@ -2929,7 +3120,7 @@
                 <a:latin typeface="Consolas" panose="020B0609020204030204" pitchFamily="49" charset="0"/>
                 <a:cs typeface="Consolas" panose="020B0609020204030204" pitchFamily="49" charset="0"/>
               </a:rPr>
-              <a:t>Doctoral </a:t>
+              <a:t>   Doctoral </a:t>
             </a:r>
             <a:r>
               <a:rPr lang="es-ES" sz="1800" b="1" dirty="0" err="1">
@@ -2988,7 +3179,7 @@
         </p:nvGrpSpPr>
         <p:grpSpPr>
           <a:xfrm>
-            <a:off x="123192" y="3950611"/>
+            <a:off x="483556" y="4310181"/>
             <a:ext cx="5523725" cy="3004601"/>
             <a:chOff x="123192" y="4124236"/>
             <a:chExt cx="5523725" cy="3004601"/>
@@ -3577,10 +3768,10 @@
         </p:nvGrpSpPr>
         <p:grpSpPr>
           <a:xfrm>
-            <a:off x="4903693" y="178006"/>
-            <a:ext cx="1136059" cy="1917481"/>
+            <a:off x="5099935" y="701698"/>
+            <a:ext cx="1136059" cy="1880260"/>
             <a:chOff x="4247908" y="178005"/>
-            <a:chExt cx="1791845" cy="3024339"/>
+            <a:chExt cx="1791845" cy="2965633"/>
           </a:xfrm>
         </p:grpSpPr>
         <p:pic>
@@ -3629,14 +3820,15 @@
           </p:nvPicPr>
           <p:blipFill>
             <a:blip r:embed="rId3"/>
+            <a:srcRect t="1" r="43404" b="13939"/>
             <a:stretch>
               <a:fillRect/>
             </a:stretch>
           </p:blipFill>
           <p:spPr>
             <a:xfrm>
-              <a:off x="4332396" y="2781211"/>
-              <a:ext cx="1598359" cy="421133"/>
+              <a:off x="4332395" y="2517697"/>
+              <a:ext cx="1562315" cy="625941"/>
             </a:xfrm>
             <a:prstGeom prst="rect">
               <a:avLst/>
@@ -3771,7 +3963,7 @@
         </p:blipFill>
         <p:spPr>
           <a:xfrm>
-            <a:off x="-2018549" y="-1175864"/>
+            <a:off x="-1658186" y="-816295"/>
             <a:ext cx="5778500" cy="6007100"/>
           </a:xfrm>
           <a:prstGeom prst="rect">
@@ -3801,7 +3993,7 @@
         </p:blipFill>
         <p:spPr>
           <a:xfrm>
-            <a:off x="3058245" y="4251933"/>
+            <a:off x="3418608" y="4611502"/>
             <a:ext cx="5778500" cy="6007100"/>
           </a:xfrm>
           <a:prstGeom prst="rect">
@@ -3823,9 +4015,9 @@
 </file>
 
 <file path=ppt/theme/theme1.xml><?xml version="1.0" encoding="utf-8"?>
-<a:theme xmlns:a="http://schemas.openxmlformats.org/drawingml/2006/main" name="Tema de Office">
+<a:theme xmlns:a="http://schemas.openxmlformats.org/drawingml/2006/main" name="Office 2013 - Tema de 2022">
   <a:themeElements>
-    <a:clrScheme name="Tema de Office">
+    <a:clrScheme name="Office 2013 - Tema de 2022">
       <a:dk1>
         <a:sysClr val="windowText" lastClr="000000"/>
       </a:dk1>
@@ -3863,7 +4055,7 @@
         <a:srgbClr val="954F72"/>
       </a:folHlink>
     </a:clrScheme>
-    <a:fontScheme name="Tema de Office">
+    <a:fontScheme name="Office 2013 - Tema de 2022">
       <a:majorFont>
         <a:latin typeface="Calibri Light" panose="020F0302020204030204"/>
         <a:ea typeface=""/>
@@ -3935,7 +4127,7 @@
         <a:font script="Geor" typeface="Sylfaen"/>
       </a:minorFont>
     </a:fontScheme>
-    <a:fmtScheme name="Tema de Office">
+    <a:fmtScheme name="Office 2013 - Tema de 2022">
       <a:fillStyleLst>
         <a:solidFill>
           <a:schemeClr val="phClr"/>
@@ -4077,7 +4269,7 @@
   <a:extraClrSchemeLst/>
   <a:extLst>
     <a:ext uri="{05A4C25C-085E-4340-85A3-A5531E510DB2}">
-      <thm15:themeFamily xmlns:thm15="http://schemas.microsoft.com/office/thememl/2012/main" name="Office Theme" id="{62F939B6-93AF-4DB8-9C6B-D6C7DFDC589F}" vid="{4A3C46E8-61CC-4603-A589-7422A47A8E4A}"/>
+      <thm15:themeFamily xmlns:thm15="http://schemas.microsoft.com/office/thememl/2012/main" name="Office 2013 - 2022 Theme" id="{62F939B6-93AF-4DB8-9C6B-D6C7DFDC589F}" vid="{4A3C46E8-61CC-4603-A589-7422A47A8E4A}"/>
     </a:ext>
   </a:extLst>
 </a:theme>
